--- a/FYP AI Based Agricultural Social Media App Zahoor - Abdullah.pptx
+++ b/FYP AI Based Agricultural Social Media App Zahoor - Abdullah.pptx
@@ -4,18 +4,33 @@
   <p:sldMasterIdLst>
     <p:sldMasterId id="2147483648" r:id="rId1"/>
   </p:sldMasterIdLst>
+  <p:notesMasterIdLst>
+    <p:notesMasterId r:id="rId25"/>
+  </p:notesMasterIdLst>
   <p:sldIdLst>
     <p:sldId id="266" r:id="rId2"/>
-    <p:sldId id="256" r:id="rId3"/>
-    <p:sldId id="257" r:id="rId4"/>
-    <p:sldId id="258" r:id="rId5"/>
-    <p:sldId id="259" r:id="rId6"/>
-    <p:sldId id="260" r:id="rId7"/>
-    <p:sldId id="261" r:id="rId8"/>
-    <p:sldId id="262" r:id="rId9"/>
-    <p:sldId id="263" r:id="rId10"/>
-    <p:sldId id="264" r:id="rId11"/>
-    <p:sldId id="265" r:id="rId12"/>
+    <p:sldId id="267" r:id="rId3"/>
+    <p:sldId id="256" r:id="rId4"/>
+    <p:sldId id="257" r:id="rId5"/>
+    <p:sldId id="258" r:id="rId6"/>
+    <p:sldId id="259" r:id="rId7"/>
+    <p:sldId id="260" r:id="rId8"/>
+    <p:sldId id="261" r:id="rId9"/>
+    <p:sldId id="262" r:id="rId10"/>
+    <p:sldId id="263" r:id="rId11"/>
+    <p:sldId id="264" r:id="rId12"/>
+    <p:sldId id="265" r:id="rId13"/>
+    <p:sldId id="268" r:id="rId14"/>
+    <p:sldId id="269" r:id="rId15"/>
+    <p:sldId id="270" r:id="rId16"/>
+    <p:sldId id="271" r:id="rId17"/>
+    <p:sldId id="272" r:id="rId18"/>
+    <p:sldId id="273" r:id="rId19"/>
+    <p:sldId id="274" r:id="rId20"/>
+    <p:sldId id="275" r:id="rId21"/>
+    <p:sldId id="276" r:id="rId22"/>
+    <p:sldId id="277" r:id="rId23"/>
+    <p:sldId id="278" r:id="rId24"/>
   </p:sldIdLst>
   <p:sldSz cx="12192000" cy="6858000"/>
   <p:notesSz cx="6858000" cy="9144000"/>
@@ -133,6 +148,439 @@
 </p:presentation>
 </file>
 
+<file path=ppt/notesMasters/notesMaster1.xml><?xml version="1.0" encoding="utf-8"?>
+<p:notesMaster xmlns:a="http://schemas.openxmlformats.org/drawingml/2006/main" xmlns:r="http://schemas.openxmlformats.org/officeDocument/2006/relationships" xmlns:p="http://schemas.openxmlformats.org/presentationml/2006/main">
+  <p:cSld>
+    <p:bg>
+      <p:bgRef idx="1001">
+        <a:schemeClr val="bg1"/>
+      </p:bgRef>
+    </p:bg>
+    <p:spTree>
+      <p:nvGrpSpPr>
+        <p:cNvPr id="1" name=""/>
+        <p:cNvGrpSpPr/>
+        <p:nvPr/>
+      </p:nvGrpSpPr>
+      <p:grpSpPr>
+        <a:xfrm>
+          <a:off x="0" y="0"/>
+          <a:ext cx="0" cy="0"/>
+          <a:chOff x="0" y="0"/>
+          <a:chExt cx="0" cy="0"/>
+        </a:xfrm>
+      </p:grpSpPr>
+      <p:sp>
+        <p:nvSpPr>
+          <p:cNvPr id="2" name="Header Placeholder 1"/>
+          <p:cNvSpPr>
+            <a:spLocks noGrp="1"/>
+          </p:cNvSpPr>
+          <p:nvPr>
+            <p:ph type="hdr" sz="quarter"/>
+          </p:nvPr>
+        </p:nvSpPr>
+        <p:spPr>
+          <a:xfrm>
+            <a:off x="0" y="0"/>
+            <a:ext cx="2971800" cy="458788"/>
+          </a:xfrm>
+          <a:prstGeom prst="rect">
+            <a:avLst/>
+          </a:prstGeom>
+        </p:spPr>
+        <p:txBody>
+          <a:bodyPr vert="horz" lIns="91440" tIns="45720" rIns="91440" bIns="45720" rtlCol="0"/>
+          <a:lstStyle>
+            <a:lvl1pPr algn="l">
+              <a:defRPr sz="1200"/>
+            </a:lvl1pPr>
+          </a:lstStyle>
+          <a:p>
+            <a:endParaRPr lang="en-US"/>
+          </a:p>
+        </p:txBody>
+      </p:sp>
+      <p:sp>
+        <p:nvSpPr>
+          <p:cNvPr id="3" name="Date Placeholder 2"/>
+          <p:cNvSpPr>
+            <a:spLocks noGrp="1"/>
+          </p:cNvSpPr>
+          <p:nvPr>
+            <p:ph type="dt" idx="1"/>
+          </p:nvPr>
+        </p:nvSpPr>
+        <p:spPr>
+          <a:xfrm>
+            <a:off x="3884613" y="0"/>
+            <a:ext cx="2971800" cy="458788"/>
+          </a:xfrm>
+          <a:prstGeom prst="rect">
+            <a:avLst/>
+          </a:prstGeom>
+        </p:spPr>
+        <p:txBody>
+          <a:bodyPr vert="horz" lIns="91440" tIns="45720" rIns="91440" bIns="45720" rtlCol="0"/>
+          <a:lstStyle>
+            <a:lvl1pPr algn="r">
+              <a:defRPr sz="1200"/>
+            </a:lvl1pPr>
+          </a:lstStyle>
+          <a:p>
+            <a:fld id="{983CF24F-9143-4635-9AEB-D38C5368733A}" type="datetimeFigureOut">
+              <a:rPr lang="en-US" smtClean="0"/>
+              <a:t>10/24/2024</a:t>
+            </a:fld>
+            <a:endParaRPr lang="en-US"/>
+          </a:p>
+        </p:txBody>
+      </p:sp>
+      <p:sp>
+        <p:nvSpPr>
+          <p:cNvPr id="4" name="Slide Image Placeholder 3"/>
+          <p:cNvSpPr>
+            <a:spLocks noGrp="1" noRot="1" noChangeAspect="1"/>
+          </p:cNvSpPr>
+          <p:nvPr>
+            <p:ph type="sldImg" idx="2"/>
+          </p:nvPr>
+        </p:nvSpPr>
+        <p:spPr>
+          <a:xfrm>
+            <a:off x="685800" y="1143000"/>
+            <a:ext cx="5486400" cy="3086100"/>
+          </a:xfrm>
+          <a:prstGeom prst="rect">
+            <a:avLst/>
+          </a:prstGeom>
+          <a:noFill/>
+          <a:ln w="12700">
+            <a:solidFill>
+              <a:prstClr val="black"/>
+            </a:solidFill>
+          </a:ln>
+        </p:spPr>
+        <p:txBody>
+          <a:bodyPr vert="horz" lIns="91440" tIns="45720" rIns="91440" bIns="45720" rtlCol="0" anchor="ctr"/>
+          <a:lstStyle/>
+          <a:p>
+            <a:endParaRPr lang="en-US"/>
+          </a:p>
+        </p:txBody>
+      </p:sp>
+      <p:sp>
+        <p:nvSpPr>
+          <p:cNvPr id="5" name="Notes Placeholder 4"/>
+          <p:cNvSpPr>
+            <a:spLocks noGrp="1"/>
+          </p:cNvSpPr>
+          <p:nvPr>
+            <p:ph type="body" sz="quarter" idx="3"/>
+          </p:nvPr>
+        </p:nvSpPr>
+        <p:spPr>
+          <a:xfrm>
+            <a:off x="685800" y="4400550"/>
+            <a:ext cx="5486400" cy="3600450"/>
+          </a:xfrm>
+          <a:prstGeom prst="rect">
+            <a:avLst/>
+          </a:prstGeom>
+        </p:spPr>
+        <p:txBody>
+          <a:bodyPr vert="horz" lIns="91440" tIns="45720" rIns="91440" bIns="45720" rtlCol="0"/>
+          <a:lstStyle/>
+          <a:p>
+            <a:pPr lvl="0"/>
+            <a:r>
+              <a:rPr lang="en-US"/>
+              <a:t>Edit Master text styles</a:t>
+            </a:r>
+          </a:p>
+          <a:p>
+            <a:pPr lvl="1"/>
+            <a:r>
+              <a:rPr lang="en-US"/>
+              <a:t>Second level</a:t>
+            </a:r>
+          </a:p>
+          <a:p>
+            <a:pPr lvl="2"/>
+            <a:r>
+              <a:rPr lang="en-US"/>
+              <a:t>Third level</a:t>
+            </a:r>
+          </a:p>
+          <a:p>
+            <a:pPr lvl="3"/>
+            <a:r>
+              <a:rPr lang="en-US"/>
+              <a:t>Fourth level</a:t>
+            </a:r>
+          </a:p>
+          <a:p>
+            <a:pPr lvl="4"/>
+            <a:r>
+              <a:rPr lang="en-US"/>
+              <a:t>Fifth level</a:t>
+            </a:r>
+          </a:p>
+        </p:txBody>
+      </p:sp>
+      <p:sp>
+        <p:nvSpPr>
+          <p:cNvPr id="6" name="Footer Placeholder 5"/>
+          <p:cNvSpPr>
+            <a:spLocks noGrp="1"/>
+          </p:cNvSpPr>
+          <p:nvPr>
+            <p:ph type="ftr" sz="quarter" idx="4"/>
+          </p:nvPr>
+        </p:nvSpPr>
+        <p:spPr>
+          <a:xfrm>
+            <a:off x="0" y="8685213"/>
+            <a:ext cx="2971800" cy="458787"/>
+          </a:xfrm>
+          <a:prstGeom prst="rect">
+            <a:avLst/>
+          </a:prstGeom>
+        </p:spPr>
+        <p:txBody>
+          <a:bodyPr vert="horz" lIns="91440" tIns="45720" rIns="91440" bIns="45720" rtlCol="0" anchor="b"/>
+          <a:lstStyle>
+            <a:lvl1pPr algn="l">
+              <a:defRPr sz="1200"/>
+            </a:lvl1pPr>
+          </a:lstStyle>
+          <a:p>
+            <a:endParaRPr lang="en-US"/>
+          </a:p>
+        </p:txBody>
+      </p:sp>
+      <p:sp>
+        <p:nvSpPr>
+          <p:cNvPr id="7" name="Slide Number Placeholder 6"/>
+          <p:cNvSpPr>
+            <a:spLocks noGrp="1"/>
+          </p:cNvSpPr>
+          <p:nvPr>
+            <p:ph type="sldNum" sz="quarter" idx="5"/>
+          </p:nvPr>
+        </p:nvSpPr>
+        <p:spPr>
+          <a:xfrm>
+            <a:off x="3884613" y="8685213"/>
+            <a:ext cx="2971800" cy="458787"/>
+          </a:xfrm>
+          <a:prstGeom prst="rect">
+            <a:avLst/>
+          </a:prstGeom>
+        </p:spPr>
+        <p:txBody>
+          <a:bodyPr vert="horz" lIns="91440" tIns="45720" rIns="91440" bIns="45720" rtlCol="0" anchor="b"/>
+          <a:lstStyle>
+            <a:lvl1pPr algn="r">
+              <a:defRPr sz="1200"/>
+            </a:lvl1pPr>
+          </a:lstStyle>
+          <a:p>
+            <a:fld id="{F16DA323-7D13-4E0A-B57F-460BBF599929}" type="slidenum">
+              <a:rPr lang="en-US" smtClean="0"/>
+              <a:t>‹#›</a:t>
+            </a:fld>
+            <a:endParaRPr lang="en-US"/>
+          </a:p>
+        </p:txBody>
+      </p:sp>
+    </p:spTree>
+    <p:extLst>
+      <p:ext uri="{BB962C8B-B14F-4D97-AF65-F5344CB8AC3E}">
+        <p14:creationId xmlns:p14="http://schemas.microsoft.com/office/powerpoint/2010/main" val="3454990538"/>
+      </p:ext>
+    </p:extLst>
+  </p:cSld>
+  <p:clrMap bg1="lt1" tx1="dk1" bg2="lt2" tx2="dk2" accent1="accent1" accent2="accent2" accent3="accent3" accent4="accent4" accent5="accent5" accent6="accent6" hlink="hlink" folHlink="folHlink"/>
+  <p:notesStyle>
+    <a:lvl1pPr marL="0" algn="l" defTabSz="914400" rtl="0" eaLnBrk="1" latinLnBrk="0" hangingPunct="1">
+      <a:defRPr sz="1200" kern="1200">
+        <a:solidFill>
+          <a:schemeClr val="tx1"/>
+        </a:solidFill>
+        <a:latin typeface="+mn-lt"/>
+        <a:ea typeface="+mn-ea"/>
+        <a:cs typeface="+mn-cs"/>
+      </a:defRPr>
+    </a:lvl1pPr>
+    <a:lvl2pPr marL="457200" algn="l" defTabSz="914400" rtl="0" eaLnBrk="1" latinLnBrk="0" hangingPunct="1">
+      <a:defRPr sz="1200" kern="1200">
+        <a:solidFill>
+          <a:schemeClr val="tx1"/>
+        </a:solidFill>
+        <a:latin typeface="+mn-lt"/>
+        <a:ea typeface="+mn-ea"/>
+        <a:cs typeface="+mn-cs"/>
+      </a:defRPr>
+    </a:lvl2pPr>
+    <a:lvl3pPr marL="914400" algn="l" defTabSz="914400" rtl="0" eaLnBrk="1" latinLnBrk="0" hangingPunct="1">
+      <a:defRPr sz="1200" kern="1200">
+        <a:solidFill>
+          <a:schemeClr val="tx1"/>
+        </a:solidFill>
+        <a:latin typeface="+mn-lt"/>
+        <a:ea typeface="+mn-ea"/>
+        <a:cs typeface="+mn-cs"/>
+      </a:defRPr>
+    </a:lvl3pPr>
+    <a:lvl4pPr marL="1371600" algn="l" defTabSz="914400" rtl="0" eaLnBrk="1" latinLnBrk="0" hangingPunct="1">
+      <a:defRPr sz="1200" kern="1200">
+        <a:solidFill>
+          <a:schemeClr val="tx1"/>
+        </a:solidFill>
+        <a:latin typeface="+mn-lt"/>
+        <a:ea typeface="+mn-ea"/>
+        <a:cs typeface="+mn-cs"/>
+      </a:defRPr>
+    </a:lvl4pPr>
+    <a:lvl5pPr marL="1828800" algn="l" defTabSz="914400" rtl="0" eaLnBrk="1" latinLnBrk="0" hangingPunct="1">
+      <a:defRPr sz="1200" kern="1200">
+        <a:solidFill>
+          <a:schemeClr val="tx1"/>
+        </a:solidFill>
+        <a:latin typeface="+mn-lt"/>
+        <a:ea typeface="+mn-ea"/>
+        <a:cs typeface="+mn-cs"/>
+      </a:defRPr>
+    </a:lvl5pPr>
+    <a:lvl6pPr marL="2286000" algn="l" defTabSz="914400" rtl="0" eaLnBrk="1" latinLnBrk="0" hangingPunct="1">
+      <a:defRPr sz="1200" kern="1200">
+        <a:solidFill>
+          <a:schemeClr val="tx1"/>
+        </a:solidFill>
+        <a:latin typeface="+mn-lt"/>
+        <a:ea typeface="+mn-ea"/>
+        <a:cs typeface="+mn-cs"/>
+      </a:defRPr>
+    </a:lvl6pPr>
+    <a:lvl7pPr marL="2743200" algn="l" defTabSz="914400" rtl="0" eaLnBrk="1" latinLnBrk="0" hangingPunct="1">
+      <a:defRPr sz="1200" kern="1200">
+        <a:solidFill>
+          <a:schemeClr val="tx1"/>
+        </a:solidFill>
+        <a:latin typeface="+mn-lt"/>
+        <a:ea typeface="+mn-ea"/>
+        <a:cs typeface="+mn-cs"/>
+      </a:defRPr>
+    </a:lvl7pPr>
+    <a:lvl8pPr marL="3200400" algn="l" defTabSz="914400" rtl="0" eaLnBrk="1" latinLnBrk="0" hangingPunct="1">
+      <a:defRPr sz="1200" kern="1200">
+        <a:solidFill>
+          <a:schemeClr val="tx1"/>
+        </a:solidFill>
+        <a:latin typeface="+mn-lt"/>
+        <a:ea typeface="+mn-ea"/>
+        <a:cs typeface="+mn-cs"/>
+      </a:defRPr>
+    </a:lvl8pPr>
+    <a:lvl9pPr marL="3657600" algn="l" defTabSz="914400" rtl="0" eaLnBrk="1" latinLnBrk="0" hangingPunct="1">
+      <a:defRPr sz="1200" kern="1200">
+        <a:solidFill>
+          <a:schemeClr val="tx1"/>
+        </a:solidFill>
+        <a:latin typeface="+mn-lt"/>
+        <a:ea typeface="+mn-ea"/>
+        <a:cs typeface="+mn-cs"/>
+      </a:defRPr>
+    </a:lvl9pPr>
+  </p:notesStyle>
+</p:notesMaster>
+</file>
+
+<file path=ppt/notesSlides/notesSlide1.xml><?xml version="1.0" encoding="utf-8"?>
+<p:notes xmlns:a="http://schemas.openxmlformats.org/drawingml/2006/main" xmlns:r="http://schemas.openxmlformats.org/officeDocument/2006/relationships" xmlns:p="http://schemas.openxmlformats.org/presentationml/2006/main">
+  <p:cSld>
+    <p:spTree>
+      <p:nvGrpSpPr>
+        <p:cNvPr id="1" name=""/>
+        <p:cNvGrpSpPr/>
+        <p:nvPr/>
+      </p:nvGrpSpPr>
+      <p:grpSpPr>
+        <a:xfrm>
+          <a:off x="0" y="0"/>
+          <a:ext cx="0" cy="0"/>
+          <a:chOff x="0" y="0"/>
+          <a:chExt cx="0" cy="0"/>
+        </a:xfrm>
+      </p:grpSpPr>
+      <p:sp>
+        <p:nvSpPr>
+          <p:cNvPr id="2" name="Slide Image Placeholder 1"/>
+          <p:cNvSpPr>
+            <a:spLocks noGrp="1" noRot="1" noChangeAspect="1"/>
+          </p:cNvSpPr>
+          <p:nvPr>
+            <p:ph type="sldImg"/>
+          </p:nvPr>
+        </p:nvSpPr>
+        <p:spPr/>
+      </p:sp>
+      <p:sp>
+        <p:nvSpPr>
+          <p:cNvPr id="3" name="Notes Placeholder 2"/>
+          <p:cNvSpPr>
+            <a:spLocks noGrp="1"/>
+          </p:cNvSpPr>
+          <p:nvPr>
+            <p:ph type="body" idx="1"/>
+          </p:nvPr>
+        </p:nvSpPr>
+        <p:spPr/>
+        <p:txBody>
+          <a:bodyPr/>
+          <a:lstStyle/>
+          <a:p>
+            <a:endParaRPr lang="en-US" dirty="0"/>
+          </a:p>
+        </p:txBody>
+      </p:sp>
+      <p:sp>
+        <p:nvSpPr>
+          <p:cNvPr id="4" name="Slide Number Placeholder 3"/>
+          <p:cNvSpPr>
+            <a:spLocks noGrp="1"/>
+          </p:cNvSpPr>
+          <p:nvPr>
+            <p:ph type="sldNum" sz="quarter" idx="5"/>
+          </p:nvPr>
+        </p:nvSpPr>
+        <p:spPr/>
+        <p:txBody>
+          <a:bodyPr/>
+          <a:lstStyle/>
+          <a:p>
+            <a:fld id="{F16DA323-7D13-4E0A-B57F-460BBF599929}" type="slidenum">
+              <a:rPr lang="en-US" smtClean="0"/>
+              <a:t>1</a:t>
+            </a:fld>
+            <a:endParaRPr lang="en-US"/>
+          </a:p>
+        </p:txBody>
+      </p:sp>
+    </p:spTree>
+    <p:extLst>
+      <p:ext uri="{BB962C8B-B14F-4D97-AF65-F5344CB8AC3E}">
+        <p14:creationId xmlns:p14="http://schemas.microsoft.com/office/powerpoint/2010/main" val="1759075830"/>
+      </p:ext>
+    </p:extLst>
+  </p:cSld>
+  <p:clrMapOvr>
+    <a:masterClrMapping/>
+  </p:clrMapOvr>
+</p:notes>
+</file>
+
 <file path=ppt/slideLayouts/slideLayout1.xml><?xml version="1.0" encoding="utf-8"?>
 <p:sldLayout xmlns:a="http://schemas.openxmlformats.org/drawingml/2006/main" xmlns:r="http://schemas.openxmlformats.org/officeDocument/2006/relationships" xmlns:p="http://schemas.openxmlformats.org/presentationml/2006/main" type="title" preserve="1">
   <p:cSld name="Title Slide">
@@ -370,6 +818,18 @@
   <p:clrMapOvr>
     <a:masterClrMapping/>
   </p:clrMapOvr>
+  <mc:AlternateContent xmlns:mc="http://schemas.openxmlformats.org/markup-compatibility/2006">
+    <mc:Choice xmlns:p159="http://schemas.microsoft.com/office/powerpoint/2015/09/main" Requires="p159">
+      <p:transition xmlns:p14="http://schemas.microsoft.com/office/powerpoint/2010/main" spd="slow" p14:dur="2000">
+        <p159:morph option="byObject"/>
+      </p:transition>
+    </mc:Choice>
+    <mc:Fallback>
+      <p:transition spd="slow">
+        <p:fade/>
+      </p:transition>
+    </mc:Fallback>
+  </mc:AlternateContent>
 </p:sldLayout>
 </file>
 
@@ -538,6 +998,18 @@
   <p:clrMapOvr>
     <a:masterClrMapping/>
   </p:clrMapOvr>
+  <mc:AlternateContent xmlns:mc="http://schemas.openxmlformats.org/markup-compatibility/2006">
+    <mc:Choice xmlns:p159="http://schemas.microsoft.com/office/powerpoint/2015/09/main" Requires="p159">
+      <p:transition xmlns:p14="http://schemas.microsoft.com/office/powerpoint/2010/main" spd="slow" p14:dur="2000">
+        <p159:morph option="byObject"/>
+      </p:transition>
+    </mc:Choice>
+    <mc:Fallback>
+      <p:transition spd="slow">
+        <p:fade/>
+      </p:transition>
+    </mc:Fallback>
+  </mc:AlternateContent>
 </p:sldLayout>
 </file>
 
@@ -716,6 +1188,18 @@
   <p:clrMapOvr>
     <a:masterClrMapping/>
   </p:clrMapOvr>
+  <mc:AlternateContent xmlns:mc="http://schemas.openxmlformats.org/markup-compatibility/2006">
+    <mc:Choice xmlns:p159="http://schemas.microsoft.com/office/powerpoint/2015/09/main" Requires="p159">
+      <p:transition xmlns:p14="http://schemas.microsoft.com/office/powerpoint/2010/main" spd="slow" p14:dur="2000">
+        <p159:morph option="byObject"/>
+      </p:transition>
+    </mc:Choice>
+    <mc:Fallback>
+      <p:transition spd="slow">
+        <p:fade/>
+      </p:transition>
+    </mc:Fallback>
+  </mc:AlternateContent>
 </p:sldLayout>
 </file>
 
@@ -884,6 +1368,18 @@
   <p:clrMapOvr>
     <a:masterClrMapping/>
   </p:clrMapOvr>
+  <mc:AlternateContent xmlns:mc="http://schemas.openxmlformats.org/markup-compatibility/2006">
+    <mc:Choice xmlns:p159="http://schemas.microsoft.com/office/powerpoint/2015/09/main" Requires="p159">
+      <p:transition xmlns:p14="http://schemas.microsoft.com/office/powerpoint/2010/main" spd="slow" p14:dur="2000">
+        <p159:morph option="byObject"/>
+      </p:transition>
+    </mc:Choice>
+    <mc:Fallback>
+      <p:transition spd="slow">
+        <p:fade/>
+      </p:transition>
+    </mc:Fallback>
+  </mc:AlternateContent>
 </p:sldLayout>
 </file>
 
@@ -1129,6 +1625,18 @@
   <p:clrMapOvr>
     <a:masterClrMapping/>
   </p:clrMapOvr>
+  <mc:AlternateContent xmlns:mc="http://schemas.openxmlformats.org/markup-compatibility/2006">
+    <mc:Choice xmlns:p159="http://schemas.microsoft.com/office/powerpoint/2015/09/main" Requires="p159">
+      <p:transition xmlns:p14="http://schemas.microsoft.com/office/powerpoint/2010/main" spd="slow" p14:dur="2000">
+        <p159:morph option="byObject"/>
+      </p:transition>
+    </mc:Choice>
+    <mc:Fallback>
+      <p:transition spd="slow">
+        <p:fade/>
+      </p:transition>
+    </mc:Fallback>
+  </mc:AlternateContent>
 </p:sldLayout>
 </file>
 
@@ -1414,6 +1922,18 @@
   <p:clrMapOvr>
     <a:masterClrMapping/>
   </p:clrMapOvr>
+  <mc:AlternateContent xmlns:mc="http://schemas.openxmlformats.org/markup-compatibility/2006">
+    <mc:Choice xmlns:p159="http://schemas.microsoft.com/office/powerpoint/2015/09/main" Requires="p159">
+      <p:transition xmlns:p14="http://schemas.microsoft.com/office/powerpoint/2010/main" spd="slow" p14:dur="2000">
+        <p159:morph option="byObject"/>
+      </p:transition>
+    </mc:Choice>
+    <mc:Fallback>
+      <p:transition spd="slow">
+        <p:fade/>
+      </p:transition>
+    </mc:Fallback>
+  </mc:AlternateContent>
 </p:sldLayout>
 </file>
 
@@ -1833,6 +2353,18 @@
   <p:clrMapOvr>
     <a:masterClrMapping/>
   </p:clrMapOvr>
+  <mc:AlternateContent xmlns:mc="http://schemas.openxmlformats.org/markup-compatibility/2006">
+    <mc:Choice xmlns:p159="http://schemas.microsoft.com/office/powerpoint/2015/09/main" Requires="p159">
+      <p:transition xmlns:p14="http://schemas.microsoft.com/office/powerpoint/2010/main" spd="slow" p14:dur="2000">
+        <p159:morph option="byObject"/>
+      </p:transition>
+    </mc:Choice>
+    <mc:Fallback>
+      <p:transition spd="slow">
+        <p:fade/>
+      </p:transition>
+    </mc:Fallback>
+  </mc:AlternateContent>
 </p:sldLayout>
 </file>
 
@@ -1950,6 +2482,18 @@
   <p:clrMapOvr>
     <a:masterClrMapping/>
   </p:clrMapOvr>
+  <mc:AlternateContent xmlns:mc="http://schemas.openxmlformats.org/markup-compatibility/2006">
+    <mc:Choice xmlns:p159="http://schemas.microsoft.com/office/powerpoint/2015/09/main" Requires="p159">
+      <p:transition xmlns:p14="http://schemas.microsoft.com/office/powerpoint/2010/main" spd="slow" p14:dur="2000">
+        <p159:morph option="byObject"/>
+      </p:transition>
+    </mc:Choice>
+    <mc:Fallback>
+      <p:transition spd="slow">
+        <p:fade/>
+      </p:transition>
+    </mc:Fallback>
+  </mc:AlternateContent>
 </p:sldLayout>
 </file>
 
@@ -2045,6 +2589,18 @@
   <p:clrMapOvr>
     <a:masterClrMapping/>
   </p:clrMapOvr>
+  <mc:AlternateContent xmlns:mc="http://schemas.openxmlformats.org/markup-compatibility/2006">
+    <mc:Choice xmlns:p159="http://schemas.microsoft.com/office/powerpoint/2015/09/main" Requires="p159">
+      <p:transition xmlns:p14="http://schemas.microsoft.com/office/powerpoint/2010/main" spd="slow" p14:dur="2000">
+        <p159:morph option="byObject"/>
+      </p:transition>
+    </mc:Choice>
+    <mc:Fallback>
+      <p:transition spd="slow">
+        <p:fade/>
+      </p:transition>
+    </mc:Fallback>
+  </mc:AlternateContent>
 </p:sldLayout>
 </file>
 
@@ -2320,6 +2876,18 @@
   <p:clrMapOvr>
     <a:masterClrMapping/>
   </p:clrMapOvr>
+  <mc:AlternateContent xmlns:mc="http://schemas.openxmlformats.org/markup-compatibility/2006">
+    <mc:Choice xmlns:p159="http://schemas.microsoft.com/office/powerpoint/2015/09/main" Requires="p159">
+      <p:transition xmlns:p14="http://schemas.microsoft.com/office/powerpoint/2010/main" spd="slow" p14:dur="2000">
+        <p159:morph option="byObject"/>
+      </p:transition>
+    </mc:Choice>
+    <mc:Fallback>
+      <p:transition spd="slow">
+        <p:fade/>
+      </p:transition>
+    </mc:Fallback>
+  </mc:AlternateContent>
 </p:sldLayout>
 </file>
 
@@ -2572,6 +3140,18 @@
   <p:clrMapOvr>
     <a:masterClrMapping/>
   </p:clrMapOvr>
+  <mc:AlternateContent xmlns:mc="http://schemas.openxmlformats.org/markup-compatibility/2006">
+    <mc:Choice xmlns:p159="http://schemas.microsoft.com/office/powerpoint/2015/09/main" Requires="p159">
+      <p:transition xmlns:p14="http://schemas.microsoft.com/office/powerpoint/2010/main" spd="slow" p14:dur="2000">
+        <p159:morph option="byObject"/>
+      </p:transition>
+    </mc:Choice>
+    <mc:Fallback>
+      <p:transition spd="slow">
+        <p:fade/>
+      </p:transition>
+    </mc:Fallback>
+  </mc:AlternateContent>
 </p:sldLayout>
 </file>
 
@@ -2579,9 +3159,41 @@
 <p:sldMaster xmlns:a="http://schemas.openxmlformats.org/drawingml/2006/main" xmlns:r="http://schemas.openxmlformats.org/officeDocument/2006/relationships" xmlns:p="http://schemas.openxmlformats.org/presentationml/2006/main">
   <p:cSld>
     <p:bg>
-      <p:bgRef idx="1001">
-        <a:schemeClr val="bg1"/>
-      </p:bgRef>
+      <p:bgPr>
+        <a:gradFill flip="none" rotWithShape="1">
+          <a:gsLst>
+            <a:gs pos="0">
+              <a:schemeClr val="accent3">
+                <a:lumMod val="5000"/>
+                <a:lumOff val="95000"/>
+              </a:schemeClr>
+            </a:gs>
+            <a:gs pos="74000">
+              <a:schemeClr val="accent3">
+                <a:lumMod val="45000"/>
+                <a:lumOff val="55000"/>
+              </a:schemeClr>
+            </a:gs>
+            <a:gs pos="83000">
+              <a:schemeClr val="accent3">
+                <a:lumMod val="45000"/>
+                <a:lumOff val="55000"/>
+              </a:schemeClr>
+            </a:gs>
+            <a:gs pos="100000">
+              <a:schemeClr val="accent3">
+                <a:lumMod val="30000"/>
+                <a:lumOff val="70000"/>
+              </a:schemeClr>
+            </a:gs>
+          </a:gsLst>
+          <a:path path="circle">
+            <a:fillToRect l="100000" t="100000"/>
+          </a:path>
+          <a:tileRect r="-100000" b="-100000"/>
+        </a:gradFill>
+        <a:effectLst/>
+      </p:bgPr>
     </p:bg>
     <p:spTree>
       <p:nvGrpSpPr>
@@ -2830,6 +3442,18 @@
     <p:sldLayoutId id="2147483658" r:id="rId10"/>
     <p:sldLayoutId id="2147483659" r:id="rId11"/>
   </p:sldLayoutIdLst>
+  <mc:AlternateContent xmlns:mc="http://schemas.openxmlformats.org/markup-compatibility/2006">
+    <mc:Choice xmlns:p159="http://schemas.microsoft.com/office/powerpoint/2015/09/main" Requires="p159">
+      <p:transition xmlns:p14="http://schemas.microsoft.com/office/powerpoint/2010/main" spd="slow" p14:dur="2000">
+        <p159:morph option="byObject"/>
+      </p:transition>
+    </mc:Choice>
+    <mc:Fallback>
+      <p:transition spd="slow">
+        <p:fade/>
+      </p:transition>
+    </mc:Fallback>
+  </mc:AlternateContent>
   <p:txStyles>
     <p:titleStyle>
       <a:lvl1pPr algn="ctr" defTabSz="457200" rtl="0" eaLnBrk="1" latinLnBrk="0" hangingPunct="1">
@@ -3360,13 +3984,13 @@
   <p:clrMapOvr>
     <a:masterClrMapping/>
   </p:clrMapOvr>
-  <mc:AlternateContent xmlns:mc="http://schemas.openxmlformats.org/markup-compatibility/2006" xmlns:p159="http://schemas.microsoft.com/office/powerpoint/2015/09/main">
-    <mc:Choice Requires="p159">
+  <mc:AlternateContent xmlns:mc="http://schemas.openxmlformats.org/markup-compatibility/2006">
+    <mc:Choice xmlns:p159="http://schemas.microsoft.com/office/powerpoint/2015/09/main" Requires="p159">
       <p:transition xmlns:p14="http://schemas.microsoft.com/office/powerpoint/2010/main" spd="slow" p14:dur="2000">
         <p159:morph option="byObject"/>
       </p:transition>
     </mc:Choice>
-    <mc:Fallback xmlns="">
+    <mc:Fallback>
       <p:transition spd="slow">
         <p:fade/>
       </p:transition>
@@ -3412,7 +4036,7 @@
                 <a:latin typeface="Times New Roman" panose="02020603050405020304" pitchFamily="18" charset="0"/>
                 <a:cs typeface="Times New Roman" panose="02020603050405020304" pitchFamily="18" charset="0"/>
               </a:rPr>
-              <a:t>Technologies Used</a:t>
+              <a:t>Future Expansion</a:t>
             </a:r>
           </a:p>
         </p:txBody>
@@ -3429,54 +4053,80 @@
         </p:nvSpPr>
         <p:spPr/>
         <p:txBody>
-          <a:bodyPr>
-            <a:normAutofit/>
-          </a:bodyPr>
+          <a:bodyPr/>
           <a:lstStyle/>
           <a:p>
+            <a:pPr marL="514350" indent="-514350">
+              <a:buFont typeface="+mj-lt"/>
+              <a:buAutoNum type="arabicPeriod"/>
+            </a:pPr>
+            <a:r>
+              <a:rPr b="1" dirty="0">
+                <a:latin typeface="Times New Roman" panose="02020603050405020304" pitchFamily="18" charset="0"/>
+                <a:cs typeface="Times New Roman" panose="02020603050405020304" pitchFamily="18" charset="0"/>
+              </a:rPr>
+              <a:t>Real-Time Weather Alerts</a:t>
+            </a:r>
             <a:r>
               <a:rPr dirty="0">
                 <a:latin typeface="Times New Roman" panose="02020603050405020304" pitchFamily="18" charset="0"/>
                 <a:cs typeface="Times New Roman" panose="02020603050405020304" pitchFamily="18" charset="0"/>
               </a:rPr>
-              <a:t>React Native, Next.js: Mobile and web development</a:t>
-            </a:r>
-          </a:p>
-          <a:p>
+              <a:t>: AI provides real-time weather updates based on location.</a:t>
+            </a:r>
+          </a:p>
+          <a:p>
+            <a:pPr marL="514350" indent="-514350">
+              <a:buFont typeface="+mj-lt"/>
+              <a:buAutoNum type="arabicPeriod"/>
+            </a:pPr>
+            <a:r>
+              <a:rPr b="1" dirty="0">
+                <a:latin typeface="Times New Roman" panose="02020603050405020304" pitchFamily="18" charset="0"/>
+                <a:cs typeface="Times New Roman" panose="02020603050405020304" pitchFamily="18" charset="0"/>
+              </a:rPr>
+              <a:t>Marketplace Integration: </a:t>
+            </a:r>
             <a:r>
               <a:rPr dirty="0">
                 <a:latin typeface="Times New Roman" panose="02020603050405020304" pitchFamily="18" charset="0"/>
                 <a:cs typeface="Times New Roman" panose="02020603050405020304" pitchFamily="18" charset="0"/>
               </a:rPr>
-              <a:t>LangChain, Hugging Face: AI integration for Generative responses</a:t>
-            </a:r>
-          </a:p>
-          <a:p>
-            <a:r>
-              <a:rPr dirty="0">
-                <a:latin typeface="Times New Roman" panose="02020603050405020304" pitchFamily="18" charset="0"/>
-                <a:cs typeface="Times New Roman" panose="02020603050405020304" pitchFamily="18" charset="0"/>
-              </a:rPr>
-              <a:t>Python (FastAPI): Backend for handling APIs and real-time updates.</a:t>
-            </a:r>
-          </a:p>
-          <a:p>
-            <a:r>
-              <a:rPr dirty="0">
-                <a:latin typeface="Times New Roman" panose="02020603050405020304" pitchFamily="18" charset="0"/>
-                <a:cs typeface="Times New Roman" panose="02020603050405020304" pitchFamily="18" charset="0"/>
-              </a:rPr>
-              <a:t>MongoDB, Prisma: Data management for storing user posts and interactions.</a:t>
-            </a:r>
-          </a:p>
-        </p:txBody>
-      </p:sp>
-      <p:sp>
-        <p:nvSpPr>
-          <p:cNvPr id="4" name="Subtitle 2">
+              <a:t>Farmers can buy/sell products directly through the app.</a:t>
+            </a:r>
+            <a:endParaRPr lang="en-US" dirty="0">
+              <a:latin typeface="Times New Roman" panose="02020603050405020304" pitchFamily="18" charset="0"/>
+              <a:cs typeface="Times New Roman" panose="02020603050405020304" pitchFamily="18" charset="0"/>
+            </a:endParaRPr>
+          </a:p>
+          <a:p>
+            <a:pPr marL="514350" indent="-514350">
+              <a:buFont typeface="+mj-lt"/>
+              <a:buAutoNum type="arabicPeriod"/>
+            </a:pPr>
+            <a:r>
+              <a:rPr lang="en-US" b="1" dirty="0">
+                <a:latin typeface="Times New Roman" panose="02020603050405020304" pitchFamily="18" charset="0"/>
+                <a:cs typeface="Times New Roman" panose="02020603050405020304" pitchFamily="18" charset="0"/>
+              </a:rPr>
+              <a:t>3D Models (Optional): </a:t>
+            </a:r>
+            <a:r>
+              <a:rPr lang="en-US" dirty="0">
+                <a:latin typeface="Times New Roman" panose="02020603050405020304" pitchFamily="18" charset="0"/>
+                <a:cs typeface="Times New Roman" panose="02020603050405020304" pitchFamily="18" charset="0"/>
+              </a:rPr>
+              <a:t>Potential for 3D farm models with enough data.</a:t>
+            </a:r>
+          </a:p>
+        </p:txBody>
+      </p:sp>
+      <p:sp>
+        <p:nvSpPr>
+          <p:cNvPr id="5" name="Subtitle 2">
             <a:extLst>
               <a:ext uri="{FF2B5EF4-FFF2-40B4-BE49-F238E27FC236}">
-                <a16:creationId xmlns:a16="http://schemas.microsoft.com/office/drawing/2014/main" id="{E23FD87B-FF4D-4392-B0CE-9EBBD38DFE96}"/>
+                <a16:creationId xmlns:a16="http://schemas.microsoft.com/office/drawing/2014/main" id="{4DBE9258-2351-4490-AC90-C554FFFAE873}"/>
               </a:ext>
             </a:extLst>
           </p:cNvPr>
@@ -3695,6 +4345,18 @@
   <p:clrMapOvr>
     <a:masterClrMapping/>
   </p:clrMapOvr>
+  <mc:AlternateContent xmlns:mc="http://schemas.openxmlformats.org/markup-compatibility/2006">
+    <mc:Choice xmlns:p159="http://schemas.microsoft.com/office/powerpoint/2015/09/main" Requires="p159">
+      <p:transition xmlns:p14="http://schemas.microsoft.com/office/powerpoint/2010/main" spd="slow" p14:dur="2000">
+        <p159:morph option="byObject"/>
+      </p:transition>
+    </mc:Choice>
+    <mc:Fallback>
+      <p:transition spd="slow">
+        <p:fade/>
+      </p:transition>
+    </mc:Fallback>
+  </mc:AlternateContent>
 </p:sld>
 </file>
 
@@ -3725,6 +4387,341 @@
             <p:ph type="title"/>
           </p:nvPr>
         </p:nvSpPr>
+        <p:spPr/>
+        <p:txBody>
+          <a:bodyPr/>
+          <a:lstStyle/>
+          <a:p>
+            <a:r>
+              <a:rPr b="1">
+                <a:latin typeface="Times New Roman" panose="02020603050405020304" pitchFamily="18" charset="0"/>
+                <a:cs typeface="Times New Roman" panose="02020603050405020304" pitchFamily="18" charset="0"/>
+              </a:rPr>
+              <a:t>Technologies Used</a:t>
+            </a:r>
+          </a:p>
+        </p:txBody>
+      </p:sp>
+      <p:sp>
+        <p:nvSpPr>
+          <p:cNvPr id="3" name="Content Placeholder 2"/>
+          <p:cNvSpPr>
+            <a:spLocks noGrp="1"/>
+          </p:cNvSpPr>
+          <p:nvPr>
+            <p:ph idx="1"/>
+          </p:nvPr>
+        </p:nvSpPr>
+        <p:spPr/>
+        <p:txBody>
+          <a:bodyPr>
+            <a:normAutofit/>
+          </a:bodyPr>
+          <a:lstStyle/>
+          <a:p>
+            <a:r>
+              <a:rPr dirty="0">
+                <a:latin typeface="Times New Roman" panose="02020603050405020304" pitchFamily="18" charset="0"/>
+                <a:cs typeface="Times New Roman" panose="02020603050405020304" pitchFamily="18" charset="0"/>
+              </a:rPr>
+              <a:t>React Native, Next.js: Mobile and web development</a:t>
+            </a:r>
+          </a:p>
+          <a:p>
+            <a:r>
+              <a:rPr dirty="0">
+                <a:latin typeface="Times New Roman" panose="02020603050405020304" pitchFamily="18" charset="0"/>
+                <a:cs typeface="Times New Roman" panose="02020603050405020304" pitchFamily="18" charset="0"/>
+              </a:rPr>
+              <a:t>LangChain, Hugging Face: AI integration for Generative responses</a:t>
+            </a:r>
+          </a:p>
+          <a:p>
+            <a:r>
+              <a:rPr dirty="0">
+                <a:latin typeface="Times New Roman" panose="02020603050405020304" pitchFamily="18" charset="0"/>
+                <a:cs typeface="Times New Roman" panose="02020603050405020304" pitchFamily="18" charset="0"/>
+              </a:rPr>
+              <a:t>Python (FastAPI): Backend for handling APIs and real-time updates.</a:t>
+            </a:r>
+          </a:p>
+          <a:p>
+            <a:r>
+              <a:rPr dirty="0">
+                <a:latin typeface="Times New Roman" panose="02020603050405020304" pitchFamily="18" charset="0"/>
+                <a:cs typeface="Times New Roman" panose="02020603050405020304" pitchFamily="18" charset="0"/>
+              </a:rPr>
+              <a:t>MongoDB, Prisma: Data management for storing user posts and interactions.</a:t>
+            </a:r>
+          </a:p>
+        </p:txBody>
+      </p:sp>
+      <p:sp>
+        <p:nvSpPr>
+          <p:cNvPr id="4" name="Subtitle 2">
+            <a:extLst>
+              <a:ext uri="{FF2B5EF4-FFF2-40B4-BE49-F238E27FC236}">
+                <a16:creationId xmlns:a16="http://schemas.microsoft.com/office/drawing/2014/main" id="{E23FD87B-FF4D-4392-B0CE-9EBBD38DFE96}"/>
+              </a:ext>
+            </a:extLst>
+          </p:cNvPr>
+          <p:cNvSpPr txBox="1">
+            <a:spLocks/>
+          </p:cNvSpPr>
+          <p:nvPr/>
+        </p:nvSpPr>
+        <p:spPr>
+          <a:xfrm>
+            <a:off x="2660988" y="6473293"/>
+            <a:ext cx="6870024" cy="371908"/>
+          </a:xfrm>
+          <a:prstGeom prst="rect">
+            <a:avLst/>
+          </a:prstGeom>
+        </p:spPr>
+        <p:txBody>
+          <a:bodyPr vert="horz" lIns="91440" tIns="45720" rIns="91440" bIns="45720" rtlCol="0">
+            <a:normAutofit/>
+          </a:bodyPr>
+          <a:lstStyle>
+            <a:lvl1pPr marL="342900" indent="-342900" algn="l" defTabSz="457200" rtl="0" eaLnBrk="1" latinLnBrk="0" hangingPunct="1">
+              <a:spcBef>
+                <a:spcPct val="20000"/>
+              </a:spcBef>
+              <a:buFont typeface="Arial"/>
+              <a:buChar char="•"/>
+              <a:defRPr sz="3200" kern="1200">
+                <a:solidFill>
+                  <a:schemeClr val="tx1"/>
+                </a:solidFill>
+                <a:latin typeface="+mn-lt"/>
+                <a:ea typeface="+mn-ea"/>
+                <a:cs typeface="+mn-cs"/>
+              </a:defRPr>
+            </a:lvl1pPr>
+            <a:lvl2pPr marL="742950" indent="-285750" algn="l" defTabSz="457200" rtl="0" eaLnBrk="1" latinLnBrk="0" hangingPunct="1">
+              <a:spcBef>
+                <a:spcPct val="20000"/>
+              </a:spcBef>
+              <a:buFont typeface="Arial"/>
+              <a:buChar char="–"/>
+              <a:defRPr sz="2800" kern="1200">
+                <a:solidFill>
+                  <a:schemeClr val="tx1"/>
+                </a:solidFill>
+                <a:latin typeface="+mn-lt"/>
+                <a:ea typeface="+mn-ea"/>
+                <a:cs typeface="+mn-cs"/>
+              </a:defRPr>
+            </a:lvl2pPr>
+            <a:lvl3pPr marL="1143000" indent="-228600" algn="l" defTabSz="457200" rtl="0" eaLnBrk="1" latinLnBrk="0" hangingPunct="1">
+              <a:spcBef>
+                <a:spcPct val="20000"/>
+              </a:spcBef>
+              <a:buFont typeface="Arial"/>
+              <a:buChar char="•"/>
+              <a:defRPr sz="2400" kern="1200">
+                <a:solidFill>
+                  <a:schemeClr val="tx1"/>
+                </a:solidFill>
+                <a:latin typeface="+mn-lt"/>
+                <a:ea typeface="+mn-ea"/>
+                <a:cs typeface="+mn-cs"/>
+              </a:defRPr>
+            </a:lvl3pPr>
+            <a:lvl4pPr marL="1600200" indent="-228600" algn="l" defTabSz="457200" rtl="0" eaLnBrk="1" latinLnBrk="0" hangingPunct="1">
+              <a:spcBef>
+                <a:spcPct val="20000"/>
+              </a:spcBef>
+              <a:buFont typeface="Arial"/>
+              <a:buChar char="–"/>
+              <a:defRPr sz="2000" kern="1200">
+                <a:solidFill>
+                  <a:schemeClr val="tx1"/>
+                </a:solidFill>
+                <a:latin typeface="+mn-lt"/>
+                <a:ea typeface="+mn-ea"/>
+                <a:cs typeface="+mn-cs"/>
+              </a:defRPr>
+            </a:lvl4pPr>
+            <a:lvl5pPr marL="2057400" indent="-228600" algn="l" defTabSz="457200" rtl="0" eaLnBrk="1" latinLnBrk="0" hangingPunct="1">
+              <a:spcBef>
+                <a:spcPct val="20000"/>
+              </a:spcBef>
+              <a:buFont typeface="Arial"/>
+              <a:buChar char="»"/>
+              <a:defRPr sz="2000" kern="1200">
+                <a:solidFill>
+                  <a:schemeClr val="tx1"/>
+                </a:solidFill>
+                <a:latin typeface="+mn-lt"/>
+                <a:ea typeface="+mn-ea"/>
+                <a:cs typeface="+mn-cs"/>
+              </a:defRPr>
+            </a:lvl5pPr>
+            <a:lvl6pPr marL="2514600" indent="-228600" algn="l" defTabSz="457200" rtl="0" eaLnBrk="1" latinLnBrk="0" hangingPunct="1">
+              <a:spcBef>
+                <a:spcPct val="20000"/>
+              </a:spcBef>
+              <a:buFont typeface="Arial"/>
+              <a:buChar char="•"/>
+              <a:defRPr sz="2000" kern="1200">
+                <a:solidFill>
+                  <a:schemeClr val="tx1"/>
+                </a:solidFill>
+                <a:latin typeface="+mn-lt"/>
+                <a:ea typeface="+mn-ea"/>
+                <a:cs typeface="+mn-cs"/>
+              </a:defRPr>
+            </a:lvl6pPr>
+            <a:lvl7pPr marL="2971800" indent="-228600" algn="l" defTabSz="457200" rtl="0" eaLnBrk="1" latinLnBrk="0" hangingPunct="1">
+              <a:spcBef>
+                <a:spcPct val="20000"/>
+              </a:spcBef>
+              <a:buFont typeface="Arial"/>
+              <a:buChar char="•"/>
+              <a:defRPr sz="2000" kern="1200">
+                <a:solidFill>
+                  <a:schemeClr val="tx1"/>
+                </a:solidFill>
+                <a:latin typeface="+mn-lt"/>
+                <a:ea typeface="+mn-ea"/>
+                <a:cs typeface="+mn-cs"/>
+              </a:defRPr>
+            </a:lvl7pPr>
+            <a:lvl8pPr marL="3429000" indent="-228600" algn="l" defTabSz="457200" rtl="0" eaLnBrk="1" latinLnBrk="0" hangingPunct="1">
+              <a:spcBef>
+                <a:spcPct val="20000"/>
+              </a:spcBef>
+              <a:buFont typeface="Arial"/>
+              <a:buChar char="•"/>
+              <a:defRPr sz="2000" kern="1200">
+                <a:solidFill>
+                  <a:schemeClr val="tx1"/>
+                </a:solidFill>
+                <a:latin typeface="+mn-lt"/>
+                <a:ea typeface="+mn-ea"/>
+                <a:cs typeface="+mn-cs"/>
+              </a:defRPr>
+            </a:lvl8pPr>
+            <a:lvl9pPr marL="3886200" indent="-228600" algn="l" defTabSz="457200" rtl="0" eaLnBrk="1" latinLnBrk="0" hangingPunct="1">
+              <a:spcBef>
+                <a:spcPct val="20000"/>
+              </a:spcBef>
+              <a:buFont typeface="Arial"/>
+              <a:buChar char="•"/>
+              <a:defRPr sz="2000" kern="1200">
+                <a:solidFill>
+                  <a:schemeClr val="tx1"/>
+                </a:solidFill>
+                <a:latin typeface="+mn-lt"/>
+                <a:ea typeface="+mn-ea"/>
+                <a:cs typeface="+mn-cs"/>
+              </a:defRPr>
+            </a:lvl9pPr>
+          </a:lstStyle>
+          <a:p>
+            <a:pPr marL="0" indent="0" algn="ctr">
+              <a:buNone/>
+            </a:pPr>
+            <a:r>
+              <a:rPr lang="en-US" sz="1800" dirty="0">
+                <a:solidFill>
+                  <a:schemeClr val="bg1">
+                    <a:lumMod val="50000"/>
+                  </a:schemeClr>
+                </a:solidFill>
+                <a:latin typeface="Times New Roman" panose="02020603050405020304" pitchFamily="18" charset="0"/>
+                <a:cs typeface="Times New Roman" panose="02020603050405020304" pitchFamily="18" charset="0"/>
+              </a:rPr>
+              <a:t>Zahoor Ahmad </a:t>
+            </a:r>
+            <a:r>
+              <a:rPr lang="en-US" sz="1000" dirty="0">
+                <a:solidFill>
+                  <a:schemeClr val="bg1">
+                    <a:lumMod val="50000"/>
+                  </a:schemeClr>
+                </a:solidFill>
+                <a:latin typeface="Times New Roman" panose="02020603050405020304" pitchFamily="18" charset="0"/>
+                <a:cs typeface="Times New Roman" panose="02020603050405020304" pitchFamily="18" charset="0"/>
+              </a:rPr>
+              <a:t>(2021-AG-7754)</a:t>
+            </a:r>
+            <a:r>
+              <a:rPr lang="en-US" sz="1800" dirty="0">
+                <a:solidFill>
+                  <a:schemeClr val="bg1">
+                    <a:lumMod val="50000"/>
+                  </a:schemeClr>
+                </a:solidFill>
+                <a:latin typeface="Times New Roman" panose="02020603050405020304" pitchFamily="18" charset="0"/>
+                <a:cs typeface="Times New Roman" panose="02020603050405020304" pitchFamily="18" charset="0"/>
+              </a:rPr>
+              <a:t>  ⎯⎯ Muhammad Abdullah </a:t>
+            </a:r>
+            <a:r>
+              <a:rPr lang="en-US" sz="1000" dirty="0">
+                <a:solidFill>
+                  <a:schemeClr val="bg1">
+                    <a:lumMod val="50000"/>
+                  </a:schemeClr>
+                </a:solidFill>
+                <a:latin typeface="Times New Roman" panose="02020603050405020304" pitchFamily="18" charset="0"/>
+                <a:cs typeface="Times New Roman" panose="02020603050405020304" pitchFamily="18" charset="0"/>
+              </a:rPr>
+              <a:t>(2021-AG-7779)</a:t>
+            </a:r>
+          </a:p>
+        </p:txBody>
+      </p:sp>
+    </p:spTree>
+  </p:cSld>
+  <p:clrMapOvr>
+    <a:masterClrMapping/>
+  </p:clrMapOvr>
+  <mc:AlternateContent xmlns:mc="http://schemas.openxmlformats.org/markup-compatibility/2006">
+    <mc:Choice xmlns:p159="http://schemas.microsoft.com/office/powerpoint/2015/09/main" Requires="p159">
+      <p:transition xmlns:p14="http://schemas.microsoft.com/office/powerpoint/2010/main" spd="slow" p14:dur="2000">
+        <p159:morph option="byObject"/>
+      </p:transition>
+    </mc:Choice>
+    <mc:Fallback>
+      <p:transition spd="slow">
+        <p:fade/>
+      </p:transition>
+    </mc:Fallback>
+  </mc:AlternateContent>
+</p:sld>
+</file>
+
+<file path=ppt/slides/slide12.xml><?xml version="1.0" encoding="utf-8"?>
+<p:sld xmlns:a="http://schemas.openxmlformats.org/drawingml/2006/main" xmlns:r="http://schemas.openxmlformats.org/officeDocument/2006/relationships" xmlns:p="http://schemas.openxmlformats.org/presentationml/2006/main">
+  <p:cSld>
+    <p:spTree>
+      <p:nvGrpSpPr>
+        <p:cNvPr id="1" name=""/>
+        <p:cNvGrpSpPr/>
+        <p:nvPr/>
+      </p:nvGrpSpPr>
+      <p:grpSpPr>
+        <a:xfrm>
+          <a:off x="0" y="0"/>
+          <a:ext cx="0" cy="0"/>
+          <a:chOff x="0" y="0"/>
+          <a:chExt cx="0" cy="0"/>
+        </a:xfrm>
+      </p:grpSpPr>
+      <p:sp>
+        <p:nvSpPr>
+          <p:cNvPr id="2" name="Title 1"/>
+          <p:cNvSpPr>
+            <a:spLocks noGrp="1"/>
+          </p:cNvSpPr>
+          <p:nvPr>
+            <p:ph type="title"/>
+          </p:nvPr>
+        </p:nvSpPr>
         <p:spPr>
           <a:xfrm>
             <a:off x="609600" y="1601416"/>
@@ -4002,6 +4999,2477 @@
   <p:clrMapOvr>
     <a:masterClrMapping/>
   </p:clrMapOvr>
+  <mc:AlternateContent xmlns:mc="http://schemas.openxmlformats.org/markup-compatibility/2006">
+    <mc:Choice xmlns:p159="http://schemas.microsoft.com/office/powerpoint/2015/09/main" Requires="p159">
+      <p:transition xmlns:p14="http://schemas.microsoft.com/office/powerpoint/2010/main" spd="slow" p14:dur="2000">
+        <p159:morph option="byObject"/>
+      </p:transition>
+    </mc:Choice>
+    <mc:Fallback>
+      <p:transition spd="slow">
+        <p:fade/>
+      </p:transition>
+    </mc:Fallback>
+  </mc:AlternateContent>
+</p:sld>
+</file>
+
+<file path=ppt/slides/slide13.xml><?xml version="1.0" encoding="utf-8"?>
+<p:sld xmlns:a="http://schemas.openxmlformats.org/drawingml/2006/main" xmlns:r="http://schemas.openxmlformats.org/officeDocument/2006/relationships" xmlns:p="http://schemas.openxmlformats.org/presentationml/2006/main">
+  <p:cSld>
+    <p:spTree>
+      <p:nvGrpSpPr>
+        <p:cNvPr id="1" name=""/>
+        <p:cNvGrpSpPr/>
+        <p:nvPr/>
+      </p:nvGrpSpPr>
+      <p:grpSpPr>
+        <a:xfrm>
+          <a:off x="0" y="0"/>
+          <a:ext cx="0" cy="0"/>
+          <a:chOff x="0" y="0"/>
+          <a:chExt cx="0" cy="0"/>
+        </a:xfrm>
+      </p:grpSpPr>
+      <p:sp>
+        <p:nvSpPr>
+          <p:cNvPr id="2" name="Title 1">
+            <a:extLst>
+              <a:ext uri="{FF2B5EF4-FFF2-40B4-BE49-F238E27FC236}">
+                <a16:creationId xmlns:a16="http://schemas.microsoft.com/office/drawing/2014/main" id="{04220925-52FC-4EE9-8D23-5580BC53236E}"/>
+              </a:ext>
+            </a:extLst>
+          </p:cNvPr>
+          <p:cNvSpPr>
+            <a:spLocks noGrp="1"/>
+          </p:cNvSpPr>
+          <p:nvPr>
+            <p:ph type="ctrTitle"/>
+          </p:nvPr>
+        </p:nvSpPr>
+        <p:spPr>
+          <a:xfrm>
+            <a:off x="914400" y="908615"/>
+            <a:ext cx="10363200" cy="829790"/>
+          </a:xfrm>
+        </p:spPr>
+        <p:txBody>
+          <a:bodyPr/>
+          <a:lstStyle/>
+          <a:p>
+            <a:r>
+              <a:rPr lang="en-US" dirty="0">
+                <a:latin typeface="Times New Roman" panose="02020603050405020304" pitchFamily="18" charset="0"/>
+                <a:cs typeface="Times New Roman" panose="02020603050405020304" pitchFamily="18" charset="0"/>
+              </a:rPr>
+              <a:t>Final Year Project Ideas.</a:t>
+            </a:r>
+          </a:p>
+        </p:txBody>
+      </p:sp>
+      <p:sp>
+        <p:nvSpPr>
+          <p:cNvPr id="4" name="Subtitle 2">
+            <a:extLst>
+              <a:ext uri="{FF2B5EF4-FFF2-40B4-BE49-F238E27FC236}">
+                <a16:creationId xmlns:a16="http://schemas.microsoft.com/office/drawing/2014/main" id="{78B6B227-A129-4C0F-9209-9858E4893059}"/>
+              </a:ext>
+            </a:extLst>
+          </p:cNvPr>
+          <p:cNvSpPr txBox="1">
+            <a:spLocks/>
+          </p:cNvSpPr>
+          <p:nvPr/>
+        </p:nvSpPr>
+        <p:spPr>
+          <a:xfrm>
+            <a:off x="2660988" y="6473293"/>
+            <a:ext cx="6870024" cy="371908"/>
+          </a:xfrm>
+          <a:prstGeom prst="rect">
+            <a:avLst/>
+          </a:prstGeom>
+        </p:spPr>
+        <p:txBody>
+          <a:bodyPr vert="horz" lIns="91440" tIns="45720" rIns="91440" bIns="45720" rtlCol="0">
+            <a:normAutofit/>
+          </a:bodyPr>
+          <a:lstStyle>
+            <a:lvl1pPr marL="342900" indent="-342900" algn="l" defTabSz="457200" rtl="0" eaLnBrk="1" latinLnBrk="0" hangingPunct="1">
+              <a:spcBef>
+                <a:spcPct val="20000"/>
+              </a:spcBef>
+              <a:buFont typeface="Arial"/>
+              <a:buChar char="•"/>
+              <a:defRPr sz="3200" kern="1200">
+                <a:solidFill>
+                  <a:schemeClr val="tx1"/>
+                </a:solidFill>
+                <a:latin typeface="+mn-lt"/>
+                <a:ea typeface="+mn-ea"/>
+                <a:cs typeface="+mn-cs"/>
+              </a:defRPr>
+            </a:lvl1pPr>
+            <a:lvl2pPr marL="742950" indent="-285750" algn="l" defTabSz="457200" rtl="0" eaLnBrk="1" latinLnBrk="0" hangingPunct="1">
+              <a:spcBef>
+                <a:spcPct val="20000"/>
+              </a:spcBef>
+              <a:buFont typeface="Arial"/>
+              <a:buChar char="–"/>
+              <a:defRPr sz="2800" kern="1200">
+                <a:solidFill>
+                  <a:schemeClr val="tx1"/>
+                </a:solidFill>
+                <a:latin typeface="+mn-lt"/>
+                <a:ea typeface="+mn-ea"/>
+                <a:cs typeface="+mn-cs"/>
+              </a:defRPr>
+            </a:lvl2pPr>
+            <a:lvl3pPr marL="1143000" indent="-228600" algn="l" defTabSz="457200" rtl="0" eaLnBrk="1" latinLnBrk="0" hangingPunct="1">
+              <a:spcBef>
+                <a:spcPct val="20000"/>
+              </a:spcBef>
+              <a:buFont typeface="Arial"/>
+              <a:buChar char="•"/>
+              <a:defRPr sz="2400" kern="1200">
+                <a:solidFill>
+                  <a:schemeClr val="tx1"/>
+                </a:solidFill>
+                <a:latin typeface="+mn-lt"/>
+                <a:ea typeface="+mn-ea"/>
+                <a:cs typeface="+mn-cs"/>
+              </a:defRPr>
+            </a:lvl3pPr>
+            <a:lvl4pPr marL="1600200" indent="-228600" algn="l" defTabSz="457200" rtl="0" eaLnBrk="1" latinLnBrk="0" hangingPunct="1">
+              <a:spcBef>
+                <a:spcPct val="20000"/>
+              </a:spcBef>
+              <a:buFont typeface="Arial"/>
+              <a:buChar char="–"/>
+              <a:defRPr sz="2000" kern="1200">
+                <a:solidFill>
+                  <a:schemeClr val="tx1"/>
+                </a:solidFill>
+                <a:latin typeface="+mn-lt"/>
+                <a:ea typeface="+mn-ea"/>
+                <a:cs typeface="+mn-cs"/>
+              </a:defRPr>
+            </a:lvl4pPr>
+            <a:lvl5pPr marL="2057400" indent="-228600" algn="l" defTabSz="457200" rtl="0" eaLnBrk="1" latinLnBrk="0" hangingPunct="1">
+              <a:spcBef>
+                <a:spcPct val="20000"/>
+              </a:spcBef>
+              <a:buFont typeface="Arial"/>
+              <a:buChar char="»"/>
+              <a:defRPr sz="2000" kern="1200">
+                <a:solidFill>
+                  <a:schemeClr val="tx1"/>
+                </a:solidFill>
+                <a:latin typeface="+mn-lt"/>
+                <a:ea typeface="+mn-ea"/>
+                <a:cs typeface="+mn-cs"/>
+              </a:defRPr>
+            </a:lvl5pPr>
+            <a:lvl6pPr marL="2514600" indent="-228600" algn="l" defTabSz="457200" rtl="0" eaLnBrk="1" latinLnBrk="0" hangingPunct="1">
+              <a:spcBef>
+                <a:spcPct val="20000"/>
+              </a:spcBef>
+              <a:buFont typeface="Arial"/>
+              <a:buChar char="•"/>
+              <a:defRPr sz="2000" kern="1200">
+                <a:solidFill>
+                  <a:schemeClr val="tx1"/>
+                </a:solidFill>
+                <a:latin typeface="+mn-lt"/>
+                <a:ea typeface="+mn-ea"/>
+                <a:cs typeface="+mn-cs"/>
+              </a:defRPr>
+            </a:lvl6pPr>
+            <a:lvl7pPr marL="2971800" indent="-228600" algn="l" defTabSz="457200" rtl="0" eaLnBrk="1" latinLnBrk="0" hangingPunct="1">
+              <a:spcBef>
+                <a:spcPct val="20000"/>
+              </a:spcBef>
+              <a:buFont typeface="Arial"/>
+              <a:buChar char="•"/>
+              <a:defRPr sz="2000" kern="1200">
+                <a:solidFill>
+                  <a:schemeClr val="tx1"/>
+                </a:solidFill>
+                <a:latin typeface="+mn-lt"/>
+                <a:ea typeface="+mn-ea"/>
+                <a:cs typeface="+mn-cs"/>
+              </a:defRPr>
+            </a:lvl7pPr>
+            <a:lvl8pPr marL="3429000" indent="-228600" algn="l" defTabSz="457200" rtl="0" eaLnBrk="1" latinLnBrk="0" hangingPunct="1">
+              <a:spcBef>
+                <a:spcPct val="20000"/>
+              </a:spcBef>
+              <a:buFont typeface="Arial"/>
+              <a:buChar char="•"/>
+              <a:defRPr sz="2000" kern="1200">
+                <a:solidFill>
+                  <a:schemeClr val="tx1"/>
+                </a:solidFill>
+                <a:latin typeface="+mn-lt"/>
+                <a:ea typeface="+mn-ea"/>
+                <a:cs typeface="+mn-cs"/>
+              </a:defRPr>
+            </a:lvl8pPr>
+            <a:lvl9pPr marL="3886200" indent="-228600" algn="l" defTabSz="457200" rtl="0" eaLnBrk="1" latinLnBrk="0" hangingPunct="1">
+              <a:spcBef>
+                <a:spcPct val="20000"/>
+              </a:spcBef>
+              <a:buFont typeface="Arial"/>
+              <a:buChar char="•"/>
+              <a:defRPr sz="2000" kern="1200">
+                <a:solidFill>
+                  <a:schemeClr val="tx1"/>
+                </a:solidFill>
+                <a:latin typeface="+mn-lt"/>
+                <a:ea typeface="+mn-ea"/>
+                <a:cs typeface="+mn-cs"/>
+              </a:defRPr>
+            </a:lvl9pPr>
+          </a:lstStyle>
+          <a:p>
+            <a:pPr marL="0" indent="0" algn="ctr">
+              <a:buNone/>
+            </a:pPr>
+            <a:r>
+              <a:rPr lang="en-US" sz="1800" dirty="0">
+                <a:solidFill>
+                  <a:schemeClr val="bg1">
+                    <a:lumMod val="50000"/>
+                  </a:schemeClr>
+                </a:solidFill>
+                <a:latin typeface="Times New Roman" panose="02020603050405020304" pitchFamily="18" charset="0"/>
+                <a:cs typeface="Times New Roman" panose="02020603050405020304" pitchFamily="18" charset="0"/>
+              </a:rPr>
+              <a:t>Zahoor Ahmad </a:t>
+            </a:r>
+            <a:r>
+              <a:rPr lang="en-US" sz="1000" dirty="0">
+                <a:solidFill>
+                  <a:schemeClr val="bg1">
+                    <a:lumMod val="50000"/>
+                  </a:schemeClr>
+                </a:solidFill>
+                <a:latin typeface="Times New Roman" panose="02020603050405020304" pitchFamily="18" charset="0"/>
+                <a:cs typeface="Times New Roman" panose="02020603050405020304" pitchFamily="18" charset="0"/>
+              </a:rPr>
+              <a:t>(2021-AG-7754)</a:t>
+            </a:r>
+            <a:r>
+              <a:rPr lang="en-US" sz="1800" dirty="0">
+                <a:solidFill>
+                  <a:schemeClr val="bg1">
+                    <a:lumMod val="50000"/>
+                  </a:schemeClr>
+                </a:solidFill>
+                <a:latin typeface="Times New Roman" panose="02020603050405020304" pitchFamily="18" charset="0"/>
+                <a:cs typeface="Times New Roman" panose="02020603050405020304" pitchFamily="18" charset="0"/>
+              </a:rPr>
+              <a:t>  ⎯⎯ Muhammad Abdullah </a:t>
+            </a:r>
+            <a:r>
+              <a:rPr lang="en-US" sz="1000" dirty="0">
+                <a:solidFill>
+                  <a:schemeClr val="bg1">
+                    <a:lumMod val="50000"/>
+                  </a:schemeClr>
+                </a:solidFill>
+                <a:latin typeface="Times New Roman" panose="02020603050405020304" pitchFamily="18" charset="0"/>
+                <a:cs typeface="Times New Roman" panose="02020603050405020304" pitchFamily="18" charset="0"/>
+              </a:rPr>
+              <a:t>(2021-AG-7779)</a:t>
+            </a:r>
+          </a:p>
+        </p:txBody>
+      </p:sp>
+      <p:sp>
+        <p:nvSpPr>
+          <p:cNvPr id="9" name="Title 1">
+            <a:extLst>
+              <a:ext uri="{FF2B5EF4-FFF2-40B4-BE49-F238E27FC236}">
+                <a16:creationId xmlns:a16="http://schemas.microsoft.com/office/drawing/2014/main" id="{AAF39B68-8722-4558-AAA0-93A1C85C36CD}"/>
+              </a:ext>
+            </a:extLst>
+          </p:cNvPr>
+          <p:cNvSpPr txBox="1">
+            <a:spLocks/>
+          </p:cNvSpPr>
+          <p:nvPr/>
+        </p:nvSpPr>
+        <p:spPr>
+          <a:xfrm>
+            <a:off x="905435" y="2522550"/>
+            <a:ext cx="10363200" cy="685777"/>
+          </a:xfrm>
+          <a:prstGeom prst="rect">
+            <a:avLst/>
+          </a:prstGeom>
+        </p:spPr>
+        <p:txBody>
+          <a:bodyPr vert="horz" lIns="91440" tIns="45720" rIns="91440" bIns="45720" rtlCol="0" anchor="ctr">
+            <a:normAutofit/>
+          </a:bodyPr>
+          <a:lstStyle>
+            <a:lvl1pPr algn="ctr" defTabSz="457200" rtl="0" eaLnBrk="1" latinLnBrk="0" hangingPunct="1">
+              <a:spcBef>
+                <a:spcPct val="0"/>
+              </a:spcBef>
+              <a:buNone/>
+              <a:defRPr sz="4400" kern="1200">
+                <a:solidFill>
+                  <a:schemeClr val="tx1"/>
+                </a:solidFill>
+                <a:latin typeface="+mj-lt"/>
+                <a:ea typeface="+mj-ea"/>
+                <a:cs typeface="+mj-cs"/>
+              </a:defRPr>
+            </a:lvl1pPr>
+          </a:lstStyle>
+          <a:p>
+            <a:pPr algn="l"/>
+            <a:r>
+              <a:rPr lang="it-IT" sz="2800" dirty="0">
+                <a:latin typeface="Times New Roman" panose="02020603050405020304" pitchFamily="18" charset="0"/>
+                <a:cs typeface="Times New Roman" panose="02020603050405020304" pitchFamily="18" charset="0"/>
+              </a:rPr>
+              <a:t>AI-Based Agricultural Social Media App</a:t>
+            </a:r>
+          </a:p>
+        </p:txBody>
+      </p:sp>
+      <p:sp>
+        <p:nvSpPr>
+          <p:cNvPr id="10" name="Title 1">
+            <a:extLst>
+              <a:ext uri="{FF2B5EF4-FFF2-40B4-BE49-F238E27FC236}">
+                <a16:creationId xmlns:a16="http://schemas.microsoft.com/office/drawing/2014/main" id="{86807ACF-91C3-4DD4-962B-C0A94B42D891}"/>
+              </a:ext>
+            </a:extLst>
+          </p:cNvPr>
+          <p:cNvSpPr txBox="1">
+            <a:spLocks/>
+          </p:cNvSpPr>
+          <p:nvPr/>
+        </p:nvSpPr>
+        <p:spPr>
+          <a:xfrm>
+            <a:off x="905435" y="3153962"/>
+            <a:ext cx="9144000" cy="550077"/>
+          </a:xfrm>
+          <a:prstGeom prst="rect">
+            <a:avLst/>
+          </a:prstGeom>
+        </p:spPr>
+        <p:txBody>
+          <a:bodyPr vert="horz" lIns="91440" tIns="45720" rIns="91440" bIns="45720" rtlCol="0" anchor="ctr">
+            <a:normAutofit/>
+          </a:bodyPr>
+          <a:lstStyle>
+            <a:lvl1pPr algn="ctr" defTabSz="457200" rtl="0" eaLnBrk="1" latinLnBrk="0" hangingPunct="1">
+              <a:spcBef>
+                <a:spcPct val="0"/>
+              </a:spcBef>
+              <a:buNone/>
+              <a:defRPr sz="4400" kern="1200">
+                <a:solidFill>
+                  <a:schemeClr val="tx1"/>
+                </a:solidFill>
+                <a:latin typeface="+mj-lt"/>
+                <a:ea typeface="+mj-ea"/>
+                <a:cs typeface="+mj-cs"/>
+              </a:defRPr>
+            </a:lvl1pPr>
+          </a:lstStyle>
+          <a:p>
+            <a:pPr algn="l"/>
+            <a:r>
+              <a:rPr lang="en-US" sz="2800">
+                <a:latin typeface="Times New Roman" panose="02020603050405020304" pitchFamily="18" charset="0"/>
+                <a:cs typeface="Times New Roman" panose="02020603050405020304" pitchFamily="18" charset="0"/>
+              </a:rPr>
+              <a:t>AI-Based Interior Design</a:t>
+            </a:r>
+            <a:endParaRPr lang="en-US" sz="2800" dirty="0">
+              <a:latin typeface="Times New Roman" panose="02020603050405020304" pitchFamily="18" charset="0"/>
+              <a:cs typeface="Times New Roman" panose="02020603050405020304" pitchFamily="18" charset="0"/>
+            </a:endParaRPr>
+          </a:p>
+        </p:txBody>
+      </p:sp>
+    </p:spTree>
+    <p:extLst>
+      <p:ext uri="{BB962C8B-B14F-4D97-AF65-F5344CB8AC3E}">
+        <p14:creationId xmlns:p14="http://schemas.microsoft.com/office/powerpoint/2010/main" val="1891361708"/>
+      </p:ext>
+    </p:extLst>
+  </p:cSld>
+  <p:clrMapOvr>
+    <a:masterClrMapping/>
+  </p:clrMapOvr>
+  <mc:AlternateContent xmlns:mc="http://schemas.openxmlformats.org/markup-compatibility/2006">
+    <mc:Choice xmlns:p159="http://schemas.microsoft.com/office/powerpoint/2015/09/main" Requires="p159">
+      <p:transition xmlns:p14="http://schemas.microsoft.com/office/powerpoint/2010/main" spd="slow" p14:dur="2000">
+        <p159:morph option="byObject"/>
+      </p:transition>
+    </mc:Choice>
+    <mc:Fallback>
+      <p:transition spd="slow">
+        <p:fade/>
+      </p:transition>
+    </mc:Fallback>
+  </mc:AlternateContent>
+</p:sld>
+</file>
+
+<file path=ppt/slides/slide14.xml><?xml version="1.0" encoding="utf-8"?>
+<p:sld xmlns:a="http://schemas.openxmlformats.org/drawingml/2006/main" xmlns:r="http://schemas.openxmlformats.org/officeDocument/2006/relationships" xmlns:p="http://schemas.openxmlformats.org/presentationml/2006/main">
+  <p:cSld>
+    <p:spTree>
+      <p:nvGrpSpPr>
+        <p:cNvPr id="1" name=""/>
+        <p:cNvGrpSpPr/>
+        <p:nvPr/>
+      </p:nvGrpSpPr>
+      <p:grpSpPr>
+        <a:xfrm>
+          <a:off x="0" y="0"/>
+          <a:ext cx="0" cy="0"/>
+          <a:chOff x="0" y="0"/>
+          <a:chExt cx="0" cy="0"/>
+        </a:xfrm>
+      </p:grpSpPr>
+      <p:sp>
+        <p:nvSpPr>
+          <p:cNvPr id="8" name="Subtitle 2">
+            <a:extLst>
+              <a:ext uri="{FF2B5EF4-FFF2-40B4-BE49-F238E27FC236}">
+                <a16:creationId xmlns:a16="http://schemas.microsoft.com/office/drawing/2014/main" id="{AD63672A-F6EC-4677-9A7B-1D7D91AB0AFF}"/>
+              </a:ext>
+            </a:extLst>
+          </p:cNvPr>
+          <p:cNvSpPr txBox="1">
+            <a:spLocks/>
+          </p:cNvSpPr>
+          <p:nvPr/>
+        </p:nvSpPr>
+        <p:spPr>
+          <a:xfrm>
+            <a:off x="1523999" y="4009194"/>
+            <a:ext cx="9144002" cy="495010"/>
+          </a:xfrm>
+          <a:prstGeom prst="rect">
+            <a:avLst/>
+          </a:prstGeom>
+        </p:spPr>
+        <p:txBody>
+          <a:bodyPr vert="horz" lIns="91440" tIns="45720" rIns="91440" bIns="45720" rtlCol="0">
+            <a:normAutofit/>
+          </a:bodyPr>
+          <a:lstStyle>
+            <a:lvl1pPr marL="342900" indent="-342900" algn="l" defTabSz="457200" rtl="0" eaLnBrk="1" latinLnBrk="0" hangingPunct="1">
+              <a:spcBef>
+                <a:spcPct val="20000"/>
+              </a:spcBef>
+              <a:buFont typeface="Arial"/>
+              <a:buChar char="•"/>
+              <a:defRPr sz="3200" kern="1200">
+                <a:solidFill>
+                  <a:schemeClr val="tx1"/>
+                </a:solidFill>
+                <a:latin typeface="+mn-lt"/>
+                <a:ea typeface="+mn-ea"/>
+                <a:cs typeface="+mn-cs"/>
+              </a:defRPr>
+            </a:lvl1pPr>
+            <a:lvl2pPr marL="742950" indent="-285750" algn="l" defTabSz="457200" rtl="0" eaLnBrk="1" latinLnBrk="0" hangingPunct="1">
+              <a:spcBef>
+                <a:spcPct val="20000"/>
+              </a:spcBef>
+              <a:buFont typeface="Arial"/>
+              <a:buChar char="–"/>
+              <a:defRPr sz="2800" kern="1200">
+                <a:solidFill>
+                  <a:schemeClr val="tx1"/>
+                </a:solidFill>
+                <a:latin typeface="+mn-lt"/>
+                <a:ea typeface="+mn-ea"/>
+                <a:cs typeface="+mn-cs"/>
+              </a:defRPr>
+            </a:lvl2pPr>
+            <a:lvl3pPr marL="1143000" indent="-228600" algn="l" defTabSz="457200" rtl="0" eaLnBrk="1" latinLnBrk="0" hangingPunct="1">
+              <a:spcBef>
+                <a:spcPct val="20000"/>
+              </a:spcBef>
+              <a:buFont typeface="Arial"/>
+              <a:buChar char="•"/>
+              <a:defRPr sz="2400" kern="1200">
+                <a:solidFill>
+                  <a:schemeClr val="tx1"/>
+                </a:solidFill>
+                <a:latin typeface="+mn-lt"/>
+                <a:ea typeface="+mn-ea"/>
+                <a:cs typeface="+mn-cs"/>
+              </a:defRPr>
+            </a:lvl3pPr>
+            <a:lvl4pPr marL="1600200" indent="-228600" algn="l" defTabSz="457200" rtl="0" eaLnBrk="1" latinLnBrk="0" hangingPunct="1">
+              <a:spcBef>
+                <a:spcPct val="20000"/>
+              </a:spcBef>
+              <a:buFont typeface="Arial"/>
+              <a:buChar char="–"/>
+              <a:defRPr sz="2000" kern="1200">
+                <a:solidFill>
+                  <a:schemeClr val="tx1"/>
+                </a:solidFill>
+                <a:latin typeface="+mn-lt"/>
+                <a:ea typeface="+mn-ea"/>
+                <a:cs typeface="+mn-cs"/>
+              </a:defRPr>
+            </a:lvl4pPr>
+            <a:lvl5pPr marL="2057400" indent="-228600" algn="l" defTabSz="457200" rtl="0" eaLnBrk="1" latinLnBrk="0" hangingPunct="1">
+              <a:spcBef>
+                <a:spcPct val="20000"/>
+              </a:spcBef>
+              <a:buFont typeface="Arial"/>
+              <a:buChar char="»"/>
+              <a:defRPr sz="2000" kern="1200">
+                <a:solidFill>
+                  <a:schemeClr val="tx1"/>
+                </a:solidFill>
+                <a:latin typeface="+mn-lt"/>
+                <a:ea typeface="+mn-ea"/>
+                <a:cs typeface="+mn-cs"/>
+              </a:defRPr>
+            </a:lvl5pPr>
+            <a:lvl6pPr marL="2514600" indent="-228600" algn="l" defTabSz="457200" rtl="0" eaLnBrk="1" latinLnBrk="0" hangingPunct="1">
+              <a:spcBef>
+                <a:spcPct val="20000"/>
+              </a:spcBef>
+              <a:buFont typeface="Arial"/>
+              <a:buChar char="•"/>
+              <a:defRPr sz="2000" kern="1200">
+                <a:solidFill>
+                  <a:schemeClr val="tx1"/>
+                </a:solidFill>
+                <a:latin typeface="+mn-lt"/>
+                <a:ea typeface="+mn-ea"/>
+                <a:cs typeface="+mn-cs"/>
+              </a:defRPr>
+            </a:lvl6pPr>
+            <a:lvl7pPr marL="2971800" indent="-228600" algn="l" defTabSz="457200" rtl="0" eaLnBrk="1" latinLnBrk="0" hangingPunct="1">
+              <a:spcBef>
+                <a:spcPct val="20000"/>
+              </a:spcBef>
+              <a:buFont typeface="Arial"/>
+              <a:buChar char="•"/>
+              <a:defRPr sz="2000" kern="1200">
+                <a:solidFill>
+                  <a:schemeClr val="tx1"/>
+                </a:solidFill>
+                <a:latin typeface="+mn-lt"/>
+                <a:ea typeface="+mn-ea"/>
+                <a:cs typeface="+mn-cs"/>
+              </a:defRPr>
+            </a:lvl7pPr>
+            <a:lvl8pPr marL="3429000" indent="-228600" algn="l" defTabSz="457200" rtl="0" eaLnBrk="1" latinLnBrk="0" hangingPunct="1">
+              <a:spcBef>
+                <a:spcPct val="20000"/>
+              </a:spcBef>
+              <a:buFont typeface="Arial"/>
+              <a:buChar char="•"/>
+              <a:defRPr sz="2000" kern="1200">
+                <a:solidFill>
+                  <a:schemeClr val="tx1"/>
+                </a:solidFill>
+                <a:latin typeface="+mn-lt"/>
+                <a:ea typeface="+mn-ea"/>
+                <a:cs typeface="+mn-cs"/>
+              </a:defRPr>
+            </a:lvl8pPr>
+            <a:lvl9pPr marL="3886200" indent="-228600" algn="l" defTabSz="457200" rtl="0" eaLnBrk="1" latinLnBrk="0" hangingPunct="1">
+              <a:spcBef>
+                <a:spcPct val="20000"/>
+              </a:spcBef>
+              <a:buFont typeface="Arial"/>
+              <a:buChar char="•"/>
+              <a:defRPr sz="2000" kern="1200">
+                <a:solidFill>
+                  <a:schemeClr val="tx1"/>
+                </a:solidFill>
+                <a:latin typeface="+mn-lt"/>
+                <a:ea typeface="+mn-ea"/>
+                <a:cs typeface="+mn-cs"/>
+              </a:defRPr>
+            </a:lvl9pPr>
+          </a:lstStyle>
+          <a:p>
+            <a:pPr marL="0" indent="0" algn="ctr">
+              <a:buNone/>
+            </a:pPr>
+            <a:r>
+              <a:rPr lang="en-US" sz="2400" dirty="0">
+                <a:solidFill>
+                  <a:schemeClr val="bg1">
+                    <a:lumMod val="50000"/>
+                  </a:schemeClr>
+                </a:solidFill>
+                <a:latin typeface="Times New Roman" panose="02020603050405020304" pitchFamily="18" charset="0"/>
+                <a:cs typeface="Times New Roman" panose="02020603050405020304" pitchFamily="18" charset="0"/>
+              </a:rPr>
+              <a:t>Zahoor Ahmad </a:t>
+            </a:r>
+            <a:r>
+              <a:rPr lang="en-US" sz="1100" dirty="0">
+                <a:solidFill>
+                  <a:schemeClr val="bg1">
+                    <a:lumMod val="50000"/>
+                  </a:schemeClr>
+                </a:solidFill>
+                <a:latin typeface="Times New Roman" panose="02020603050405020304" pitchFamily="18" charset="0"/>
+                <a:cs typeface="Times New Roman" panose="02020603050405020304" pitchFamily="18" charset="0"/>
+              </a:rPr>
+              <a:t>(2021-AG-7754)</a:t>
+            </a:r>
+            <a:r>
+              <a:rPr lang="en-US" sz="2400" dirty="0">
+                <a:solidFill>
+                  <a:schemeClr val="bg1">
+                    <a:lumMod val="50000"/>
+                  </a:schemeClr>
+                </a:solidFill>
+                <a:latin typeface="Times New Roman" panose="02020603050405020304" pitchFamily="18" charset="0"/>
+                <a:cs typeface="Times New Roman" panose="02020603050405020304" pitchFamily="18" charset="0"/>
+              </a:rPr>
+              <a:t>  ⎯⎯ Muhammad Abdullah </a:t>
+            </a:r>
+            <a:r>
+              <a:rPr lang="en-US" sz="1100" dirty="0">
+                <a:solidFill>
+                  <a:schemeClr val="bg1">
+                    <a:lumMod val="50000"/>
+                  </a:schemeClr>
+                </a:solidFill>
+                <a:latin typeface="Times New Roman" panose="02020603050405020304" pitchFamily="18" charset="0"/>
+                <a:cs typeface="Times New Roman" panose="02020603050405020304" pitchFamily="18" charset="0"/>
+              </a:rPr>
+              <a:t>(2021-AG-7779)</a:t>
+            </a:r>
+          </a:p>
+        </p:txBody>
+      </p:sp>
+      <p:sp>
+        <p:nvSpPr>
+          <p:cNvPr id="6" name="Title 1">
+            <a:extLst>
+              <a:ext uri="{FF2B5EF4-FFF2-40B4-BE49-F238E27FC236}">
+                <a16:creationId xmlns:a16="http://schemas.microsoft.com/office/drawing/2014/main" id="{DCAFA769-1E16-412B-9A1B-6CC294DDBAD9}"/>
+              </a:ext>
+            </a:extLst>
+          </p:cNvPr>
+          <p:cNvSpPr txBox="1">
+            <a:spLocks/>
+          </p:cNvSpPr>
+          <p:nvPr/>
+        </p:nvSpPr>
+        <p:spPr>
+          <a:xfrm>
+            <a:off x="3143945" y="2858170"/>
+            <a:ext cx="6011687" cy="963986"/>
+          </a:xfrm>
+          <a:prstGeom prst="rect">
+            <a:avLst/>
+          </a:prstGeom>
+        </p:spPr>
+        <p:txBody>
+          <a:bodyPr vert="horz" lIns="91440" tIns="45720" rIns="91440" bIns="45720" rtlCol="0" anchor="ctr">
+            <a:noAutofit/>
+          </a:bodyPr>
+          <a:lstStyle>
+            <a:lvl1pPr algn="ctr" defTabSz="457200" rtl="0" eaLnBrk="1" latinLnBrk="0" hangingPunct="1">
+              <a:spcBef>
+                <a:spcPct val="0"/>
+              </a:spcBef>
+              <a:buNone/>
+              <a:defRPr sz="4400" kern="1200">
+                <a:solidFill>
+                  <a:schemeClr val="tx1"/>
+                </a:solidFill>
+                <a:latin typeface="+mj-lt"/>
+                <a:ea typeface="+mj-ea"/>
+                <a:cs typeface="+mj-cs"/>
+              </a:defRPr>
+            </a:lvl1pPr>
+          </a:lstStyle>
+          <a:p>
+            <a:pPr algn="l"/>
+            <a:r>
+              <a:rPr lang="en-US">
+                <a:latin typeface="Times New Roman" panose="02020603050405020304" pitchFamily="18" charset="0"/>
+                <a:cs typeface="Times New Roman" panose="02020603050405020304" pitchFamily="18" charset="0"/>
+              </a:rPr>
+              <a:t>AI-Based Interior Design</a:t>
+            </a:r>
+            <a:endParaRPr lang="en-US" dirty="0">
+              <a:latin typeface="Times New Roman" panose="02020603050405020304" pitchFamily="18" charset="0"/>
+              <a:cs typeface="Times New Roman" panose="02020603050405020304" pitchFamily="18" charset="0"/>
+            </a:endParaRPr>
+          </a:p>
+        </p:txBody>
+      </p:sp>
+    </p:spTree>
+    <p:extLst>
+      <p:ext uri="{BB962C8B-B14F-4D97-AF65-F5344CB8AC3E}">
+        <p14:creationId xmlns:p14="http://schemas.microsoft.com/office/powerpoint/2010/main" val="792754887"/>
+      </p:ext>
+    </p:extLst>
+  </p:cSld>
+  <p:clrMapOvr>
+    <a:masterClrMapping/>
+  </p:clrMapOvr>
+  <mc:AlternateContent xmlns:mc="http://schemas.openxmlformats.org/markup-compatibility/2006" xmlns:p159="http://schemas.microsoft.com/office/powerpoint/2015/09/main">
+    <mc:Choice Requires="p159">
+      <p:transition xmlns:p14="http://schemas.microsoft.com/office/powerpoint/2010/main" spd="slow" p14:dur="2000">
+        <p159:morph option="byObject"/>
+      </p:transition>
+    </mc:Choice>
+    <mc:Fallback xmlns="">
+      <p:transition spd="slow">
+        <p:fade/>
+      </p:transition>
+    </mc:Fallback>
+  </mc:AlternateContent>
+</p:sld>
+</file>
+
+<file path=ppt/slides/slide15.xml><?xml version="1.0" encoding="utf-8"?>
+<p:sld xmlns:a="http://schemas.openxmlformats.org/drawingml/2006/main" xmlns:r="http://schemas.openxmlformats.org/officeDocument/2006/relationships" xmlns:p="http://schemas.openxmlformats.org/presentationml/2006/main">
+  <p:cSld>
+    <p:spTree>
+      <p:nvGrpSpPr>
+        <p:cNvPr id="1" name=""/>
+        <p:cNvGrpSpPr/>
+        <p:nvPr/>
+      </p:nvGrpSpPr>
+      <p:grpSpPr>
+        <a:xfrm>
+          <a:off x="0" y="0"/>
+          <a:ext cx="0" cy="0"/>
+          <a:chOff x="0" y="0"/>
+          <a:chExt cx="0" cy="0"/>
+        </a:xfrm>
+      </p:grpSpPr>
+      <p:sp>
+        <p:nvSpPr>
+          <p:cNvPr id="2" name="Title 1"/>
+          <p:cNvSpPr>
+            <a:spLocks noGrp="1"/>
+          </p:cNvSpPr>
+          <p:nvPr>
+            <p:ph type="title"/>
+          </p:nvPr>
+        </p:nvSpPr>
+        <p:spPr/>
+        <p:txBody>
+          <a:bodyPr/>
+          <a:lstStyle/>
+          <a:p>
+            <a:r>
+              <a:rPr lang="it-IT" dirty="0">
+                <a:latin typeface="Times New Roman" panose="02020603050405020304" pitchFamily="18" charset="0"/>
+                <a:cs typeface="Times New Roman" panose="02020603050405020304" pitchFamily="18" charset="0"/>
+              </a:rPr>
+              <a:t>Why AI in Interior Design?</a:t>
+            </a:r>
+          </a:p>
+        </p:txBody>
+      </p:sp>
+      <p:sp>
+        <p:nvSpPr>
+          <p:cNvPr id="3" name="Content Placeholder 2"/>
+          <p:cNvSpPr>
+            <a:spLocks noGrp="1"/>
+          </p:cNvSpPr>
+          <p:nvPr>
+            <p:ph idx="1"/>
+          </p:nvPr>
+        </p:nvSpPr>
+        <p:spPr/>
+        <p:txBody>
+          <a:bodyPr/>
+          <a:lstStyle/>
+          <a:p>
+            <a:pPr marL="0" indent="0">
+              <a:buNone/>
+            </a:pPr>
+            <a:r>
+              <a:rPr dirty="0">
+                <a:latin typeface="Times New Roman" panose="02020603050405020304" pitchFamily="18" charset="0"/>
+                <a:cs typeface="Times New Roman" panose="02020603050405020304" pitchFamily="18" charset="0"/>
+              </a:rPr>
+              <a:t>- Traditional interior design is time-consuming, expensive, and often inaccessible.</a:t>
+            </a:r>
+          </a:p>
+          <a:p>
+            <a:pPr marL="0" indent="0">
+              <a:buNone/>
+            </a:pPr>
+            <a:r>
+              <a:rPr dirty="0">
+                <a:latin typeface="Times New Roman" panose="02020603050405020304" pitchFamily="18" charset="0"/>
+                <a:cs typeface="Times New Roman" panose="02020603050405020304" pitchFamily="18" charset="0"/>
+              </a:rPr>
+              <a:t>- Lack of personalized, data-driven designs for users.</a:t>
+            </a:r>
+          </a:p>
+          <a:p>
+            <a:pPr marL="0" indent="0">
+              <a:buNone/>
+            </a:pPr>
+            <a:r>
+              <a:rPr dirty="0">
+                <a:latin typeface="Times New Roman" panose="02020603050405020304" pitchFamily="18" charset="0"/>
+                <a:cs typeface="Times New Roman" panose="02020603050405020304" pitchFamily="18" charset="0"/>
+              </a:rPr>
+              <a:t>- Need for AI to generate optimized design layouts.</a:t>
+            </a:r>
+          </a:p>
+        </p:txBody>
+      </p:sp>
+      <p:sp>
+        <p:nvSpPr>
+          <p:cNvPr id="7" name="Subtitle 2">
+            <a:extLst>
+              <a:ext uri="{FF2B5EF4-FFF2-40B4-BE49-F238E27FC236}">
+                <a16:creationId xmlns:a16="http://schemas.microsoft.com/office/drawing/2014/main" id="{39499848-CFE7-4B31-903E-E3AEDBDB5663}"/>
+              </a:ext>
+            </a:extLst>
+          </p:cNvPr>
+          <p:cNvSpPr txBox="1">
+            <a:spLocks/>
+          </p:cNvSpPr>
+          <p:nvPr/>
+        </p:nvSpPr>
+        <p:spPr>
+          <a:xfrm>
+            <a:off x="2973262" y="6508122"/>
+            <a:ext cx="6245476" cy="338098"/>
+          </a:xfrm>
+          <a:prstGeom prst="rect">
+            <a:avLst/>
+          </a:prstGeom>
+        </p:spPr>
+        <p:txBody>
+          <a:bodyPr vert="horz" lIns="91440" tIns="45720" rIns="91440" bIns="45720" rtlCol="0">
+            <a:normAutofit fontScale="92500" lnSpcReduction="10000"/>
+          </a:bodyPr>
+          <a:lstStyle>
+            <a:lvl1pPr marL="342900" indent="-342900" algn="l" defTabSz="457200" rtl="0" eaLnBrk="1" latinLnBrk="0" hangingPunct="1">
+              <a:spcBef>
+                <a:spcPct val="20000"/>
+              </a:spcBef>
+              <a:buFont typeface="Arial"/>
+              <a:buChar char="•"/>
+              <a:defRPr sz="3200" kern="1200">
+                <a:solidFill>
+                  <a:schemeClr val="tx1"/>
+                </a:solidFill>
+                <a:latin typeface="+mn-lt"/>
+                <a:ea typeface="+mn-ea"/>
+                <a:cs typeface="+mn-cs"/>
+              </a:defRPr>
+            </a:lvl1pPr>
+            <a:lvl2pPr marL="742950" indent="-285750" algn="l" defTabSz="457200" rtl="0" eaLnBrk="1" latinLnBrk="0" hangingPunct="1">
+              <a:spcBef>
+                <a:spcPct val="20000"/>
+              </a:spcBef>
+              <a:buFont typeface="Arial"/>
+              <a:buChar char="–"/>
+              <a:defRPr sz="2800" kern="1200">
+                <a:solidFill>
+                  <a:schemeClr val="tx1"/>
+                </a:solidFill>
+                <a:latin typeface="+mn-lt"/>
+                <a:ea typeface="+mn-ea"/>
+                <a:cs typeface="+mn-cs"/>
+              </a:defRPr>
+            </a:lvl2pPr>
+            <a:lvl3pPr marL="1143000" indent="-228600" algn="l" defTabSz="457200" rtl="0" eaLnBrk="1" latinLnBrk="0" hangingPunct="1">
+              <a:spcBef>
+                <a:spcPct val="20000"/>
+              </a:spcBef>
+              <a:buFont typeface="Arial"/>
+              <a:buChar char="•"/>
+              <a:defRPr sz="2400" kern="1200">
+                <a:solidFill>
+                  <a:schemeClr val="tx1"/>
+                </a:solidFill>
+                <a:latin typeface="+mn-lt"/>
+                <a:ea typeface="+mn-ea"/>
+                <a:cs typeface="+mn-cs"/>
+              </a:defRPr>
+            </a:lvl3pPr>
+            <a:lvl4pPr marL="1600200" indent="-228600" algn="l" defTabSz="457200" rtl="0" eaLnBrk="1" latinLnBrk="0" hangingPunct="1">
+              <a:spcBef>
+                <a:spcPct val="20000"/>
+              </a:spcBef>
+              <a:buFont typeface="Arial"/>
+              <a:buChar char="–"/>
+              <a:defRPr sz="2000" kern="1200">
+                <a:solidFill>
+                  <a:schemeClr val="tx1"/>
+                </a:solidFill>
+                <a:latin typeface="+mn-lt"/>
+                <a:ea typeface="+mn-ea"/>
+                <a:cs typeface="+mn-cs"/>
+              </a:defRPr>
+            </a:lvl4pPr>
+            <a:lvl5pPr marL="2057400" indent="-228600" algn="l" defTabSz="457200" rtl="0" eaLnBrk="1" latinLnBrk="0" hangingPunct="1">
+              <a:spcBef>
+                <a:spcPct val="20000"/>
+              </a:spcBef>
+              <a:buFont typeface="Arial"/>
+              <a:buChar char="»"/>
+              <a:defRPr sz="2000" kern="1200">
+                <a:solidFill>
+                  <a:schemeClr val="tx1"/>
+                </a:solidFill>
+                <a:latin typeface="+mn-lt"/>
+                <a:ea typeface="+mn-ea"/>
+                <a:cs typeface="+mn-cs"/>
+              </a:defRPr>
+            </a:lvl5pPr>
+            <a:lvl6pPr marL="2514600" indent="-228600" algn="l" defTabSz="457200" rtl="0" eaLnBrk="1" latinLnBrk="0" hangingPunct="1">
+              <a:spcBef>
+                <a:spcPct val="20000"/>
+              </a:spcBef>
+              <a:buFont typeface="Arial"/>
+              <a:buChar char="•"/>
+              <a:defRPr sz="2000" kern="1200">
+                <a:solidFill>
+                  <a:schemeClr val="tx1"/>
+                </a:solidFill>
+                <a:latin typeface="+mn-lt"/>
+                <a:ea typeface="+mn-ea"/>
+                <a:cs typeface="+mn-cs"/>
+              </a:defRPr>
+            </a:lvl6pPr>
+            <a:lvl7pPr marL="2971800" indent="-228600" algn="l" defTabSz="457200" rtl="0" eaLnBrk="1" latinLnBrk="0" hangingPunct="1">
+              <a:spcBef>
+                <a:spcPct val="20000"/>
+              </a:spcBef>
+              <a:buFont typeface="Arial"/>
+              <a:buChar char="•"/>
+              <a:defRPr sz="2000" kern="1200">
+                <a:solidFill>
+                  <a:schemeClr val="tx1"/>
+                </a:solidFill>
+                <a:latin typeface="+mn-lt"/>
+                <a:ea typeface="+mn-ea"/>
+                <a:cs typeface="+mn-cs"/>
+              </a:defRPr>
+            </a:lvl7pPr>
+            <a:lvl8pPr marL="3429000" indent="-228600" algn="l" defTabSz="457200" rtl="0" eaLnBrk="1" latinLnBrk="0" hangingPunct="1">
+              <a:spcBef>
+                <a:spcPct val="20000"/>
+              </a:spcBef>
+              <a:buFont typeface="Arial"/>
+              <a:buChar char="•"/>
+              <a:defRPr sz="2000" kern="1200">
+                <a:solidFill>
+                  <a:schemeClr val="tx1"/>
+                </a:solidFill>
+                <a:latin typeface="+mn-lt"/>
+                <a:ea typeface="+mn-ea"/>
+                <a:cs typeface="+mn-cs"/>
+              </a:defRPr>
+            </a:lvl8pPr>
+            <a:lvl9pPr marL="3886200" indent="-228600" algn="l" defTabSz="457200" rtl="0" eaLnBrk="1" latinLnBrk="0" hangingPunct="1">
+              <a:spcBef>
+                <a:spcPct val="20000"/>
+              </a:spcBef>
+              <a:buFont typeface="Arial"/>
+              <a:buChar char="•"/>
+              <a:defRPr sz="2000" kern="1200">
+                <a:solidFill>
+                  <a:schemeClr val="tx1"/>
+                </a:solidFill>
+                <a:latin typeface="+mn-lt"/>
+                <a:ea typeface="+mn-ea"/>
+                <a:cs typeface="+mn-cs"/>
+              </a:defRPr>
+            </a:lvl9pPr>
+          </a:lstStyle>
+          <a:p>
+            <a:pPr marL="0" indent="0" algn="ctr">
+              <a:buNone/>
+            </a:pPr>
+            <a:r>
+              <a:rPr lang="en-US" sz="1800" dirty="0">
+                <a:solidFill>
+                  <a:schemeClr val="bg1">
+                    <a:lumMod val="50000"/>
+                  </a:schemeClr>
+                </a:solidFill>
+                <a:latin typeface="Times New Roman" panose="02020603050405020304" pitchFamily="18" charset="0"/>
+                <a:cs typeface="Times New Roman" panose="02020603050405020304" pitchFamily="18" charset="0"/>
+              </a:rPr>
+              <a:t>Zahoor Ahmad </a:t>
+            </a:r>
+            <a:r>
+              <a:rPr lang="en-US" sz="1000" dirty="0">
+                <a:solidFill>
+                  <a:schemeClr val="bg1">
+                    <a:lumMod val="50000"/>
+                  </a:schemeClr>
+                </a:solidFill>
+                <a:latin typeface="Times New Roman" panose="02020603050405020304" pitchFamily="18" charset="0"/>
+                <a:cs typeface="Times New Roman" panose="02020603050405020304" pitchFamily="18" charset="0"/>
+              </a:rPr>
+              <a:t>(2021-AG-7754)</a:t>
+            </a:r>
+            <a:r>
+              <a:rPr lang="en-US" sz="1800" dirty="0">
+                <a:solidFill>
+                  <a:schemeClr val="bg1">
+                    <a:lumMod val="50000"/>
+                  </a:schemeClr>
+                </a:solidFill>
+                <a:latin typeface="Times New Roman" panose="02020603050405020304" pitchFamily="18" charset="0"/>
+                <a:cs typeface="Times New Roman" panose="02020603050405020304" pitchFamily="18" charset="0"/>
+              </a:rPr>
+              <a:t>  ⎯⎯ Muhammad Abdullah </a:t>
+            </a:r>
+            <a:r>
+              <a:rPr lang="en-US" sz="1000" dirty="0">
+                <a:solidFill>
+                  <a:schemeClr val="bg1">
+                    <a:lumMod val="50000"/>
+                  </a:schemeClr>
+                </a:solidFill>
+                <a:latin typeface="Times New Roman" panose="02020603050405020304" pitchFamily="18" charset="0"/>
+                <a:cs typeface="Times New Roman" panose="02020603050405020304" pitchFamily="18" charset="0"/>
+              </a:rPr>
+              <a:t>(2021-AG-7779)</a:t>
+            </a:r>
+          </a:p>
+        </p:txBody>
+      </p:sp>
+    </p:spTree>
+  </p:cSld>
+  <p:clrMapOvr>
+    <a:masterClrMapping/>
+  </p:clrMapOvr>
+  <mc:AlternateContent xmlns:mc="http://schemas.openxmlformats.org/markup-compatibility/2006" xmlns:p159="http://schemas.microsoft.com/office/powerpoint/2015/09/main">
+    <mc:Choice Requires="p159">
+      <p:transition xmlns:p14="http://schemas.microsoft.com/office/powerpoint/2010/main" spd="slow" p14:dur="2000">
+        <p159:morph option="byObject"/>
+      </p:transition>
+    </mc:Choice>
+    <mc:Fallback xmlns="">
+      <p:transition spd="slow">
+        <p:fade/>
+      </p:transition>
+    </mc:Fallback>
+  </mc:AlternateContent>
+</p:sld>
+</file>
+
+<file path=ppt/slides/slide16.xml><?xml version="1.0" encoding="utf-8"?>
+<p:sld xmlns:a="http://schemas.openxmlformats.org/drawingml/2006/main" xmlns:r="http://schemas.openxmlformats.org/officeDocument/2006/relationships" xmlns:p="http://schemas.openxmlformats.org/presentationml/2006/main">
+  <p:cSld>
+    <p:spTree>
+      <p:nvGrpSpPr>
+        <p:cNvPr id="1" name=""/>
+        <p:cNvGrpSpPr/>
+        <p:nvPr/>
+      </p:nvGrpSpPr>
+      <p:grpSpPr>
+        <a:xfrm>
+          <a:off x="0" y="0"/>
+          <a:ext cx="0" cy="0"/>
+          <a:chOff x="0" y="0"/>
+          <a:chExt cx="0" cy="0"/>
+        </a:xfrm>
+      </p:grpSpPr>
+      <p:sp>
+        <p:nvSpPr>
+          <p:cNvPr id="2" name="Title 1"/>
+          <p:cNvSpPr>
+            <a:spLocks noGrp="1"/>
+          </p:cNvSpPr>
+          <p:nvPr>
+            <p:ph type="title"/>
+          </p:nvPr>
+        </p:nvSpPr>
+        <p:spPr/>
+        <p:txBody>
+          <a:bodyPr/>
+          <a:lstStyle/>
+          <a:p>
+            <a:r>
+              <a:rPr lang="en-US" dirty="0"/>
+              <a:t>AI-Driven Interior Design Solution</a:t>
+            </a:r>
+          </a:p>
+        </p:txBody>
+      </p:sp>
+      <p:sp>
+        <p:nvSpPr>
+          <p:cNvPr id="3" name="Content Placeholder 2"/>
+          <p:cNvSpPr>
+            <a:spLocks noGrp="1"/>
+          </p:cNvSpPr>
+          <p:nvPr>
+            <p:ph idx="1"/>
+          </p:nvPr>
+        </p:nvSpPr>
+        <p:spPr/>
+        <p:txBody>
+          <a:bodyPr/>
+          <a:lstStyle/>
+          <a:p>
+            <a:pPr marL="0" indent="0">
+              <a:buNone/>
+            </a:pPr>
+            <a:r>
+              <a:rPr dirty="0"/>
+              <a:t>- Use AI to suggest designs based on room structure and user preferences.</a:t>
+            </a:r>
+          </a:p>
+          <a:p>
+            <a:pPr marL="0" indent="0">
+              <a:buNone/>
+            </a:pPr>
+            <a:r>
+              <a:rPr dirty="0"/>
+              <a:t>- LangChain integration for conversational AI.</a:t>
+            </a:r>
+          </a:p>
+          <a:p>
+            <a:pPr marL="0" indent="0">
+              <a:buNone/>
+            </a:pPr>
+            <a:r>
+              <a:rPr dirty="0"/>
+              <a:t>- Generative design and predictions using pre-trained models from Hugging Face.</a:t>
+            </a:r>
+          </a:p>
+          <a:p>
+            <a:pPr marL="0" indent="0">
+              <a:buNone/>
+            </a:pPr>
+            <a:r>
+              <a:rPr dirty="0"/>
+              <a:t>- Automate furniture placement and color scheme selection.</a:t>
+            </a:r>
+          </a:p>
+        </p:txBody>
+      </p:sp>
+      <p:sp>
+        <p:nvSpPr>
+          <p:cNvPr id="5" name="Subtitle 2">
+            <a:extLst>
+              <a:ext uri="{FF2B5EF4-FFF2-40B4-BE49-F238E27FC236}">
+                <a16:creationId xmlns:a16="http://schemas.microsoft.com/office/drawing/2014/main" id="{AE456334-3A2F-44CD-A1E0-FCC7D54EBDD5}"/>
+              </a:ext>
+            </a:extLst>
+          </p:cNvPr>
+          <p:cNvSpPr txBox="1">
+            <a:spLocks/>
+          </p:cNvSpPr>
+          <p:nvPr/>
+        </p:nvSpPr>
+        <p:spPr>
+          <a:xfrm>
+            <a:off x="2973262" y="6508122"/>
+            <a:ext cx="6245476" cy="338098"/>
+          </a:xfrm>
+          <a:prstGeom prst="rect">
+            <a:avLst/>
+          </a:prstGeom>
+        </p:spPr>
+        <p:txBody>
+          <a:bodyPr vert="horz" lIns="91440" tIns="45720" rIns="91440" bIns="45720" rtlCol="0">
+            <a:normAutofit fontScale="92500" lnSpcReduction="10000"/>
+          </a:bodyPr>
+          <a:lstStyle>
+            <a:lvl1pPr marL="342900" indent="-342900" algn="l" defTabSz="457200" rtl="0" eaLnBrk="1" latinLnBrk="0" hangingPunct="1">
+              <a:spcBef>
+                <a:spcPct val="20000"/>
+              </a:spcBef>
+              <a:buFont typeface="Arial"/>
+              <a:buChar char="•"/>
+              <a:defRPr sz="3200" kern="1200">
+                <a:solidFill>
+                  <a:schemeClr val="tx1"/>
+                </a:solidFill>
+                <a:latin typeface="+mn-lt"/>
+                <a:ea typeface="+mn-ea"/>
+                <a:cs typeface="+mn-cs"/>
+              </a:defRPr>
+            </a:lvl1pPr>
+            <a:lvl2pPr marL="742950" indent="-285750" algn="l" defTabSz="457200" rtl="0" eaLnBrk="1" latinLnBrk="0" hangingPunct="1">
+              <a:spcBef>
+                <a:spcPct val="20000"/>
+              </a:spcBef>
+              <a:buFont typeface="Arial"/>
+              <a:buChar char="–"/>
+              <a:defRPr sz="2800" kern="1200">
+                <a:solidFill>
+                  <a:schemeClr val="tx1"/>
+                </a:solidFill>
+                <a:latin typeface="+mn-lt"/>
+                <a:ea typeface="+mn-ea"/>
+                <a:cs typeface="+mn-cs"/>
+              </a:defRPr>
+            </a:lvl2pPr>
+            <a:lvl3pPr marL="1143000" indent="-228600" algn="l" defTabSz="457200" rtl="0" eaLnBrk="1" latinLnBrk="0" hangingPunct="1">
+              <a:spcBef>
+                <a:spcPct val="20000"/>
+              </a:spcBef>
+              <a:buFont typeface="Arial"/>
+              <a:buChar char="•"/>
+              <a:defRPr sz="2400" kern="1200">
+                <a:solidFill>
+                  <a:schemeClr val="tx1"/>
+                </a:solidFill>
+                <a:latin typeface="+mn-lt"/>
+                <a:ea typeface="+mn-ea"/>
+                <a:cs typeface="+mn-cs"/>
+              </a:defRPr>
+            </a:lvl3pPr>
+            <a:lvl4pPr marL="1600200" indent="-228600" algn="l" defTabSz="457200" rtl="0" eaLnBrk="1" latinLnBrk="0" hangingPunct="1">
+              <a:spcBef>
+                <a:spcPct val="20000"/>
+              </a:spcBef>
+              <a:buFont typeface="Arial"/>
+              <a:buChar char="–"/>
+              <a:defRPr sz="2000" kern="1200">
+                <a:solidFill>
+                  <a:schemeClr val="tx1"/>
+                </a:solidFill>
+                <a:latin typeface="+mn-lt"/>
+                <a:ea typeface="+mn-ea"/>
+                <a:cs typeface="+mn-cs"/>
+              </a:defRPr>
+            </a:lvl4pPr>
+            <a:lvl5pPr marL="2057400" indent="-228600" algn="l" defTabSz="457200" rtl="0" eaLnBrk="1" latinLnBrk="0" hangingPunct="1">
+              <a:spcBef>
+                <a:spcPct val="20000"/>
+              </a:spcBef>
+              <a:buFont typeface="Arial"/>
+              <a:buChar char="»"/>
+              <a:defRPr sz="2000" kern="1200">
+                <a:solidFill>
+                  <a:schemeClr val="tx1"/>
+                </a:solidFill>
+                <a:latin typeface="+mn-lt"/>
+                <a:ea typeface="+mn-ea"/>
+                <a:cs typeface="+mn-cs"/>
+              </a:defRPr>
+            </a:lvl5pPr>
+            <a:lvl6pPr marL="2514600" indent="-228600" algn="l" defTabSz="457200" rtl="0" eaLnBrk="1" latinLnBrk="0" hangingPunct="1">
+              <a:spcBef>
+                <a:spcPct val="20000"/>
+              </a:spcBef>
+              <a:buFont typeface="Arial"/>
+              <a:buChar char="•"/>
+              <a:defRPr sz="2000" kern="1200">
+                <a:solidFill>
+                  <a:schemeClr val="tx1"/>
+                </a:solidFill>
+                <a:latin typeface="+mn-lt"/>
+                <a:ea typeface="+mn-ea"/>
+                <a:cs typeface="+mn-cs"/>
+              </a:defRPr>
+            </a:lvl6pPr>
+            <a:lvl7pPr marL="2971800" indent="-228600" algn="l" defTabSz="457200" rtl="0" eaLnBrk="1" latinLnBrk="0" hangingPunct="1">
+              <a:spcBef>
+                <a:spcPct val="20000"/>
+              </a:spcBef>
+              <a:buFont typeface="Arial"/>
+              <a:buChar char="•"/>
+              <a:defRPr sz="2000" kern="1200">
+                <a:solidFill>
+                  <a:schemeClr val="tx1"/>
+                </a:solidFill>
+                <a:latin typeface="+mn-lt"/>
+                <a:ea typeface="+mn-ea"/>
+                <a:cs typeface="+mn-cs"/>
+              </a:defRPr>
+            </a:lvl7pPr>
+            <a:lvl8pPr marL="3429000" indent="-228600" algn="l" defTabSz="457200" rtl="0" eaLnBrk="1" latinLnBrk="0" hangingPunct="1">
+              <a:spcBef>
+                <a:spcPct val="20000"/>
+              </a:spcBef>
+              <a:buFont typeface="Arial"/>
+              <a:buChar char="•"/>
+              <a:defRPr sz="2000" kern="1200">
+                <a:solidFill>
+                  <a:schemeClr val="tx1"/>
+                </a:solidFill>
+                <a:latin typeface="+mn-lt"/>
+                <a:ea typeface="+mn-ea"/>
+                <a:cs typeface="+mn-cs"/>
+              </a:defRPr>
+            </a:lvl8pPr>
+            <a:lvl9pPr marL="3886200" indent="-228600" algn="l" defTabSz="457200" rtl="0" eaLnBrk="1" latinLnBrk="0" hangingPunct="1">
+              <a:spcBef>
+                <a:spcPct val="20000"/>
+              </a:spcBef>
+              <a:buFont typeface="Arial"/>
+              <a:buChar char="•"/>
+              <a:defRPr sz="2000" kern="1200">
+                <a:solidFill>
+                  <a:schemeClr val="tx1"/>
+                </a:solidFill>
+                <a:latin typeface="+mn-lt"/>
+                <a:ea typeface="+mn-ea"/>
+                <a:cs typeface="+mn-cs"/>
+              </a:defRPr>
+            </a:lvl9pPr>
+          </a:lstStyle>
+          <a:p>
+            <a:pPr marL="0" indent="0" algn="ctr">
+              <a:buNone/>
+            </a:pPr>
+            <a:r>
+              <a:rPr lang="en-US" sz="1800" dirty="0">
+                <a:solidFill>
+                  <a:schemeClr val="bg1">
+                    <a:lumMod val="50000"/>
+                  </a:schemeClr>
+                </a:solidFill>
+                <a:latin typeface="Times New Roman" panose="02020603050405020304" pitchFamily="18" charset="0"/>
+                <a:cs typeface="Times New Roman" panose="02020603050405020304" pitchFamily="18" charset="0"/>
+              </a:rPr>
+              <a:t>Zahoor Ahmad </a:t>
+            </a:r>
+            <a:r>
+              <a:rPr lang="en-US" sz="1000" dirty="0">
+                <a:solidFill>
+                  <a:schemeClr val="bg1">
+                    <a:lumMod val="50000"/>
+                  </a:schemeClr>
+                </a:solidFill>
+                <a:latin typeface="Times New Roman" panose="02020603050405020304" pitchFamily="18" charset="0"/>
+                <a:cs typeface="Times New Roman" panose="02020603050405020304" pitchFamily="18" charset="0"/>
+              </a:rPr>
+              <a:t>(2021-AG-7754)</a:t>
+            </a:r>
+            <a:r>
+              <a:rPr lang="en-US" sz="1800" dirty="0">
+                <a:solidFill>
+                  <a:schemeClr val="bg1">
+                    <a:lumMod val="50000"/>
+                  </a:schemeClr>
+                </a:solidFill>
+                <a:latin typeface="Times New Roman" panose="02020603050405020304" pitchFamily="18" charset="0"/>
+                <a:cs typeface="Times New Roman" panose="02020603050405020304" pitchFamily="18" charset="0"/>
+              </a:rPr>
+              <a:t>  ⎯⎯ Muhammad Abdullah </a:t>
+            </a:r>
+            <a:r>
+              <a:rPr lang="en-US" sz="1000" dirty="0">
+                <a:solidFill>
+                  <a:schemeClr val="bg1">
+                    <a:lumMod val="50000"/>
+                  </a:schemeClr>
+                </a:solidFill>
+                <a:latin typeface="Times New Roman" panose="02020603050405020304" pitchFamily="18" charset="0"/>
+                <a:cs typeface="Times New Roman" panose="02020603050405020304" pitchFamily="18" charset="0"/>
+              </a:rPr>
+              <a:t>(2021-AG-7779)</a:t>
+            </a:r>
+          </a:p>
+        </p:txBody>
+      </p:sp>
+    </p:spTree>
+  </p:cSld>
+  <p:clrMapOvr>
+    <a:masterClrMapping/>
+  </p:clrMapOvr>
+  <mc:AlternateContent xmlns:mc="http://schemas.openxmlformats.org/markup-compatibility/2006" xmlns:p159="http://schemas.microsoft.com/office/powerpoint/2015/09/main">
+    <mc:Choice Requires="p159">
+      <p:transition xmlns:p14="http://schemas.microsoft.com/office/powerpoint/2010/main" spd="slow" p14:dur="2000">
+        <p159:morph option="byObject"/>
+      </p:transition>
+    </mc:Choice>
+    <mc:Fallback xmlns="">
+      <p:transition spd="slow">
+        <p:fade/>
+      </p:transition>
+    </mc:Fallback>
+  </mc:AlternateContent>
+</p:sld>
+</file>
+
+<file path=ppt/slides/slide17.xml><?xml version="1.0" encoding="utf-8"?>
+<p:sld xmlns:a="http://schemas.openxmlformats.org/drawingml/2006/main" xmlns:r="http://schemas.openxmlformats.org/officeDocument/2006/relationships" xmlns:p="http://schemas.openxmlformats.org/presentationml/2006/main">
+  <p:cSld>
+    <p:spTree>
+      <p:nvGrpSpPr>
+        <p:cNvPr id="1" name=""/>
+        <p:cNvGrpSpPr/>
+        <p:nvPr/>
+      </p:nvGrpSpPr>
+      <p:grpSpPr>
+        <a:xfrm>
+          <a:off x="0" y="0"/>
+          <a:ext cx="0" cy="0"/>
+          <a:chOff x="0" y="0"/>
+          <a:chExt cx="0" cy="0"/>
+        </a:xfrm>
+      </p:grpSpPr>
+      <p:sp>
+        <p:nvSpPr>
+          <p:cNvPr id="2" name="Title 1"/>
+          <p:cNvSpPr>
+            <a:spLocks noGrp="1"/>
+          </p:cNvSpPr>
+          <p:nvPr>
+            <p:ph type="title"/>
+          </p:nvPr>
+        </p:nvSpPr>
+        <p:spPr/>
+        <p:txBody>
+          <a:bodyPr/>
+          <a:lstStyle/>
+          <a:p>
+            <a:r>
+              <a:t>Key Features</a:t>
+            </a:r>
+          </a:p>
+        </p:txBody>
+      </p:sp>
+      <p:sp>
+        <p:nvSpPr>
+          <p:cNvPr id="3" name="Content Placeholder 2"/>
+          <p:cNvSpPr>
+            <a:spLocks noGrp="1"/>
+          </p:cNvSpPr>
+          <p:nvPr>
+            <p:ph idx="1"/>
+          </p:nvPr>
+        </p:nvSpPr>
+        <p:spPr/>
+        <p:txBody>
+          <a:bodyPr/>
+          <a:lstStyle/>
+          <a:p>
+            <a:pPr marL="0" indent="0">
+              <a:buNone/>
+            </a:pPr>
+            <a:r>
+              <a:rPr dirty="0"/>
+              <a:t>- Room Analysis: AI identifies room dimensions and lighting.</a:t>
+            </a:r>
+          </a:p>
+          <a:p>
+            <a:pPr marL="0" indent="0">
+              <a:buNone/>
+            </a:pPr>
+            <a:r>
+              <a:rPr dirty="0"/>
+              <a:t>- Generative Design: Generates design options based on inputs.</a:t>
+            </a:r>
+          </a:p>
+          <a:p>
+            <a:pPr marL="0" indent="0">
+              <a:buNone/>
+            </a:pPr>
+            <a:r>
+              <a:rPr dirty="0"/>
+              <a:t>- LangChain for conversational AI interaction.</a:t>
+            </a:r>
+          </a:p>
+          <a:p>
+            <a:pPr marL="0" indent="0">
+              <a:buNone/>
+            </a:pPr>
+            <a:r>
+              <a:rPr dirty="0"/>
+              <a:t>- Customization of AI-generated designs.</a:t>
+            </a:r>
+          </a:p>
+          <a:p>
+            <a:pPr marL="0" indent="0">
+              <a:buNone/>
+            </a:pPr>
+            <a:r>
+              <a:rPr dirty="0"/>
+              <a:t>- Optional: 3D Visualization (If data for rendering is available).</a:t>
+            </a:r>
+          </a:p>
+        </p:txBody>
+      </p:sp>
+      <p:sp>
+        <p:nvSpPr>
+          <p:cNvPr id="5" name="Subtitle 2">
+            <a:extLst>
+              <a:ext uri="{FF2B5EF4-FFF2-40B4-BE49-F238E27FC236}">
+                <a16:creationId xmlns:a16="http://schemas.microsoft.com/office/drawing/2014/main" id="{24B4AD4D-FCAA-4691-A4E3-3E31295DF410}"/>
+              </a:ext>
+            </a:extLst>
+          </p:cNvPr>
+          <p:cNvSpPr txBox="1">
+            <a:spLocks/>
+          </p:cNvSpPr>
+          <p:nvPr/>
+        </p:nvSpPr>
+        <p:spPr>
+          <a:xfrm>
+            <a:off x="2973262" y="6508122"/>
+            <a:ext cx="6245476" cy="338098"/>
+          </a:xfrm>
+          <a:prstGeom prst="rect">
+            <a:avLst/>
+          </a:prstGeom>
+        </p:spPr>
+        <p:txBody>
+          <a:bodyPr vert="horz" lIns="91440" tIns="45720" rIns="91440" bIns="45720" rtlCol="0">
+            <a:normAutofit fontScale="92500" lnSpcReduction="10000"/>
+          </a:bodyPr>
+          <a:lstStyle>
+            <a:lvl1pPr marL="342900" indent="-342900" algn="l" defTabSz="457200" rtl="0" eaLnBrk="1" latinLnBrk="0" hangingPunct="1">
+              <a:spcBef>
+                <a:spcPct val="20000"/>
+              </a:spcBef>
+              <a:buFont typeface="Arial"/>
+              <a:buChar char="•"/>
+              <a:defRPr sz="3200" kern="1200">
+                <a:solidFill>
+                  <a:schemeClr val="tx1"/>
+                </a:solidFill>
+                <a:latin typeface="+mn-lt"/>
+                <a:ea typeface="+mn-ea"/>
+                <a:cs typeface="+mn-cs"/>
+              </a:defRPr>
+            </a:lvl1pPr>
+            <a:lvl2pPr marL="742950" indent="-285750" algn="l" defTabSz="457200" rtl="0" eaLnBrk="1" latinLnBrk="0" hangingPunct="1">
+              <a:spcBef>
+                <a:spcPct val="20000"/>
+              </a:spcBef>
+              <a:buFont typeface="Arial"/>
+              <a:buChar char="–"/>
+              <a:defRPr sz="2800" kern="1200">
+                <a:solidFill>
+                  <a:schemeClr val="tx1"/>
+                </a:solidFill>
+                <a:latin typeface="+mn-lt"/>
+                <a:ea typeface="+mn-ea"/>
+                <a:cs typeface="+mn-cs"/>
+              </a:defRPr>
+            </a:lvl2pPr>
+            <a:lvl3pPr marL="1143000" indent="-228600" algn="l" defTabSz="457200" rtl="0" eaLnBrk="1" latinLnBrk="0" hangingPunct="1">
+              <a:spcBef>
+                <a:spcPct val="20000"/>
+              </a:spcBef>
+              <a:buFont typeface="Arial"/>
+              <a:buChar char="•"/>
+              <a:defRPr sz="2400" kern="1200">
+                <a:solidFill>
+                  <a:schemeClr val="tx1"/>
+                </a:solidFill>
+                <a:latin typeface="+mn-lt"/>
+                <a:ea typeface="+mn-ea"/>
+                <a:cs typeface="+mn-cs"/>
+              </a:defRPr>
+            </a:lvl3pPr>
+            <a:lvl4pPr marL="1600200" indent="-228600" algn="l" defTabSz="457200" rtl="0" eaLnBrk="1" latinLnBrk="0" hangingPunct="1">
+              <a:spcBef>
+                <a:spcPct val="20000"/>
+              </a:spcBef>
+              <a:buFont typeface="Arial"/>
+              <a:buChar char="–"/>
+              <a:defRPr sz="2000" kern="1200">
+                <a:solidFill>
+                  <a:schemeClr val="tx1"/>
+                </a:solidFill>
+                <a:latin typeface="+mn-lt"/>
+                <a:ea typeface="+mn-ea"/>
+                <a:cs typeface="+mn-cs"/>
+              </a:defRPr>
+            </a:lvl4pPr>
+            <a:lvl5pPr marL="2057400" indent="-228600" algn="l" defTabSz="457200" rtl="0" eaLnBrk="1" latinLnBrk="0" hangingPunct="1">
+              <a:spcBef>
+                <a:spcPct val="20000"/>
+              </a:spcBef>
+              <a:buFont typeface="Arial"/>
+              <a:buChar char="»"/>
+              <a:defRPr sz="2000" kern="1200">
+                <a:solidFill>
+                  <a:schemeClr val="tx1"/>
+                </a:solidFill>
+                <a:latin typeface="+mn-lt"/>
+                <a:ea typeface="+mn-ea"/>
+                <a:cs typeface="+mn-cs"/>
+              </a:defRPr>
+            </a:lvl5pPr>
+            <a:lvl6pPr marL="2514600" indent="-228600" algn="l" defTabSz="457200" rtl="0" eaLnBrk="1" latinLnBrk="0" hangingPunct="1">
+              <a:spcBef>
+                <a:spcPct val="20000"/>
+              </a:spcBef>
+              <a:buFont typeface="Arial"/>
+              <a:buChar char="•"/>
+              <a:defRPr sz="2000" kern="1200">
+                <a:solidFill>
+                  <a:schemeClr val="tx1"/>
+                </a:solidFill>
+                <a:latin typeface="+mn-lt"/>
+                <a:ea typeface="+mn-ea"/>
+                <a:cs typeface="+mn-cs"/>
+              </a:defRPr>
+            </a:lvl6pPr>
+            <a:lvl7pPr marL="2971800" indent="-228600" algn="l" defTabSz="457200" rtl="0" eaLnBrk="1" latinLnBrk="0" hangingPunct="1">
+              <a:spcBef>
+                <a:spcPct val="20000"/>
+              </a:spcBef>
+              <a:buFont typeface="Arial"/>
+              <a:buChar char="•"/>
+              <a:defRPr sz="2000" kern="1200">
+                <a:solidFill>
+                  <a:schemeClr val="tx1"/>
+                </a:solidFill>
+                <a:latin typeface="+mn-lt"/>
+                <a:ea typeface="+mn-ea"/>
+                <a:cs typeface="+mn-cs"/>
+              </a:defRPr>
+            </a:lvl7pPr>
+            <a:lvl8pPr marL="3429000" indent="-228600" algn="l" defTabSz="457200" rtl="0" eaLnBrk="1" latinLnBrk="0" hangingPunct="1">
+              <a:spcBef>
+                <a:spcPct val="20000"/>
+              </a:spcBef>
+              <a:buFont typeface="Arial"/>
+              <a:buChar char="•"/>
+              <a:defRPr sz="2000" kern="1200">
+                <a:solidFill>
+                  <a:schemeClr val="tx1"/>
+                </a:solidFill>
+                <a:latin typeface="+mn-lt"/>
+                <a:ea typeface="+mn-ea"/>
+                <a:cs typeface="+mn-cs"/>
+              </a:defRPr>
+            </a:lvl8pPr>
+            <a:lvl9pPr marL="3886200" indent="-228600" algn="l" defTabSz="457200" rtl="0" eaLnBrk="1" latinLnBrk="0" hangingPunct="1">
+              <a:spcBef>
+                <a:spcPct val="20000"/>
+              </a:spcBef>
+              <a:buFont typeface="Arial"/>
+              <a:buChar char="•"/>
+              <a:defRPr sz="2000" kern="1200">
+                <a:solidFill>
+                  <a:schemeClr val="tx1"/>
+                </a:solidFill>
+                <a:latin typeface="+mn-lt"/>
+                <a:ea typeface="+mn-ea"/>
+                <a:cs typeface="+mn-cs"/>
+              </a:defRPr>
+            </a:lvl9pPr>
+          </a:lstStyle>
+          <a:p>
+            <a:pPr marL="0" indent="0" algn="ctr">
+              <a:buNone/>
+            </a:pPr>
+            <a:r>
+              <a:rPr lang="en-US" sz="1800" dirty="0">
+                <a:solidFill>
+                  <a:schemeClr val="bg1">
+                    <a:lumMod val="50000"/>
+                  </a:schemeClr>
+                </a:solidFill>
+                <a:latin typeface="Times New Roman" panose="02020603050405020304" pitchFamily="18" charset="0"/>
+                <a:cs typeface="Times New Roman" panose="02020603050405020304" pitchFamily="18" charset="0"/>
+              </a:rPr>
+              <a:t>Zahoor Ahmad </a:t>
+            </a:r>
+            <a:r>
+              <a:rPr lang="en-US" sz="1000" dirty="0">
+                <a:solidFill>
+                  <a:schemeClr val="bg1">
+                    <a:lumMod val="50000"/>
+                  </a:schemeClr>
+                </a:solidFill>
+                <a:latin typeface="Times New Roman" panose="02020603050405020304" pitchFamily="18" charset="0"/>
+                <a:cs typeface="Times New Roman" panose="02020603050405020304" pitchFamily="18" charset="0"/>
+              </a:rPr>
+              <a:t>(2021-AG-7754)</a:t>
+            </a:r>
+            <a:r>
+              <a:rPr lang="en-US" sz="1800" dirty="0">
+                <a:solidFill>
+                  <a:schemeClr val="bg1">
+                    <a:lumMod val="50000"/>
+                  </a:schemeClr>
+                </a:solidFill>
+                <a:latin typeface="Times New Roman" panose="02020603050405020304" pitchFamily="18" charset="0"/>
+                <a:cs typeface="Times New Roman" panose="02020603050405020304" pitchFamily="18" charset="0"/>
+              </a:rPr>
+              <a:t>  ⎯⎯ Muhammad Abdullah </a:t>
+            </a:r>
+            <a:r>
+              <a:rPr lang="en-US" sz="1000" dirty="0">
+                <a:solidFill>
+                  <a:schemeClr val="bg1">
+                    <a:lumMod val="50000"/>
+                  </a:schemeClr>
+                </a:solidFill>
+                <a:latin typeface="Times New Roman" panose="02020603050405020304" pitchFamily="18" charset="0"/>
+                <a:cs typeface="Times New Roman" panose="02020603050405020304" pitchFamily="18" charset="0"/>
+              </a:rPr>
+              <a:t>(2021-AG-7779)</a:t>
+            </a:r>
+          </a:p>
+        </p:txBody>
+      </p:sp>
+    </p:spTree>
+  </p:cSld>
+  <p:clrMapOvr>
+    <a:masterClrMapping/>
+  </p:clrMapOvr>
+  <mc:AlternateContent xmlns:mc="http://schemas.openxmlformats.org/markup-compatibility/2006" xmlns:p159="http://schemas.microsoft.com/office/powerpoint/2015/09/main">
+    <mc:Choice Requires="p159">
+      <p:transition xmlns:p14="http://schemas.microsoft.com/office/powerpoint/2010/main" spd="slow" p14:dur="2000">
+        <p159:morph option="byObject"/>
+      </p:transition>
+    </mc:Choice>
+    <mc:Fallback xmlns="">
+      <p:transition spd="slow">
+        <p:fade/>
+      </p:transition>
+    </mc:Fallback>
+  </mc:AlternateContent>
+</p:sld>
+</file>
+
+<file path=ppt/slides/slide18.xml><?xml version="1.0" encoding="utf-8"?>
+<p:sld xmlns:a="http://schemas.openxmlformats.org/drawingml/2006/main" xmlns:r="http://schemas.openxmlformats.org/officeDocument/2006/relationships" xmlns:p="http://schemas.openxmlformats.org/presentationml/2006/main">
+  <p:cSld>
+    <p:spTree>
+      <p:nvGrpSpPr>
+        <p:cNvPr id="1" name=""/>
+        <p:cNvGrpSpPr/>
+        <p:nvPr/>
+      </p:nvGrpSpPr>
+      <p:grpSpPr>
+        <a:xfrm>
+          <a:off x="0" y="0"/>
+          <a:ext cx="0" cy="0"/>
+          <a:chOff x="0" y="0"/>
+          <a:chExt cx="0" cy="0"/>
+        </a:xfrm>
+      </p:grpSpPr>
+      <p:sp>
+        <p:nvSpPr>
+          <p:cNvPr id="2" name="Title 1"/>
+          <p:cNvSpPr>
+            <a:spLocks noGrp="1"/>
+          </p:cNvSpPr>
+          <p:nvPr>
+            <p:ph type="title"/>
+          </p:nvPr>
+        </p:nvSpPr>
+        <p:spPr/>
+        <p:txBody>
+          <a:bodyPr/>
+          <a:lstStyle/>
+          <a:p>
+            <a:r>
+              <a:t>Technology Stack</a:t>
+            </a:r>
+          </a:p>
+        </p:txBody>
+      </p:sp>
+      <p:sp>
+        <p:nvSpPr>
+          <p:cNvPr id="3" name="Content Placeholder 2"/>
+          <p:cNvSpPr>
+            <a:spLocks noGrp="1"/>
+          </p:cNvSpPr>
+          <p:nvPr>
+            <p:ph idx="1"/>
+          </p:nvPr>
+        </p:nvSpPr>
+        <p:spPr/>
+        <p:txBody>
+          <a:bodyPr/>
+          <a:lstStyle/>
+          <a:p>
+            <a:pPr marL="0" indent="0">
+              <a:buNone/>
+            </a:pPr>
+            <a:r>
+              <a:rPr dirty="0"/>
+              <a:t>- Front-end: React.js / Next.js.</a:t>
+            </a:r>
+          </a:p>
+          <a:p>
+            <a:pPr marL="0" indent="0">
+              <a:buNone/>
+            </a:pPr>
+            <a:r>
+              <a:rPr dirty="0"/>
+              <a:t>- Back-end: FastAPI.</a:t>
+            </a:r>
+          </a:p>
+          <a:p>
+            <a:pPr marL="0" indent="0">
+              <a:buNone/>
+            </a:pPr>
+            <a:r>
+              <a:rPr dirty="0"/>
+              <a:t>- AI Models: Hugging Face.</a:t>
+            </a:r>
+          </a:p>
+          <a:p>
+            <a:pPr marL="0" indent="0">
+              <a:buNone/>
+            </a:pPr>
+            <a:r>
+              <a:rPr dirty="0"/>
+              <a:t>- LangChain: Natural language processing for interaction.</a:t>
+            </a:r>
+          </a:p>
+          <a:p>
+            <a:pPr marL="0" indent="0">
+              <a:buNone/>
+            </a:pPr>
+            <a:r>
+              <a:rPr dirty="0"/>
+              <a:t>- Data: Python (</a:t>
+            </a:r>
+            <a:r>
+              <a:rPr dirty="0" err="1"/>
+              <a:t>Scrapy</a:t>
+            </a:r>
+            <a:r>
+              <a:rPr dirty="0"/>
+              <a:t>, </a:t>
+            </a:r>
+            <a:r>
+              <a:rPr dirty="0" err="1"/>
+              <a:t>BeautifulSoup</a:t>
+            </a:r>
+            <a:r>
+              <a:rPr dirty="0"/>
+              <a:t>).</a:t>
+            </a:r>
+          </a:p>
+          <a:p>
+            <a:pPr marL="0" indent="0">
+              <a:buNone/>
+            </a:pPr>
+            <a:r>
+              <a:rPr dirty="0"/>
+              <a:t>- Optional: 3D Rendering with Three.js (Based on data availability).</a:t>
+            </a:r>
+          </a:p>
+        </p:txBody>
+      </p:sp>
+      <p:sp>
+        <p:nvSpPr>
+          <p:cNvPr id="5" name="Subtitle 2">
+            <a:extLst>
+              <a:ext uri="{FF2B5EF4-FFF2-40B4-BE49-F238E27FC236}">
+                <a16:creationId xmlns:a16="http://schemas.microsoft.com/office/drawing/2014/main" id="{683AA452-EF55-4BC3-A617-8497E1BDCF6F}"/>
+              </a:ext>
+            </a:extLst>
+          </p:cNvPr>
+          <p:cNvSpPr txBox="1">
+            <a:spLocks/>
+          </p:cNvSpPr>
+          <p:nvPr/>
+        </p:nvSpPr>
+        <p:spPr>
+          <a:xfrm>
+            <a:off x="2973262" y="6508122"/>
+            <a:ext cx="6245476" cy="338098"/>
+          </a:xfrm>
+          <a:prstGeom prst="rect">
+            <a:avLst/>
+          </a:prstGeom>
+        </p:spPr>
+        <p:txBody>
+          <a:bodyPr vert="horz" lIns="91440" tIns="45720" rIns="91440" bIns="45720" rtlCol="0">
+            <a:normAutofit fontScale="92500" lnSpcReduction="10000"/>
+          </a:bodyPr>
+          <a:lstStyle>
+            <a:lvl1pPr marL="342900" indent="-342900" algn="l" defTabSz="457200" rtl="0" eaLnBrk="1" latinLnBrk="0" hangingPunct="1">
+              <a:spcBef>
+                <a:spcPct val="20000"/>
+              </a:spcBef>
+              <a:buFont typeface="Arial"/>
+              <a:buChar char="•"/>
+              <a:defRPr sz="3200" kern="1200">
+                <a:solidFill>
+                  <a:schemeClr val="tx1"/>
+                </a:solidFill>
+                <a:latin typeface="+mn-lt"/>
+                <a:ea typeface="+mn-ea"/>
+                <a:cs typeface="+mn-cs"/>
+              </a:defRPr>
+            </a:lvl1pPr>
+            <a:lvl2pPr marL="742950" indent="-285750" algn="l" defTabSz="457200" rtl="0" eaLnBrk="1" latinLnBrk="0" hangingPunct="1">
+              <a:spcBef>
+                <a:spcPct val="20000"/>
+              </a:spcBef>
+              <a:buFont typeface="Arial"/>
+              <a:buChar char="–"/>
+              <a:defRPr sz="2800" kern="1200">
+                <a:solidFill>
+                  <a:schemeClr val="tx1"/>
+                </a:solidFill>
+                <a:latin typeface="+mn-lt"/>
+                <a:ea typeface="+mn-ea"/>
+                <a:cs typeface="+mn-cs"/>
+              </a:defRPr>
+            </a:lvl2pPr>
+            <a:lvl3pPr marL="1143000" indent="-228600" algn="l" defTabSz="457200" rtl="0" eaLnBrk="1" latinLnBrk="0" hangingPunct="1">
+              <a:spcBef>
+                <a:spcPct val="20000"/>
+              </a:spcBef>
+              <a:buFont typeface="Arial"/>
+              <a:buChar char="•"/>
+              <a:defRPr sz="2400" kern="1200">
+                <a:solidFill>
+                  <a:schemeClr val="tx1"/>
+                </a:solidFill>
+                <a:latin typeface="+mn-lt"/>
+                <a:ea typeface="+mn-ea"/>
+                <a:cs typeface="+mn-cs"/>
+              </a:defRPr>
+            </a:lvl3pPr>
+            <a:lvl4pPr marL="1600200" indent="-228600" algn="l" defTabSz="457200" rtl="0" eaLnBrk="1" latinLnBrk="0" hangingPunct="1">
+              <a:spcBef>
+                <a:spcPct val="20000"/>
+              </a:spcBef>
+              <a:buFont typeface="Arial"/>
+              <a:buChar char="–"/>
+              <a:defRPr sz="2000" kern="1200">
+                <a:solidFill>
+                  <a:schemeClr val="tx1"/>
+                </a:solidFill>
+                <a:latin typeface="+mn-lt"/>
+                <a:ea typeface="+mn-ea"/>
+                <a:cs typeface="+mn-cs"/>
+              </a:defRPr>
+            </a:lvl4pPr>
+            <a:lvl5pPr marL="2057400" indent="-228600" algn="l" defTabSz="457200" rtl="0" eaLnBrk="1" latinLnBrk="0" hangingPunct="1">
+              <a:spcBef>
+                <a:spcPct val="20000"/>
+              </a:spcBef>
+              <a:buFont typeface="Arial"/>
+              <a:buChar char="»"/>
+              <a:defRPr sz="2000" kern="1200">
+                <a:solidFill>
+                  <a:schemeClr val="tx1"/>
+                </a:solidFill>
+                <a:latin typeface="+mn-lt"/>
+                <a:ea typeface="+mn-ea"/>
+                <a:cs typeface="+mn-cs"/>
+              </a:defRPr>
+            </a:lvl5pPr>
+            <a:lvl6pPr marL="2514600" indent="-228600" algn="l" defTabSz="457200" rtl="0" eaLnBrk="1" latinLnBrk="0" hangingPunct="1">
+              <a:spcBef>
+                <a:spcPct val="20000"/>
+              </a:spcBef>
+              <a:buFont typeface="Arial"/>
+              <a:buChar char="•"/>
+              <a:defRPr sz="2000" kern="1200">
+                <a:solidFill>
+                  <a:schemeClr val="tx1"/>
+                </a:solidFill>
+                <a:latin typeface="+mn-lt"/>
+                <a:ea typeface="+mn-ea"/>
+                <a:cs typeface="+mn-cs"/>
+              </a:defRPr>
+            </a:lvl6pPr>
+            <a:lvl7pPr marL="2971800" indent="-228600" algn="l" defTabSz="457200" rtl="0" eaLnBrk="1" latinLnBrk="0" hangingPunct="1">
+              <a:spcBef>
+                <a:spcPct val="20000"/>
+              </a:spcBef>
+              <a:buFont typeface="Arial"/>
+              <a:buChar char="•"/>
+              <a:defRPr sz="2000" kern="1200">
+                <a:solidFill>
+                  <a:schemeClr val="tx1"/>
+                </a:solidFill>
+                <a:latin typeface="+mn-lt"/>
+                <a:ea typeface="+mn-ea"/>
+                <a:cs typeface="+mn-cs"/>
+              </a:defRPr>
+            </a:lvl7pPr>
+            <a:lvl8pPr marL="3429000" indent="-228600" algn="l" defTabSz="457200" rtl="0" eaLnBrk="1" latinLnBrk="0" hangingPunct="1">
+              <a:spcBef>
+                <a:spcPct val="20000"/>
+              </a:spcBef>
+              <a:buFont typeface="Arial"/>
+              <a:buChar char="•"/>
+              <a:defRPr sz="2000" kern="1200">
+                <a:solidFill>
+                  <a:schemeClr val="tx1"/>
+                </a:solidFill>
+                <a:latin typeface="+mn-lt"/>
+                <a:ea typeface="+mn-ea"/>
+                <a:cs typeface="+mn-cs"/>
+              </a:defRPr>
+            </a:lvl8pPr>
+            <a:lvl9pPr marL="3886200" indent="-228600" algn="l" defTabSz="457200" rtl="0" eaLnBrk="1" latinLnBrk="0" hangingPunct="1">
+              <a:spcBef>
+                <a:spcPct val="20000"/>
+              </a:spcBef>
+              <a:buFont typeface="Arial"/>
+              <a:buChar char="•"/>
+              <a:defRPr sz="2000" kern="1200">
+                <a:solidFill>
+                  <a:schemeClr val="tx1"/>
+                </a:solidFill>
+                <a:latin typeface="+mn-lt"/>
+                <a:ea typeface="+mn-ea"/>
+                <a:cs typeface="+mn-cs"/>
+              </a:defRPr>
+            </a:lvl9pPr>
+          </a:lstStyle>
+          <a:p>
+            <a:pPr marL="0" indent="0" algn="ctr">
+              <a:buNone/>
+            </a:pPr>
+            <a:r>
+              <a:rPr lang="en-US" sz="1800" dirty="0">
+                <a:solidFill>
+                  <a:schemeClr val="bg1">
+                    <a:lumMod val="50000"/>
+                  </a:schemeClr>
+                </a:solidFill>
+                <a:latin typeface="Times New Roman" panose="02020603050405020304" pitchFamily="18" charset="0"/>
+                <a:cs typeface="Times New Roman" panose="02020603050405020304" pitchFamily="18" charset="0"/>
+              </a:rPr>
+              <a:t>Zahoor Ahmad </a:t>
+            </a:r>
+            <a:r>
+              <a:rPr lang="en-US" sz="1000" dirty="0">
+                <a:solidFill>
+                  <a:schemeClr val="bg1">
+                    <a:lumMod val="50000"/>
+                  </a:schemeClr>
+                </a:solidFill>
+                <a:latin typeface="Times New Roman" panose="02020603050405020304" pitchFamily="18" charset="0"/>
+                <a:cs typeface="Times New Roman" panose="02020603050405020304" pitchFamily="18" charset="0"/>
+              </a:rPr>
+              <a:t>(2021-AG-7754)</a:t>
+            </a:r>
+            <a:r>
+              <a:rPr lang="en-US" sz="1800" dirty="0">
+                <a:solidFill>
+                  <a:schemeClr val="bg1">
+                    <a:lumMod val="50000"/>
+                  </a:schemeClr>
+                </a:solidFill>
+                <a:latin typeface="Times New Roman" panose="02020603050405020304" pitchFamily="18" charset="0"/>
+                <a:cs typeface="Times New Roman" panose="02020603050405020304" pitchFamily="18" charset="0"/>
+              </a:rPr>
+              <a:t>  ⎯⎯ Muhammad Abdullah </a:t>
+            </a:r>
+            <a:r>
+              <a:rPr lang="en-US" sz="1000" dirty="0">
+                <a:solidFill>
+                  <a:schemeClr val="bg1">
+                    <a:lumMod val="50000"/>
+                  </a:schemeClr>
+                </a:solidFill>
+                <a:latin typeface="Times New Roman" panose="02020603050405020304" pitchFamily="18" charset="0"/>
+                <a:cs typeface="Times New Roman" panose="02020603050405020304" pitchFamily="18" charset="0"/>
+              </a:rPr>
+              <a:t>(2021-AG-7779)</a:t>
+            </a:r>
+          </a:p>
+        </p:txBody>
+      </p:sp>
+    </p:spTree>
+  </p:cSld>
+  <p:clrMapOvr>
+    <a:masterClrMapping/>
+  </p:clrMapOvr>
+  <mc:AlternateContent xmlns:mc="http://schemas.openxmlformats.org/markup-compatibility/2006" xmlns:p159="http://schemas.microsoft.com/office/powerpoint/2015/09/main">
+    <mc:Choice Requires="p159">
+      <p:transition xmlns:p14="http://schemas.microsoft.com/office/powerpoint/2010/main" spd="slow" p14:dur="2000">
+        <p159:morph option="byObject"/>
+      </p:transition>
+    </mc:Choice>
+    <mc:Fallback xmlns="">
+      <p:transition spd="slow">
+        <p:fade/>
+      </p:transition>
+    </mc:Fallback>
+  </mc:AlternateContent>
+</p:sld>
+</file>
+
+<file path=ppt/slides/slide19.xml><?xml version="1.0" encoding="utf-8"?>
+<p:sld xmlns:a="http://schemas.openxmlformats.org/drawingml/2006/main" xmlns:r="http://schemas.openxmlformats.org/officeDocument/2006/relationships" xmlns:p="http://schemas.openxmlformats.org/presentationml/2006/main">
+  <p:cSld>
+    <p:spTree>
+      <p:nvGrpSpPr>
+        <p:cNvPr id="1" name=""/>
+        <p:cNvGrpSpPr/>
+        <p:nvPr/>
+      </p:nvGrpSpPr>
+      <p:grpSpPr>
+        <a:xfrm>
+          <a:off x="0" y="0"/>
+          <a:ext cx="0" cy="0"/>
+          <a:chOff x="0" y="0"/>
+          <a:chExt cx="0" cy="0"/>
+        </a:xfrm>
+      </p:grpSpPr>
+      <p:sp>
+        <p:nvSpPr>
+          <p:cNvPr id="2" name="Title 1"/>
+          <p:cNvSpPr>
+            <a:spLocks noGrp="1"/>
+          </p:cNvSpPr>
+          <p:nvPr>
+            <p:ph type="title"/>
+          </p:nvPr>
+        </p:nvSpPr>
+        <p:spPr/>
+        <p:txBody>
+          <a:bodyPr/>
+          <a:lstStyle/>
+          <a:p>
+            <a:r>
+              <a:t>Workflow &amp; AI Integration</a:t>
+            </a:r>
+          </a:p>
+        </p:txBody>
+      </p:sp>
+      <p:sp>
+        <p:nvSpPr>
+          <p:cNvPr id="3" name="Content Placeholder 2"/>
+          <p:cNvSpPr>
+            <a:spLocks noGrp="1"/>
+          </p:cNvSpPr>
+          <p:nvPr>
+            <p:ph idx="1"/>
+          </p:nvPr>
+        </p:nvSpPr>
+        <p:spPr/>
+        <p:txBody>
+          <a:bodyPr>
+            <a:normAutofit lnSpcReduction="10000"/>
+          </a:bodyPr>
+          <a:lstStyle/>
+          <a:p>
+            <a:pPr marL="0" indent="0">
+              <a:buNone/>
+            </a:pPr>
+            <a:r>
+              <a:rPr b="1" dirty="0"/>
+              <a:t>How it Works:</a:t>
+            </a:r>
+          </a:p>
+          <a:p>
+            <a:pPr marL="0" indent="0">
+              <a:buNone/>
+            </a:pPr>
+            <a:endParaRPr dirty="0"/>
+          </a:p>
+          <a:p>
+            <a:pPr marL="0" indent="0">
+              <a:buNone/>
+            </a:pPr>
+            <a:r>
+              <a:rPr dirty="0"/>
+              <a:t>1. User uploads room image.</a:t>
+            </a:r>
+          </a:p>
+          <a:p>
+            <a:pPr marL="0" indent="0">
+              <a:buNone/>
+            </a:pPr>
+            <a:r>
+              <a:rPr dirty="0"/>
+              <a:t>2. AI analyzes room structure.</a:t>
+            </a:r>
+          </a:p>
+          <a:p>
+            <a:pPr marL="0" indent="0">
+              <a:buNone/>
+            </a:pPr>
+            <a:r>
+              <a:rPr dirty="0"/>
+              <a:t>3. User interacts with AI via LangChain to refine design.</a:t>
+            </a:r>
+          </a:p>
+          <a:p>
+            <a:pPr marL="0" indent="0">
+              <a:buNone/>
+            </a:pPr>
+            <a:r>
+              <a:rPr dirty="0"/>
+              <a:t>4. AI suggests layout, renders design.</a:t>
+            </a:r>
+          </a:p>
+          <a:p>
+            <a:pPr marL="0" indent="0">
+              <a:buNone/>
+            </a:pPr>
+            <a:r>
+              <a:rPr dirty="0"/>
+              <a:t>5. User can make adjustments.</a:t>
+            </a:r>
+          </a:p>
+          <a:p>
+            <a:pPr marL="0" indent="0">
+              <a:buNone/>
+            </a:pPr>
+            <a:r>
+              <a:rPr dirty="0"/>
+              <a:t>- Optional: 3D rendering integrated if data supports.</a:t>
+            </a:r>
+          </a:p>
+        </p:txBody>
+      </p:sp>
+      <p:sp>
+        <p:nvSpPr>
+          <p:cNvPr id="5" name="Subtitle 2">
+            <a:extLst>
+              <a:ext uri="{FF2B5EF4-FFF2-40B4-BE49-F238E27FC236}">
+                <a16:creationId xmlns:a16="http://schemas.microsoft.com/office/drawing/2014/main" id="{899AE423-F210-45B8-BC2F-49F57E8B37CC}"/>
+              </a:ext>
+            </a:extLst>
+          </p:cNvPr>
+          <p:cNvSpPr txBox="1">
+            <a:spLocks/>
+          </p:cNvSpPr>
+          <p:nvPr/>
+        </p:nvSpPr>
+        <p:spPr>
+          <a:xfrm>
+            <a:off x="2973262" y="6508122"/>
+            <a:ext cx="6245476" cy="338098"/>
+          </a:xfrm>
+          <a:prstGeom prst="rect">
+            <a:avLst/>
+          </a:prstGeom>
+        </p:spPr>
+        <p:txBody>
+          <a:bodyPr vert="horz" lIns="91440" tIns="45720" rIns="91440" bIns="45720" rtlCol="0">
+            <a:normAutofit fontScale="92500" lnSpcReduction="10000"/>
+          </a:bodyPr>
+          <a:lstStyle>
+            <a:lvl1pPr marL="342900" indent="-342900" algn="l" defTabSz="457200" rtl="0" eaLnBrk="1" latinLnBrk="0" hangingPunct="1">
+              <a:spcBef>
+                <a:spcPct val="20000"/>
+              </a:spcBef>
+              <a:buFont typeface="Arial"/>
+              <a:buChar char="•"/>
+              <a:defRPr sz="3200" kern="1200">
+                <a:solidFill>
+                  <a:schemeClr val="tx1"/>
+                </a:solidFill>
+                <a:latin typeface="+mn-lt"/>
+                <a:ea typeface="+mn-ea"/>
+                <a:cs typeface="+mn-cs"/>
+              </a:defRPr>
+            </a:lvl1pPr>
+            <a:lvl2pPr marL="742950" indent="-285750" algn="l" defTabSz="457200" rtl="0" eaLnBrk="1" latinLnBrk="0" hangingPunct="1">
+              <a:spcBef>
+                <a:spcPct val="20000"/>
+              </a:spcBef>
+              <a:buFont typeface="Arial"/>
+              <a:buChar char="–"/>
+              <a:defRPr sz="2800" kern="1200">
+                <a:solidFill>
+                  <a:schemeClr val="tx1"/>
+                </a:solidFill>
+                <a:latin typeface="+mn-lt"/>
+                <a:ea typeface="+mn-ea"/>
+                <a:cs typeface="+mn-cs"/>
+              </a:defRPr>
+            </a:lvl2pPr>
+            <a:lvl3pPr marL="1143000" indent="-228600" algn="l" defTabSz="457200" rtl="0" eaLnBrk="1" latinLnBrk="0" hangingPunct="1">
+              <a:spcBef>
+                <a:spcPct val="20000"/>
+              </a:spcBef>
+              <a:buFont typeface="Arial"/>
+              <a:buChar char="•"/>
+              <a:defRPr sz="2400" kern="1200">
+                <a:solidFill>
+                  <a:schemeClr val="tx1"/>
+                </a:solidFill>
+                <a:latin typeface="+mn-lt"/>
+                <a:ea typeface="+mn-ea"/>
+                <a:cs typeface="+mn-cs"/>
+              </a:defRPr>
+            </a:lvl3pPr>
+            <a:lvl4pPr marL="1600200" indent="-228600" algn="l" defTabSz="457200" rtl="0" eaLnBrk="1" latinLnBrk="0" hangingPunct="1">
+              <a:spcBef>
+                <a:spcPct val="20000"/>
+              </a:spcBef>
+              <a:buFont typeface="Arial"/>
+              <a:buChar char="–"/>
+              <a:defRPr sz="2000" kern="1200">
+                <a:solidFill>
+                  <a:schemeClr val="tx1"/>
+                </a:solidFill>
+                <a:latin typeface="+mn-lt"/>
+                <a:ea typeface="+mn-ea"/>
+                <a:cs typeface="+mn-cs"/>
+              </a:defRPr>
+            </a:lvl4pPr>
+            <a:lvl5pPr marL="2057400" indent="-228600" algn="l" defTabSz="457200" rtl="0" eaLnBrk="1" latinLnBrk="0" hangingPunct="1">
+              <a:spcBef>
+                <a:spcPct val="20000"/>
+              </a:spcBef>
+              <a:buFont typeface="Arial"/>
+              <a:buChar char="»"/>
+              <a:defRPr sz="2000" kern="1200">
+                <a:solidFill>
+                  <a:schemeClr val="tx1"/>
+                </a:solidFill>
+                <a:latin typeface="+mn-lt"/>
+                <a:ea typeface="+mn-ea"/>
+                <a:cs typeface="+mn-cs"/>
+              </a:defRPr>
+            </a:lvl5pPr>
+            <a:lvl6pPr marL="2514600" indent="-228600" algn="l" defTabSz="457200" rtl="0" eaLnBrk="1" latinLnBrk="0" hangingPunct="1">
+              <a:spcBef>
+                <a:spcPct val="20000"/>
+              </a:spcBef>
+              <a:buFont typeface="Arial"/>
+              <a:buChar char="•"/>
+              <a:defRPr sz="2000" kern="1200">
+                <a:solidFill>
+                  <a:schemeClr val="tx1"/>
+                </a:solidFill>
+                <a:latin typeface="+mn-lt"/>
+                <a:ea typeface="+mn-ea"/>
+                <a:cs typeface="+mn-cs"/>
+              </a:defRPr>
+            </a:lvl6pPr>
+            <a:lvl7pPr marL="2971800" indent="-228600" algn="l" defTabSz="457200" rtl="0" eaLnBrk="1" latinLnBrk="0" hangingPunct="1">
+              <a:spcBef>
+                <a:spcPct val="20000"/>
+              </a:spcBef>
+              <a:buFont typeface="Arial"/>
+              <a:buChar char="•"/>
+              <a:defRPr sz="2000" kern="1200">
+                <a:solidFill>
+                  <a:schemeClr val="tx1"/>
+                </a:solidFill>
+                <a:latin typeface="+mn-lt"/>
+                <a:ea typeface="+mn-ea"/>
+                <a:cs typeface="+mn-cs"/>
+              </a:defRPr>
+            </a:lvl7pPr>
+            <a:lvl8pPr marL="3429000" indent="-228600" algn="l" defTabSz="457200" rtl="0" eaLnBrk="1" latinLnBrk="0" hangingPunct="1">
+              <a:spcBef>
+                <a:spcPct val="20000"/>
+              </a:spcBef>
+              <a:buFont typeface="Arial"/>
+              <a:buChar char="•"/>
+              <a:defRPr sz="2000" kern="1200">
+                <a:solidFill>
+                  <a:schemeClr val="tx1"/>
+                </a:solidFill>
+                <a:latin typeface="+mn-lt"/>
+                <a:ea typeface="+mn-ea"/>
+                <a:cs typeface="+mn-cs"/>
+              </a:defRPr>
+            </a:lvl8pPr>
+            <a:lvl9pPr marL="3886200" indent="-228600" algn="l" defTabSz="457200" rtl="0" eaLnBrk="1" latinLnBrk="0" hangingPunct="1">
+              <a:spcBef>
+                <a:spcPct val="20000"/>
+              </a:spcBef>
+              <a:buFont typeface="Arial"/>
+              <a:buChar char="•"/>
+              <a:defRPr sz="2000" kern="1200">
+                <a:solidFill>
+                  <a:schemeClr val="tx1"/>
+                </a:solidFill>
+                <a:latin typeface="+mn-lt"/>
+                <a:ea typeface="+mn-ea"/>
+                <a:cs typeface="+mn-cs"/>
+              </a:defRPr>
+            </a:lvl9pPr>
+          </a:lstStyle>
+          <a:p>
+            <a:pPr marL="0" indent="0" algn="ctr">
+              <a:buNone/>
+            </a:pPr>
+            <a:r>
+              <a:rPr lang="en-US" sz="1800" dirty="0">
+                <a:solidFill>
+                  <a:schemeClr val="bg1">
+                    <a:lumMod val="50000"/>
+                  </a:schemeClr>
+                </a:solidFill>
+                <a:latin typeface="Times New Roman" panose="02020603050405020304" pitchFamily="18" charset="0"/>
+                <a:cs typeface="Times New Roman" panose="02020603050405020304" pitchFamily="18" charset="0"/>
+              </a:rPr>
+              <a:t>Zahoor Ahmad </a:t>
+            </a:r>
+            <a:r>
+              <a:rPr lang="en-US" sz="1000" dirty="0">
+                <a:solidFill>
+                  <a:schemeClr val="bg1">
+                    <a:lumMod val="50000"/>
+                  </a:schemeClr>
+                </a:solidFill>
+                <a:latin typeface="Times New Roman" panose="02020603050405020304" pitchFamily="18" charset="0"/>
+                <a:cs typeface="Times New Roman" panose="02020603050405020304" pitchFamily="18" charset="0"/>
+              </a:rPr>
+              <a:t>(2021-AG-7754)</a:t>
+            </a:r>
+            <a:r>
+              <a:rPr lang="en-US" sz="1800" dirty="0">
+                <a:solidFill>
+                  <a:schemeClr val="bg1">
+                    <a:lumMod val="50000"/>
+                  </a:schemeClr>
+                </a:solidFill>
+                <a:latin typeface="Times New Roman" panose="02020603050405020304" pitchFamily="18" charset="0"/>
+                <a:cs typeface="Times New Roman" panose="02020603050405020304" pitchFamily="18" charset="0"/>
+              </a:rPr>
+              <a:t>  ⎯⎯ Muhammad Abdullah </a:t>
+            </a:r>
+            <a:r>
+              <a:rPr lang="en-US" sz="1000" dirty="0">
+                <a:solidFill>
+                  <a:schemeClr val="bg1">
+                    <a:lumMod val="50000"/>
+                  </a:schemeClr>
+                </a:solidFill>
+                <a:latin typeface="Times New Roman" panose="02020603050405020304" pitchFamily="18" charset="0"/>
+                <a:cs typeface="Times New Roman" panose="02020603050405020304" pitchFamily="18" charset="0"/>
+              </a:rPr>
+              <a:t>(2021-AG-7779)</a:t>
+            </a:r>
+          </a:p>
+        </p:txBody>
+      </p:sp>
+    </p:spTree>
+  </p:cSld>
+  <p:clrMapOvr>
+    <a:masterClrMapping/>
+  </p:clrMapOvr>
+  <mc:AlternateContent xmlns:mc="http://schemas.openxmlformats.org/markup-compatibility/2006" xmlns:p159="http://schemas.microsoft.com/office/powerpoint/2015/09/main">
+    <mc:Choice Requires="p159">
+      <p:transition xmlns:p14="http://schemas.microsoft.com/office/powerpoint/2010/main" spd="slow" p14:dur="2000">
+        <p159:morph option="byObject"/>
+      </p:transition>
+    </mc:Choice>
+    <mc:Fallback xmlns="">
+      <p:transition spd="slow">
+        <p:fade/>
+      </p:transition>
+    </mc:Fallback>
+  </mc:AlternateContent>
 </p:sld>
 </file>
 
@@ -4024,7 +7492,13 @@
       </p:grpSpPr>
       <p:sp>
         <p:nvSpPr>
-          <p:cNvPr id="2" name="Title 1"/>
+          <p:cNvPr id="2" name="Title 1">
+            <a:extLst>
+              <a:ext uri="{FF2B5EF4-FFF2-40B4-BE49-F238E27FC236}">
+                <a16:creationId xmlns:a16="http://schemas.microsoft.com/office/drawing/2014/main" id="{04220925-52FC-4EE9-8D23-5580BC53236E}"/>
+              </a:ext>
+            </a:extLst>
+          </p:cNvPr>
           <p:cNvSpPr>
             <a:spLocks noGrp="1"/>
           </p:cNvSpPr>
@@ -4032,47 +7506,22 @@
             <p:ph type="ctrTitle"/>
           </p:nvPr>
         </p:nvSpPr>
-        <p:spPr/>
+        <p:spPr>
+          <a:xfrm>
+            <a:off x="914400" y="908615"/>
+            <a:ext cx="10363200" cy="829790"/>
+          </a:xfrm>
+        </p:spPr>
         <p:txBody>
           <a:bodyPr/>
           <a:lstStyle/>
           <a:p>
             <a:r>
-              <a:rPr>
-                <a:latin typeface="Times New Roman" panose="02020603050405020304" pitchFamily="18" charset="0"/>
-                <a:cs typeface="Times New Roman" panose="02020603050405020304" pitchFamily="18" charset="0"/>
-              </a:rPr>
-              <a:t>AI-Based Agricultural Social Media App</a:t>
-            </a:r>
-          </a:p>
-        </p:txBody>
-      </p:sp>
-      <p:sp>
-        <p:nvSpPr>
-          <p:cNvPr id="3" name="Subtitle 2"/>
-          <p:cNvSpPr>
-            <a:spLocks noGrp="1"/>
-          </p:cNvSpPr>
-          <p:nvPr>
-            <p:ph type="subTitle" idx="1"/>
-          </p:nvPr>
-        </p:nvSpPr>
-        <p:spPr>
-          <a:xfrm>
-            <a:off x="1828800" y="3510174"/>
-            <a:ext cx="8534400" cy="1088227"/>
-          </a:xfrm>
-        </p:spPr>
-        <p:txBody>
-          <a:bodyPr/>
-          <a:lstStyle/>
-          <a:p>
-            <a:r>
-              <a:rPr dirty="0">
-                <a:latin typeface="Times New Roman" panose="02020603050405020304" pitchFamily="18" charset="0"/>
-                <a:cs typeface="Times New Roman" panose="02020603050405020304" pitchFamily="18" charset="0"/>
-              </a:rPr>
-              <a:t>Connecting Farmers and Researchers for a Smarter Farming Future</a:t>
+              <a:rPr lang="en-US" dirty="0">
+                <a:latin typeface="Times New Roman" panose="02020603050405020304" pitchFamily="18" charset="0"/>
+                <a:cs typeface="Times New Roman" panose="02020603050405020304" pitchFamily="18" charset="0"/>
+              </a:rPr>
+              <a:t>Final Year Project Ideas.</a:t>
             </a:r>
           </a:p>
         </p:txBody>
@@ -4082,7 +7531,7 @@
           <p:cNvPr id="4" name="Subtitle 2">
             <a:extLst>
               <a:ext uri="{FF2B5EF4-FFF2-40B4-BE49-F238E27FC236}">
-                <a16:creationId xmlns:a16="http://schemas.microsoft.com/office/drawing/2014/main" id="{7BE43F01-9AF1-48F8-865A-4C4A6FAB48E0}"/>
+                <a16:creationId xmlns:a16="http://schemas.microsoft.com/office/drawing/2014/main" id="{78B6B227-A129-4C0F-9209-9858E4893059}"/>
               </a:ext>
             </a:extLst>
           </p:cNvPr>
@@ -4296,11 +7745,1442 @@
           </a:p>
         </p:txBody>
       </p:sp>
+      <p:sp>
+        <p:nvSpPr>
+          <p:cNvPr id="9" name="Title 1">
+            <a:extLst>
+              <a:ext uri="{FF2B5EF4-FFF2-40B4-BE49-F238E27FC236}">
+                <a16:creationId xmlns:a16="http://schemas.microsoft.com/office/drawing/2014/main" id="{AAF39B68-8722-4558-AAA0-93A1C85C36CD}"/>
+              </a:ext>
+            </a:extLst>
+          </p:cNvPr>
+          <p:cNvSpPr txBox="1">
+            <a:spLocks/>
+          </p:cNvSpPr>
+          <p:nvPr/>
+        </p:nvSpPr>
+        <p:spPr>
+          <a:xfrm>
+            <a:off x="905435" y="2522550"/>
+            <a:ext cx="10363200" cy="685777"/>
+          </a:xfrm>
+          <a:prstGeom prst="rect">
+            <a:avLst/>
+          </a:prstGeom>
+        </p:spPr>
+        <p:txBody>
+          <a:bodyPr vert="horz" lIns="91440" tIns="45720" rIns="91440" bIns="45720" rtlCol="0" anchor="ctr">
+            <a:normAutofit/>
+          </a:bodyPr>
+          <a:lstStyle>
+            <a:lvl1pPr algn="ctr" defTabSz="457200" rtl="0" eaLnBrk="1" latinLnBrk="0" hangingPunct="1">
+              <a:spcBef>
+                <a:spcPct val="0"/>
+              </a:spcBef>
+              <a:buNone/>
+              <a:defRPr sz="4400" kern="1200">
+                <a:solidFill>
+                  <a:schemeClr val="tx1"/>
+                </a:solidFill>
+                <a:latin typeface="+mj-lt"/>
+                <a:ea typeface="+mj-ea"/>
+                <a:cs typeface="+mj-cs"/>
+              </a:defRPr>
+            </a:lvl1pPr>
+          </a:lstStyle>
+          <a:p>
+            <a:pPr algn="l"/>
+            <a:r>
+              <a:rPr lang="it-IT" sz="2800" dirty="0">
+                <a:latin typeface="Times New Roman" panose="02020603050405020304" pitchFamily="18" charset="0"/>
+                <a:cs typeface="Times New Roman" panose="02020603050405020304" pitchFamily="18" charset="0"/>
+              </a:rPr>
+              <a:t>AI-Based Agricultural Social Media App</a:t>
+            </a:r>
+          </a:p>
+        </p:txBody>
+      </p:sp>
+      <p:sp>
+        <p:nvSpPr>
+          <p:cNvPr id="10" name="Title 1">
+            <a:extLst>
+              <a:ext uri="{FF2B5EF4-FFF2-40B4-BE49-F238E27FC236}">
+                <a16:creationId xmlns:a16="http://schemas.microsoft.com/office/drawing/2014/main" id="{86807ACF-91C3-4DD4-962B-C0A94B42D891}"/>
+              </a:ext>
+            </a:extLst>
+          </p:cNvPr>
+          <p:cNvSpPr txBox="1">
+            <a:spLocks/>
+          </p:cNvSpPr>
+          <p:nvPr/>
+        </p:nvSpPr>
+        <p:spPr>
+          <a:xfrm>
+            <a:off x="905435" y="3153962"/>
+            <a:ext cx="9144000" cy="550077"/>
+          </a:xfrm>
+          <a:prstGeom prst="rect">
+            <a:avLst/>
+          </a:prstGeom>
+        </p:spPr>
+        <p:txBody>
+          <a:bodyPr vert="horz" lIns="91440" tIns="45720" rIns="91440" bIns="45720" rtlCol="0" anchor="ctr">
+            <a:normAutofit/>
+          </a:bodyPr>
+          <a:lstStyle>
+            <a:lvl1pPr algn="ctr" defTabSz="457200" rtl="0" eaLnBrk="1" latinLnBrk="0" hangingPunct="1">
+              <a:spcBef>
+                <a:spcPct val="0"/>
+              </a:spcBef>
+              <a:buNone/>
+              <a:defRPr sz="4400" kern="1200">
+                <a:solidFill>
+                  <a:schemeClr val="tx1"/>
+                </a:solidFill>
+                <a:latin typeface="+mj-lt"/>
+                <a:ea typeface="+mj-ea"/>
+                <a:cs typeface="+mj-cs"/>
+              </a:defRPr>
+            </a:lvl1pPr>
+          </a:lstStyle>
+          <a:p>
+            <a:pPr algn="l"/>
+            <a:r>
+              <a:rPr lang="en-US" sz="2800">
+                <a:latin typeface="Times New Roman" panose="02020603050405020304" pitchFamily="18" charset="0"/>
+                <a:cs typeface="Times New Roman" panose="02020603050405020304" pitchFamily="18" charset="0"/>
+              </a:rPr>
+              <a:t>AI-Based Interior Design</a:t>
+            </a:r>
+            <a:endParaRPr lang="en-US" sz="2800" dirty="0">
+              <a:latin typeface="Times New Roman" panose="02020603050405020304" pitchFamily="18" charset="0"/>
+              <a:cs typeface="Times New Roman" panose="02020603050405020304" pitchFamily="18" charset="0"/>
+            </a:endParaRPr>
+          </a:p>
+        </p:txBody>
+      </p:sp>
+    </p:spTree>
+    <p:extLst>
+      <p:ext uri="{BB962C8B-B14F-4D97-AF65-F5344CB8AC3E}">
+        <p14:creationId xmlns:p14="http://schemas.microsoft.com/office/powerpoint/2010/main" val="127673976"/>
+      </p:ext>
+    </p:extLst>
+  </p:cSld>
+  <p:clrMapOvr>
+    <a:masterClrMapping/>
+  </p:clrMapOvr>
+  <mc:AlternateContent xmlns:mc="http://schemas.openxmlformats.org/markup-compatibility/2006">
+    <mc:Choice xmlns:p159="http://schemas.microsoft.com/office/powerpoint/2015/09/main" Requires="p159">
+      <p:transition xmlns:p14="http://schemas.microsoft.com/office/powerpoint/2010/main" spd="slow" p14:dur="2000">
+        <p159:morph option="byObject"/>
+      </p:transition>
+    </mc:Choice>
+    <mc:Fallback>
+      <p:transition spd="slow">
+        <p:fade/>
+      </p:transition>
+    </mc:Fallback>
+  </mc:AlternateContent>
+</p:sld>
+</file>
+
+<file path=ppt/slides/slide20.xml><?xml version="1.0" encoding="utf-8"?>
+<p:sld xmlns:a="http://schemas.openxmlformats.org/drawingml/2006/main" xmlns:r="http://schemas.openxmlformats.org/officeDocument/2006/relationships" xmlns:p="http://schemas.openxmlformats.org/presentationml/2006/main">
+  <p:cSld>
+    <p:spTree>
+      <p:nvGrpSpPr>
+        <p:cNvPr id="1" name=""/>
+        <p:cNvGrpSpPr/>
+        <p:nvPr/>
+      </p:nvGrpSpPr>
+      <p:grpSpPr>
+        <a:xfrm>
+          <a:off x="0" y="0"/>
+          <a:ext cx="0" cy="0"/>
+          <a:chOff x="0" y="0"/>
+          <a:chExt cx="0" cy="0"/>
+        </a:xfrm>
+      </p:grpSpPr>
+      <p:sp>
+        <p:nvSpPr>
+          <p:cNvPr id="2" name="Title 1"/>
+          <p:cNvSpPr>
+            <a:spLocks noGrp="1"/>
+          </p:cNvSpPr>
+          <p:nvPr>
+            <p:ph type="title"/>
+          </p:nvPr>
+        </p:nvSpPr>
+        <p:spPr/>
+        <p:txBody>
+          <a:bodyPr/>
+          <a:lstStyle/>
+          <a:p>
+            <a:r>
+              <a:t>Potential Benefits</a:t>
+            </a:r>
+          </a:p>
+        </p:txBody>
+      </p:sp>
+      <p:sp>
+        <p:nvSpPr>
+          <p:cNvPr id="3" name="Content Placeholder 2"/>
+          <p:cNvSpPr>
+            <a:spLocks noGrp="1"/>
+          </p:cNvSpPr>
+          <p:nvPr>
+            <p:ph idx="1"/>
+          </p:nvPr>
+        </p:nvSpPr>
+        <p:spPr/>
+        <p:txBody>
+          <a:bodyPr/>
+          <a:lstStyle/>
+          <a:p>
+            <a:pPr marL="0" indent="0">
+              <a:buNone/>
+            </a:pPr>
+            <a:r>
+              <a:rPr dirty="0"/>
+              <a:t>- Affordable, accessible interior design solution.</a:t>
+            </a:r>
+          </a:p>
+          <a:p>
+            <a:pPr marL="0" indent="0">
+              <a:buNone/>
+            </a:pPr>
+            <a:r>
+              <a:rPr dirty="0"/>
+              <a:t>- Speeds up the design process with automation.</a:t>
+            </a:r>
+          </a:p>
+          <a:p>
+            <a:pPr marL="0" indent="0">
+              <a:buNone/>
+            </a:pPr>
+            <a:r>
+              <a:rPr dirty="0"/>
+              <a:t>- Personalized designs generated instantly.</a:t>
+            </a:r>
+          </a:p>
+          <a:p>
+            <a:pPr marL="0" indent="0">
+              <a:buNone/>
+            </a:pPr>
+            <a:r>
+              <a:rPr dirty="0"/>
+              <a:t>- Conversational AI for a user-friendly experience.</a:t>
+            </a:r>
+          </a:p>
+          <a:p>
+            <a:pPr marL="0" indent="0">
+              <a:buNone/>
+            </a:pPr>
+            <a:r>
+              <a:rPr dirty="0"/>
+              <a:t>- Optional: Enhanced user experience with 3D visualization.</a:t>
+            </a:r>
+          </a:p>
+        </p:txBody>
+      </p:sp>
+      <p:sp>
+        <p:nvSpPr>
+          <p:cNvPr id="5" name="Subtitle 2">
+            <a:extLst>
+              <a:ext uri="{FF2B5EF4-FFF2-40B4-BE49-F238E27FC236}">
+                <a16:creationId xmlns:a16="http://schemas.microsoft.com/office/drawing/2014/main" id="{B143D6EF-5978-49AE-B8C1-CD5B22630DD0}"/>
+              </a:ext>
+            </a:extLst>
+          </p:cNvPr>
+          <p:cNvSpPr txBox="1">
+            <a:spLocks/>
+          </p:cNvSpPr>
+          <p:nvPr/>
+        </p:nvSpPr>
+        <p:spPr>
+          <a:xfrm>
+            <a:off x="2973262" y="6508122"/>
+            <a:ext cx="6245476" cy="338098"/>
+          </a:xfrm>
+          <a:prstGeom prst="rect">
+            <a:avLst/>
+          </a:prstGeom>
+        </p:spPr>
+        <p:txBody>
+          <a:bodyPr vert="horz" lIns="91440" tIns="45720" rIns="91440" bIns="45720" rtlCol="0">
+            <a:normAutofit fontScale="92500" lnSpcReduction="10000"/>
+          </a:bodyPr>
+          <a:lstStyle>
+            <a:lvl1pPr marL="342900" indent="-342900" algn="l" defTabSz="457200" rtl="0" eaLnBrk="1" latinLnBrk="0" hangingPunct="1">
+              <a:spcBef>
+                <a:spcPct val="20000"/>
+              </a:spcBef>
+              <a:buFont typeface="Arial"/>
+              <a:buChar char="•"/>
+              <a:defRPr sz="3200" kern="1200">
+                <a:solidFill>
+                  <a:schemeClr val="tx1"/>
+                </a:solidFill>
+                <a:latin typeface="+mn-lt"/>
+                <a:ea typeface="+mn-ea"/>
+                <a:cs typeface="+mn-cs"/>
+              </a:defRPr>
+            </a:lvl1pPr>
+            <a:lvl2pPr marL="742950" indent="-285750" algn="l" defTabSz="457200" rtl="0" eaLnBrk="1" latinLnBrk="0" hangingPunct="1">
+              <a:spcBef>
+                <a:spcPct val="20000"/>
+              </a:spcBef>
+              <a:buFont typeface="Arial"/>
+              <a:buChar char="–"/>
+              <a:defRPr sz="2800" kern="1200">
+                <a:solidFill>
+                  <a:schemeClr val="tx1"/>
+                </a:solidFill>
+                <a:latin typeface="+mn-lt"/>
+                <a:ea typeface="+mn-ea"/>
+                <a:cs typeface="+mn-cs"/>
+              </a:defRPr>
+            </a:lvl2pPr>
+            <a:lvl3pPr marL="1143000" indent="-228600" algn="l" defTabSz="457200" rtl="0" eaLnBrk="1" latinLnBrk="0" hangingPunct="1">
+              <a:spcBef>
+                <a:spcPct val="20000"/>
+              </a:spcBef>
+              <a:buFont typeface="Arial"/>
+              <a:buChar char="•"/>
+              <a:defRPr sz="2400" kern="1200">
+                <a:solidFill>
+                  <a:schemeClr val="tx1"/>
+                </a:solidFill>
+                <a:latin typeface="+mn-lt"/>
+                <a:ea typeface="+mn-ea"/>
+                <a:cs typeface="+mn-cs"/>
+              </a:defRPr>
+            </a:lvl3pPr>
+            <a:lvl4pPr marL="1600200" indent="-228600" algn="l" defTabSz="457200" rtl="0" eaLnBrk="1" latinLnBrk="0" hangingPunct="1">
+              <a:spcBef>
+                <a:spcPct val="20000"/>
+              </a:spcBef>
+              <a:buFont typeface="Arial"/>
+              <a:buChar char="–"/>
+              <a:defRPr sz="2000" kern="1200">
+                <a:solidFill>
+                  <a:schemeClr val="tx1"/>
+                </a:solidFill>
+                <a:latin typeface="+mn-lt"/>
+                <a:ea typeface="+mn-ea"/>
+                <a:cs typeface="+mn-cs"/>
+              </a:defRPr>
+            </a:lvl4pPr>
+            <a:lvl5pPr marL="2057400" indent="-228600" algn="l" defTabSz="457200" rtl="0" eaLnBrk="1" latinLnBrk="0" hangingPunct="1">
+              <a:spcBef>
+                <a:spcPct val="20000"/>
+              </a:spcBef>
+              <a:buFont typeface="Arial"/>
+              <a:buChar char="»"/>
+              <a:defRPr sz="2000" kern="1200">
+                <a:solidFill>
+                  <a:schemeClr val="tx1"/>
+                </a:solidFill>
+                <a:latin typeface="+mn-lt"/>
+                <a:ea typeface="+mn-ea"/>
+                <a:cs typeface="+mn-cs"/>
+              </a:defRPr>
+            </a:lvl5pPr>
+            <a:lvl6pPr marL="2514600" indent="-228600" algn="l" defTabSz="457200" rtl="0" eaLnBrk="1" latinLnBrk="0" hangingPunct="1">
+              <a:spcBef>
+                <a:spcPct val="20000"/>
+              </a:spcBef>
+              <a:buFont typeface="Arial"/>
+              <a:buChar char="•"/>
+              <a:defRPr sz="2000" kern="1200">
+                <a:solidFill>
+                  <a:schemeClr val="tx1"/>
+                </a:solidFill>
+                <a:latin typeface="+mn-lt"/>
+                <a:ea typeface="+mn-ea"/>
+                <a:cs typeface="+mn-cs"/>
+              </a:defRPr>
+            </a:lvl6pPr>
+            <a:lvl7pPr marL="2971800" indent="-228600" algn="l" defTabSz="457200" rtl="0" eaLnBrk="1" latinLnBrk="0" hangingPunct="1">
+              <a:spcBef>
+                <a:spcPct val="20000"/>
+              </a:spcBef>
+              <a:buFont typeface="Arial"/>
+              <a:buChar char="•"/>
+              <a:defRPr sz="2000" kern="1200">
+                <a:solidFill>
+                  <a:schemeClr val="tx1"/>
+                </a:solidFill>
+                <a:latin typeface="+mn-lt"/>
+                <a:ea typeface="+mn-ea"/>
+                <a:cs typeface="+mn-cs"/>
+              </a:defRPr>
+            </a:lvl7pPr>
+            <a:lvl8pPr marL="3429000" indent="-228600" algn="l" defTabSz="457200" rtl="0" eaLnBrk="1" latinLnBrk="0" hangingPunct="1">
+              <a:spcBef>
+                <a:spcPct val="20000"/>
+              </a:spcBef>
+              <a:buFont typeface="Arial"/>
+              <a:buChar char="•"/>
+              <a:defRPr sz="2000" kern="1200">
+                <a:solidFill>
+                  <a:schemeClr val="tx1"/>
+                </a:solidFill>
+                <a:latin typeface="+mn-lt"/>
+                <a:ea typeface="+mn-ea"/>
+                <a:cs typeface="+mn-cs"/>
+              </a:defRPr>
+            </a:lvl8pPr>
+            <a:lvl9pPr marL="3886200" indent="-228600" algn="l" defTabSz="457200" rtl="0" eaLnBrk="1" latinLnBrk="0" hangingPunct="1">
+              <a:spcBef>
+                <a:spcPct val="20000"/>
+              </a:spcBef>
+              <a:buFont typeface="Arial"/>
+              <a:buChar char="•"/>
+              <a:defRPr sz="2000" kern="1200">
+                <a:solidFill>
+                  <a:schemeClr val="tx1"/>
+                </a:solidFill>
+                <a:latin typeface="+mn-lt"/>
+                <a:ea typeface="+mn-ea"/>
+                <a:cs typeface="+mn-cs"/>
+              </a:defRPr>
+            </a:lvl9pPr>
+          </a:lstStyle>
+          <a:p>
+            <a:pPr marL="0" indent="0" algn="ctr">
+              <a:buNone/>
+            </a:pPr>
+            <a:r>
+              <a:rPr lang="en-US" sz="1800" dirty="0">
+                <a:solidFill>
+                  <a:schemeClr val="bg1">
+                    <a:lumMod val="50000"/>
+                  </a:schemeClr>
+                </a:solidFill>
+                <a:latin typeface="Times New Roman" panose="02020603050405020304" pitchFamily="18" charset="0"/>
+                <a:cs typeface="Times New Roman" panose="02020603050405020304" pitchFamily="18" charset="0"/>
+              </a:rPr>
+              <a:t>Zahoor Ahmad </a:t>
+            </a:r>
+            <a:r>
+              <a:rPr lang="en-US" sz="1000" dirty="0">
+                <a:solidFill>
+                  <a:schemeClr val="bg1">
+                    <a:lumMod val="50000"/>
+                  </a:schemeClr>
+                </a:solidFill>
+                <a:latin typeface="Times New Roman" panose="02020603050405020304" pitchFamily="18" charset="0"/>
+                <a:cs typeface="Times New Roman" panose="02020603050405020304" pitchFamily="18" charset="0"/>
+              </a:rPr>
+              <a:t>(2021-AG-7754)</a:t>
+            </a:r>
+            <a:r>
+              <a:rPr lang="en-US" sz="1800" dirty="0">
+                <a:solidFill>
+                  <a:schemeClr val="bg1">
+                    <a:lumMod val="50000"/>
+                  </a:schemeClr>
+                </a:solidFill>
+                <a:latin typeface="Times New Roman" panose="02020603050405020304" pitchFamily="18" charset="0"/>
+                <a:cs typeface="Times New Roman" panose="02020603050405020304" pitchFamily="18" charset="0"/>
+              </a:rPr>
+              <a:t>  ⎯⎯ Muhammad Abdullah </a:t>
+            </a:r>
+            <a:r>
+              <a:rPr lang="en-US" sz="1000" dirty="0">
+                <a:solidFill>
+                  <a:schemeClr val="bg1">
+                    <a:lumMod val="50000"/>
+                  </a:schemeClr>
+                </a:solidFill>
+                <a:latin typeface="Times New Roman" panose="02020603050405020304" pitchFamily="18" charset="0"/>
+                <a:cs typeface="Times New Roman" panose="02020603050405020304" pitchFamily="18" charset="0"/>
+              </a:rPr>
+              <a:t>(2021-AG-7779)</a:t>
+            </a:r>
+          </a:p>
+        </p:txBody>
+      </p:sp>
     </p:spTree>
   </p:cSld>
   <p:clrMapOvr>
     <a:masterClrMapping/>
   </p:clrMapOvr>
+  <mc:AlternateContent xmlns:mc="http://schemas.openxmlformats.org/markup-compatibility/2006" xmlns:p159="http://schemas.microsoft.com/office/powerpoint/2015/09/main">
+    <mc:Choice Requires="p159">
+      <p:transition xmlns:p14="http://schemas.microsoft.com/office/powerpoint/2010/main" spd="slow" p14:dur="2000">
+        <p159:morph option="byObject"/>
+      </p:transition>
+    </mc:Choice>
+    <mc:Fallback xmlns="">
+      <p:transition spd="slow">
+        <p:fade/>
+      </p:transition>
+    </mc:Fallback>
+  </mc:AlternateContent>
+</p:sld>
+</file>
+
+<file path=ppt/slides/slide21.xml><?xml version="1.0" encoding="utf-8"?>
+<p:sld xmlns:a="http://schemas.openxmlformats.org/drawingml/2006/main" xmlns:r="http://schemas.openxmlformats.org/officeDocument/2006/relationships" xmlns:p="http://schemas.openxmlformats.org/presentationml/2006/main">
+  <p:cSld>
+    <p:spTree>
+      <p:nvGrpSpPr>
+        <p:cNvPr id="1" name=""/>
+        <p:cNvGrpSpPr/>
+        <p:nvPr/>
+      </p:nvGrpSpPr>
+      <p:grpSpPr>
+        <a:xfrm>
+          <a:off x="0" y="0"/>
+          <a:ext cx="0" cy="0"/>
+          <a:chOff x="0" y="0"/>
+          <a:chExt cx="0" cy="0"/>
+        </a:xfrm>
+      </p:grpSpPr>
+      <p:sp>
+        <p:nvSpPr>
+          <p:cNvPr id="2" name="Title 1"/>
+          <p:cNvSpPr>
+            <a:spLocks noGrp="1"/>
+          </p:cNvSpPr>
+          <p:nvPr>
+            <p:ph type="title"/>
+          </p:nvPr>
+        </p:nvSpPr>
+        <p:spPr/>
+        <p:txBody>
+          <a:bodyPr/>
+          <a:lstStyle/>
+          <a:p>
+            <a:r>
+              <a:t>Market Potential</a:t>
+            </a:r>
+          </a:p>
+        </p:txBody>
+      </p:sp>
+      <p:sp>
+        <p:nvSpPr>
+          <p:cNvPr id="3" name="Content Placeholder 2"/>
+          <p:cNvSpPr>
+            <a:spLocks noGrp="1"/>
+          </p:cNvSpPr>
+          <p:nvPr>
+            <p:ph idx="1"/>
+          </p:nvPr>
+        </p:nvSpPr>
+        <p:spPr/>
+        <p:txBody>
+          <a:bodyPr/>
+          <a:lstStyle/>
+          <a:p>
+            <a:pPr marL="0" indent="0">
+              <a:buNone/>
+            </a:pPr>
+            <a:r>
+              <a:rPr dirty="0"/>
+              <a:t>- Growing trend in virtual interior design tools.</a:t>
+            </a:r>
+          </a:p>
+          <a:p>
+            <a:pPr marL="0" indent="0">
+              <a:buNone/>
+            </a:pPr>
+            <a:r>
+              <a:rPr dirty="0"/>
+              <a:t>- Applicable for interior designers, homeowners.</a:t>
+            </a:r>
+          </a:p>
+          <a:p>
+            <a:pPr marL="0" indent="0">
+              <a:buNone/>
+            </a:pPr>
+            <a:r>
+              <a:rPr dirty="0"/>
+              <a:t>- Estimated global market value: $150 billion.</a:t>
+            </a:r>
+          </a:p>
+          <a:p>
+            <a:pPr marL="0" indent="0">
+              <a:buNone/>
+            </a:pPr>
+            <a:r>
+              <a:rPr dirty="0"/>
+              <a:t>- AI in design expected to grow by 25% in 5 years.</a:t>
+            </a:r>
+          </a:p>
+          <a:p>
+            <a:pPr marL="0" indent="0">
+              <a:buNone/>
+            </a:pPr>
+            <a:r>
+              <a:rPr dirty="0"/>
+              <a:t>- Optional: Further growth with 3D design tools.</a:t>
+            </a:r>
+          </a:p>
+        </p:txBody>
+      </p:sp>
+      <p:sp>
+        <p:nvSpPr>
+          <p:cNvPr id="5" name="Subtitle 2">
+            <a:extLst>
+              <a:ext uri="{FF2B5EF4-FFF2-40B4-BE49-F238E27FC236}">
+                <a16:creationId xmlns:a16="http://schemas.microsoft.com/office/drawing/2014/main" id="{D9C8BEF4-35C9-40BB-97C6-1C55C55ED79A}"/>
+              </a:ext>
+            </a:extLst>
+          </p:cNvPr>
+          <p:cNvSpPr txBox="1">
+            <a:spLocks/>
+          </p:cNvSpPr>
+          <p:nvPr/>
+        </p:nvSpPr>
+        <p:spPr>
+          <a:xfrm>
+            <a:off x="2973262" y="6508122"/>
+            <a:ext cx="6245476" cy="338098"/>
+          </a:xfrm>
+          <a:prstGeom prst="rect">
+            <a:avLst/>
+          </a:prstGeom>
+        </p:spPr>
+        <p:txBody>
+          <a:bodyPr vert="horz" lIns="91440" tIns="45720" rIns="91440" bIns="45720" rtlCol="0">
+            <a:normAutofit fontScale="92500" lnSpcReduction="10000"/>
+          </a:bodyPr>
+          <a:lstStyle>
+            <a:lvl1pPr marL="342900" indent="-342900" algn="l" defTabSz="457200" rtl="0" eaLnBrk="1" latinLnBrk="0" hangingPunct="1">
+              <a:spcBef>
+                <a:spcPct val="20000"/>
+              </a:spcBef>
+              <a:buFont typeface="Arial"/>
+              <a:buChar char="•"/>
+              <a:defRPr sz="3200" kern="1200">
+                <a:solidFill>
+                  <a:schemeClr val="tx1"/>
+                </a:solidFill>
+                <a:latin typeface="+mn-lt"/>
+                <a:ea typeface="+mn-ea"/>
+                <a:cs typeface="+mn-cs"/>
+              </a:defRPr>
+            </a:lvl1pPr>
+            <a:lvl2pPr marL="742950" indent="-285750" algn="l" defTabSz="457200" rtl="0" eaLnBrk="1" latinLnBrk="0" hangingPunct="1">
+              <a:spcBef>
+                <a:spcPct val="20000"/>
+              </a:spcBef>
+              <a:buFont typeface="Arial"/>
+              <a:buChar char="–"/>
+              <a:defRPr sz="2800" kern="1200">
+                <a:solidFill>
+                  <a:schemeClr val="tx1"/>
+                </a:solidFill>
+                <a:latin typeface="+mn-lt"/>
+                <a:ea typeface="+mn-ea"/>
+                <a:cs typeface="+mn-cs"/>
+              </a:defRPr>
+            </a:lvl2pPr>
+            <a:lvl3pPr marL="1143000" indent="-228600" algn="l" defTabSz="457200" rtl="0" eaLnBrk="1" latinLnBrk="0" hangingPunct="1">
+              <a:spcBef>
+                <a:spcPct val="20000"/>
+              </a:spcBef>
+              <a:buFont typeface="Arial"/>
+              <a:buChar char="•"/>
+              <a:defRPr sz="2400" kern="1200">
+                <a:solidFill>
+                  <a:schemeClr val="tx1"/>
+                </a:solidFill>
+                <a:latin typeface="+mn-lt"/>
+                <a:ea typeface="+mn-ea"/>
+                <a:cs typeface="+mn-cs"/>
+              </a:defRPr>
+            </a:lvl3pPr>
+            <a:lvl4pPr marL="1600200" indent="-228600" algn="l" defTabSz="457200" rtl="0" eaLnBrk="1" latinLnBrk="0" hangingPunct="1">
+              <a:spcBef>
+                <a:spcPct val="20000"/>
+              </a:spcBef>
+              <a:buFont typeface="Arial"/>
+              <a:buChar char="–"/>
+              <a:defRPr sz="2000" kern="1200">
+                <a:solidFill>
+                  <a:schemeClr val="tx1"/>
+                </a:solidFill>
+                <a:latin typeface="+mn-lt"/>
+                <a:ea typeface="+mn-ea"/>
+                <a:cs typeface="+mn-cs"/>
+              </a:defRPr>
+            </a:lvl4pPr>
+            <a:lvl5pPr marL="2057400" indent="-228600" algn="l" defTabSz="457200" rtl="0" eaLnBrk="1" latinLnBrk="0" hangingPunct="1">
+              <a:spcBef>
+                <a:spcPct val="20000"/>
+              </a:spcBef>
+              <a:buFont typeface="Arial"/>
+              <a:buChar char="»"/>
+              <a:defRPr sz="2000" kern="1200">
+                <a:solidFill>
+                  <a:schemeClr val="tx1"/>
+                </a:solidFill>
+                <a:latin typeface="+mn-lt"/>
+                <a:ea typeface="+mn-ea"/>
+                <a:cs typeface="+mn-cs"/>
+              </a:defRPr>
+            </a:lvl5pPr>
+            <a:lvl6pPr marL="2514600" indent="-228600" algn="l" defTabSz="457200" rtl="0" eaLnBrk="1" latinLnBrk="0" hangingPunct="1">
+              <a:spcBef>
+                <a:spcPct val="20000"/>
+              </a:spcBef>
+              <a:buFont typeface="Arial"/>
+              <a:buChar char="•"/>
+              <a:defRPr sz="2000" kern="1200">
+                <a:solidFill>
+                  <a:schemeClr val="tx1"/>
+                </a:solidFill>
+                <a:latin typeface="+mn-lt"/>
+                <a:ea typeface="+mn-ea"/>
+                <a:cs typeface="+mn-cs"/>
+              </a:defRPr>
+            </a:lvl6pPr>
+            <a:lvl7pPr marL="2971800" indent="-228600" algn="l" defTabSz="457200" rtl="0" eaLnBrk="1" latinLnBrk="0" hangingPunct="1">
+              <a:spcBef>
+                <a:spcPct val="20000"/>
+              </a:spcBef>
+              <a:buFont typeface="Arial"/>
+              <a:buChar char="•"/>
+              <a:defRPr sz="2000" kern="1200">
+                <a:solidFill>
+                  <a:schemeClr val="tx1"/>
+                </a:solidFill>
+                <a:latin typeface="+mn-lt"/>
+                <a:ea typeface="+mn-ea"/>
+                <a:cs typeface="+mn-cs"/>
+              </a:defRPr>
+            </a:lvl7pPr>
+            <a:lvl8pPr marL="3429000" indent="-228600" algn="l" defTabSz="457200" rtl="0" eaLnBrk="1" latinLnBrk="0" hangingPunct="1">
+              <a:spcBef>
+                <a:spcPct val="20000"/>
+              </a:spcBef>
+              <a:buFont typeface="Arial"/>
+              <a:buChar char="•"/>
+              <a:defRPr sz="2000" kern="1200">
+                <a:solidFill>
+                  <a:schemeClr val="tx1"/>
+                </a:solidFill>
+                <a:latin typeface="+mn-lt"/>
+                <a:ea typeface="+mn-ea"/>
+                <a:cs typeface="+mn-cs"/>
+              </a:defRPr>
+            </a:lvl8pPr>
+            <a:lvl9pPr marL="3886200" indent="-228600" algn="l" defTabSz="457200" rtl="0" eaLnBrk="1" latinLnBrk="0" hangingPunct="1">
+              <a:spcBef>
+                <a:spcPct val="20000"/>
+              </a:spcBef>
+              <a:buFont typeface="Arial"/>
+              <a:buChar char="•"/>
+              <a:defRPr sz="2000" kern="1200">
+                <a:solidFill>
+                  <a:schemeClr val="tx1"/>
+                </a:solidFill>
+                <a:latin typeface="+mn-lt"/>
+                <a:ea typeface="+mn-ea"/>
+                <a:cs typeface="+mn-cs"/>
+              </a:defRPr>
+            </a:lvl9pPr>
+          </a:lstStyle>
+          <a:p>
+            <a:pPr marL="0" indent="0" algn="ctr">
+              <a:buNone/>
+            </a:pPr>
+            <a:r>
+              <a:rPr lang="en-US" sz="1800" dirty="0">
+                <a:solidFill>
+                  <a:schemeClr val="bg1">
+                    <a:lumMod val="50000"/>
+                  </a:schemeClr>
+                </a:solidFill>
+                <a:latin typeface="Times New Roman" panose="02020603050405020304" pitchFamily="18" charset="0"/>
+                <a:cs typeface="Times New Roman" panose="02020603050405020304" pitchFamily="18" charset="0"/>
+              </a:rPr>
+              <a:t>Zahoor Ahmad </a:t>
+            </a:r>
+            <a:r>
+              <a:rPr lang="en-US" sz="1000" dirty="0">
+                <a:solidFill>
+                  <a:schemeClr val="bg1">
+                    <a:lumMod val="50000"/>
+                  </a:schemeClr>
+                </a:solidFill>
+                <a:latin typeface="Times New Roman" panose="02020603050405020304" pitchFamily="18" charset="0"/>
+                <a:cs typeface="Times New Roman" panose="02020603050405020304" pitchFamily="18" charset="0"/>
+              </a:rPr>
+              <a:t>(2021-AG-7754)</a:t>
+            </a:r>
+            <a:r>
+              <a:rPr lang="en-US" sz="1800" dirty="0">
+                <a:solidFill>
+                  <a:schemeClr val="bg1">
+                    <a:lumMod val="50000"/>
+                  </a:schemeClr>
+                </a:solidFill>
+                <a:latin typeface="Times New Roman" panose="02020603050405020304" pitchFamily="18" charset="0"/>
+                <a:cs typeface="Times New Roman" panose="02020603050405020304" pitchFamily="18" charset="0"/>
+              </a:rPr>
+              <a:t>  ⎯⎯ Muhammad Abdullah </a:t>
+            </a:r>
+            <a:r>
+              <a:rPr lang="en-US" sz="1000" dirty="0">
+                <a:solidFill>
+                  <a:schemeClr val="bg1">
+                    <a:lumMod val="50000"/>
+                  </a:schemeClr>
+                </a:solidFill>
+                <a:latin typeface="Times New Roman" panose="02020603050405020304" pitchFamily="18" charset="0"/>
+                <a:cs typeface="Times New Roman" panose="02020603050405020304" pitchFamily="18" charset="0"/>
+              </a:rPr>
+              <a:t>(2021-AG-7779)</a:t>
+            </a:r>
+          </a:p>
+        </p:txBody>
+      </p:sp>
+    </p:spTree>
+  </p:cSld>
+  <p:clrMapOvr>
+    <a:masterClrMapping/>
+  </p:clrMapOvr>
+  <mc:AlternateContent xmlns:mc="http://schemas.openxmlformats.org/markup-compatibility/2006" xmlns:p159="http://schemas.microsoft.com/office/powerpoint/2015/09/main">
+    <mc:Choice Requires="p159">
+      <p:transition xmlns:p14="http://schemas.microsoft.com/office/powerpoint/2010/main" spd="slow" p14:dur="2000">
+        <p159:morph option="byObject"/>
+      </p:transition>
+    </mc:Choice>
+    <mc:Fallback xmlns="">
+      <p:transition spd="slow">
+        <p:fade/>
+      </p:transition>
+    </mc:Fallback>
+  </mc:AlternateContent>
+</p:sld>
+</file>
+
+<file path=ppt/slides/slide22.xml><?xml version="1.0" encoding="utf-8"?>
+<p:sld xmlns:a="http://schemas.openxmlformats.org/drawingml/2006/main" xmlns:r="http://schemas.openxmlformats.org/officeDocument/2006/relationships" xmlns:p="http://schemas.openxmlformats.org/presentationml/2006/main">
+  <p:cSld>
+    <p:spTree>
+      <p:nvGrpSpPr>
+        <p:cNvPr id="1" name=""/>
+        <p:cNvGrpSpPr/>
+        <p:nvPr/>
+      </p:nvGrpSpPr>
+      <p:grpSpPr>
+        <a:xfrm>
+          <a:off x="0" y="0"/>
+          <a:ext cx="0" cy="0"/>
+          <a:chOff x="0" y="0"/>
+          <a:chExt cx="0" cy="0"/>
+        </a:xfrm>
+      </p:grpSpPr>
+      <p:sp>
+        <p:nvSpPr>
+          <p:cNvPr id="2" name="Title 1"/>
+          <p:cNvSpPr>
+            <a:spLocks noGrp="1"/>
+          </p:cNvSpPr>
+          <p:nvPr>
+            <p:ph type="title"/>
+          </p:nvPr>
+        </p:nvSpPr>
+        <p:spPr/>
+        <p:txBody>
+          <a:bodyPr/>
+          <a:lstStyle/>
+          <a:p>
+            <a:r>
+              <a:t>Conclusion &amp; Next Steps</a:t>
+            </a:r>
+          </a:p>
+        </p:txBody>
+      </p:sp>
+      <p:sp>
+        <p:nvSpPr>
+          <p:cNvPr id="3" name="Content Placeholder 2"/>
+          <p:cNvSpPr>
+            <a:spLocks noGrp="1"/>
+          </p:cNvSpPr>
+          <p:nvPr>
+            <p:ph idx="1"/>
+          </p:nvPr>
+        </p:nvSpPr>
+        <p:spPr/>
+        <p:txBody>
+          <a:bodyPr/>
+          <a:lstStyle/>
+          <a:p>
+            <a:pPr marL="0" indent="0">
+              <a:buNone/>
+            </a:pPr>
+            <a:r>
+              <a:rPr dirty="0"/>
+              <a:t>- Plan for development and testing phases.</a:t>
+            </a:r>
+          </a:p>
+          <a:p>
+            <a:pPr marL="0" indent="0">
+              <a:buNone/>
+            </a:pPr>
+            <a:r>
+              <a:rPr dirty="0"/>
+              <a:t>- LangChain integration for AI-driven interaction.</a:t>
+            </a:r>
+          </a:p>
+          <a:p>
+            <a:pPr marL="0" indent="0">
+              <a:buNone/>
+            </a:pPr>
+            <a:r>
+              <a:rPr dirty="0"/>
+              <a:t>- Optional: 3D visualization based on data.</a:t>
+            </a:r>
+          </a:p>
+          <a:p>
+            <a:pPr marL="0" indent="0">
+              <a:buNone/>
+            </a:pPr>
+            <a:r>
+              <a:rPr dirty="0"/>
+              <a:t>- Monetization through SaaS/freemium models.</a:t>
+            </a:r>
+          </a:p>
+          <a:p>
+            <a:pPr marL="0" indent="0">
+              <a:buNone/>
+            </a:pPr>
+            <a:r>
+              <a:rPr dirty="0"/>
+              <a:t>- Seeking approval for moving forward.</a:t>
+            </a:r>
+          </a:p>
+        </p:txBody>
+      </p:sp>
+      <p:sp>
+        <p:nvSpPr>
+          <p:cNvPr id="5" name="Subtitle 2">
+            <a:extLst>
+              <a:ext uri="{FF2B5EF4-FFF2-40B4-BE49-F238E27FC236}">
+                <a16:creationId xmlns:a16="http://schemas.microsoft.com/office/drawing/2014/main" id="{502981B2-6538-44DC-9ED8-BEE2E846AB64}"/>
+              </a:ext>
+            </a:extLst>
+          </p:cNvPr>
+          <p:cNvSpPr txBox="1">
+            <a:spLocks/>
+          </p:cNvSpPr>
+          <p:nvPr/>
+        </p:nvSpPr>
+        <p:spPr>
+          <a:xfrm>
+            <a:off x="2973262" y="6508122"/>
+            <a:ext cx="6245476" cy="338098"/>
+          </a:xfrm>
+          <a:prstGeom prst="rect">
+            <a:avLst/>
+          </a:prstGeom>
+        </p:spPr>
+        <p:txBody>
+          <a:bodyPr vert="horz" lIns="91440" tIns="45720" rIns="91440" bIns="45720" rtlCol="0">
+            <a:normAutofit fontScale="92500" lnSpcReduction="10000"/>
+          </a:bodyPr>
+          <a:lstStyle>
+            <a:lvl1pPr marL="342900" indent="-342900" algn="l" defTabSz="457200" rtl="0" eaLnBrk="1" latinLnBrk="0" hangingPunct="1">
+              <a:spcBef>
+                <a:spcPct val="20000"/>
+              </a:spcBef>
+              <a:buFont typeface="Arial"/>
+              <a:buChar char="•"/>
+              <a:defRPr sz="3200" kern="1200">
+                <a:solidFill>
+                  <a:schemeClr val="tx1"/>
+                </a:solidFill>
+                <a:latin typeface="+mn-lt"/>
+                <a:ea typeface="+mn-ea"/>
+                <a:cs typeface="+mn-cs"/>
+              </a:defRPr>
+            </a:lvl1pPr>
+            <a:lvl2pPr marL="742950" indent="-285750" algn="l" defTabSz="457200" rtl="0" eaLnBrk="1" latinLnBrk="0" hangingPunct="1">
+              <a:spcBef>
+                <a:spcPct val="20000"/>
+              </a:spcBef>
+              <a:buFont typeface="Arial"/>
+              <a:buChar char="–"/>
+              <a:defRPr sz="2800" kern="1200">
+                <a:solidFill>
+                  <a:schemeClr val="tx1"/>
+                </a:solidFill>
+                <a:latin typeface="+mn-lt"/>
+                <a:ea typeface="+mn-ea"/>
+                <a:cs typeface="+mn-cs"/>
+              </a:defRPr>
+            </a:lvl2pPr>
+            <a:lvl3pPr marL="1143000" indent="-228600" algn="l" defTabSz="457200" rtl="0" eaLnBrk="1" latinLnBrk="0" hangingPunct="1">
+              <a:spcBef>
+                <a:spcPct val="20000"/>
+              </a:spcBef>
+              <a:buFont typeface="Arial"/>
+              <a:buChar char="•"/>
+              <a:defRPr sz="2400" kern="1200">
+                <a:solidFill>
+                  <a:schemeClr val="tx1"/>
+                </a:solidFill>
+                <a:latin typeface="+mn-lt"/>
+                <a:ea typeface="+mn-ea"/>
+                <a:cs typeface="+mn-cs"/>
+              </a:defRPr>
+            </a:lvl3pPr>
+            <a:lvl4pPr marL="1600200" indent="-228600" algn="l" defTabSz="457200" rtl="0" eaLnBrk="1" latinLnBrk="0" hangingPunct="1">
+              <a:spcBef>
+                <a:spcPct val="20000"/>
+              </a:spcBef>
+              <a:buFont typeface="Arial"/>
+              <a:buChar char="–"/>
+              <a:defRPr sz="2000" kern="1200">
+                <a:solidFill>
+                  <a:schemeClr val="tx1"/>
+                </a:solidFill>
+                <a:latin typeface="+mn-lt"/>
+                <a:ea typeface="+mn-ea"/>
+                <a:cs typeface="+mn-cs"/>
+              </a:defRPr>
+            </a:lvl4pPr>
+            <a:lvl5pPr marL="2057400" indent="-228600" algn="l" defTabSz="457200" rtl="0" eaLnBrk="1" latinLnBrk="0" hangingPunct="1">
+              <a:spcBef>
+                <a:spcPct val="20000"/>
+              </a:spcBef>
+              <a:buFont typeface="Arial"/>
+              <a:buChar char="»"/>
+              <a:defRPr sz="2000" kern="1200">
+                <a:solidFill>
+                  <a:schemeClr val="tx1"/>
+                </a:solidFill>
+                <a:latin typeface="+mn-lt"/>
+                <a:ea typeface="+mn-ea"/>
+                <a:cs typeface="+mn-cs"/>
+              </a:defRPr>
+            </a:lvl5pPr>
+            <a:lvl6pPr marL="2514600" indent="-228600" algn="l" defTabSz="457200" rtl="0" eaLnBrk="1" latinLnBrk="0" hangingPunct="1">
+              <a:spcBef>
+                <a:spcPct val="20000"/>
+              </a:spcBef>
+              <a:buFont typeface="Arial"/>
+              <a:buChar char="•"/>
+              <a:defRPr sz="2000" kern="1200">
+                <a:solidFill>
+                  <a:schemeClr val="tx1"/>
+                </a:solidFill>
+                <a:latin typeface="+mn-lt"/>
+                <a:ea typeface="+mn-ea"/>
+                <a:cs typeface="+mn-cs"/>
+              </a:defRPr>
+            </a:lvl6pPr>
+            <a:lvl7pPr marL="2971800" indent="-228600" algn="l" defTabSz="457200" rtl="0" eaLnBrk="1" latinLnBrk="0" hangingPunct="1">
+              <a:spcBef>
+                <a:spcPct val="20000"/>
+              </a:spcBef>
+              <a:buFont typeface="Arial"/>
+              <a:buChar char="•"/>
+              <a:defRPr sz="2000" kern="1200">
+                <a:solidFill>
+                  <a:schemeClr val="tx1"/>
+                </a:solidFill>
+                <a:latin typeface="+mn-lt"/>
+                <a:ea typeface="+mn-ea"/>
+                <a:cs typeface="+mn-cs"/>
+              </a:defRPr>
+            </a:lvl7pPr>
+            <a:lvl8pPr marL="3429000" indent="-228600" algn="l" defTabSz="457200" rtl="0" eaLnBrk="1" latinLnBrk="0" hangingPunct="1">
+              <a:spcBef>
+                <a:spcPct val="20000"/>
+              </a:spcBef>
+              <a:buFont typeface="Arial"/>
+              <a:buChar char="•"/>
+              <a:defRPr sz="2000" kern="1200">
+                <a:solidFill>
+                  <a:schemeClr val="tx1"/>
+                </a:solidFill>
+                <a:latin typeface="+mn-lt"/>
+                <a:ea typeface="+mn-ea"/>
+                <a:cs typeface="+mn-cs"/>
+              </a:defRPr>
+            </a:lvl8pPr>
+            <a:lvl9pPr marL="3886200" indent="-228600" algn="l" defTabSz="457200" rtl="0" eaLnBrk="1" latinLnBrk="0" hangingPunct="1">
+              <a:spcBef>
+                <a:spcPct val="20000"/>
+              </a:spcBef>
+              <a:buFont typeface="Arial"/>
+              <a:buChar char="•"/>
+              <a:defRPr sz="2000" kern="1200">
+                <a:solidFill>
+                  <a:schemeClr val="tx1"/>
+                </a:solidFill>
+                <a:latin typeface="+mn-lt"/>
+                <a:ea typeface="+mn-ea"/>
+                <a:cs typeface="+mn-cs"/>
+              </a:defRPr>
+            </a:lvl9pPr>
+          </a:lstStyle>
+          <a:p>
+            <a:pPr marL="0" indent="0" algn="ctr">
+              <a:buNone/>
+            </a:pPr>
+            <a:r>
+              <a:rPr lang="en-US" sz="1800" dirty="0">
+                <a:solidFill>
+                  <a:schemeClr val="bg1">
+                    <a:lumMod val="50000"/>
+                  </a:schemeClr>
+                </a:solidFill>
+                <a:latin typeface="Times New Roman" panose="02020603050405020304" pitchFamily="18" charset="0"/>
+                <a:cs typeface="Times New Roman" panose="02020603050405020304" pitchFamily="18" charset="0"/>
+              </a:rPr>
+              <a:t>Zahoor Ahmad </a:t>
+            </a:r>
+            <a:r>
+              <a:rPr lang="en-US" sz="1000" dirty="0">
+                <a:solidFill>
+                  <a:schemeClr val="bg1">
+                    <a:lumMod val="50000"/>
+                  </a:schemeClr>
+                </a:solidFill>
+                <a:latin typeface="Times New Roman" panose="02020603050405020304" pitchFamily="18" charset="0"/>
+                <a:cs typeface="Times New Roman" panose="02020603050405020304" pitchFamily="18" charset="0"/>
+              </a:rPr>
+              <a:t>(2021-AG-7754)</a:t>
+            </a:r>
+            <a:r>
+              <a:rPr lang="en-US" sz="1800" dirty="0">
+                <a:solidFill>
+                  <a:schemeClr val="bg1">
+                    <a:lumMod val="50000"/>
+                  </a:schemeClr>
+                </a:solidFill>
+                <a:latin typeface="Times New Roman" panose="02020603050405020304" pitchFamily="18" charset="0"/>
+                <a:cs typeface="Times New Roman" panose="02020603050405020304" pitchFamily="18" charset="0"/>
+              </a:rPr>
+              <a:t>  ⎯⎯ Muhammad Abdullah </a:t>
+            </a:r>
+            <a:r>
+              <a:rPr lang="en-US" sz="1000" dirty="0">
+                <a:solidFill>
+                  <a:schemeClr val="bg1">
+                    <a:lumMod val="50000"/>
+                  </a:schemeClr>
+                </a:solidFill>
+                <a:latin typeface="Times New Roman" panose="02020603050405020304" pitchFamily="18" charset="0"/>
+                <a:cs typeface="Times New Roman" panose="02020603050405020304" pitchFamily="18" charset="0"/>
+              </a:rPr>
+              <a:t>(2021-AG-7779)</a:t>
+            </a:r>
+          </a:p>
+        </p:txBody>
+      </p:sp>
+    </p:spTree>
+  </p:cSld>
+  <p:clrMapOvr>
+    <a:masterClrMapping/>
+  </p:clrMapOvr>
+  <mc:AlternateContent xmlns:mc="http://schemas.openxmlformats.org/markup-compatibility/2006" xmlns:p159="http://schemas.microsoft.com/office/powerpoint/2015/09/main">
+    <mc:Choice Requires="p159">
+      <p:transition xmlns:p14="http://schemas.microsoft.com/office/powerpoint/2010/main" spd="slow" p14:dur="2000">
+        <p159:morph option="byObject"/>
+      </p:transition>
+    </mc:Choice>
+    <mc:Fallback xmlns="">
+      <p:transition spd="slow">
+        <p:fade/>
+      </p:transition>
+    </mc:Fallback>
+  </mc:AlternateContent>
+</p:sld>
+</file>
+
+<file path=ppt/slides/slide23.xml><?xml version="1.0" encoding="utf-8"?>
+<p:sld xmlns:a="http://schemas.openxmlformats.org/drawingml/2006/main" xmlns:r="http://schemas.openxmlformats.org/officeDocument/2006/relationships" xmlns:p="http://schemas.openxmlformats.org/presentationml/2006/main">
+  <p:cSld>
+    <p:spTree>
+      <p:nvGrpSpPr>
+        <p:cNvPr id="1" name=""/>
+        <p:cNvGrpSpPr/>
+        <p:nvPr/>
+      </p:nvGrpSpPr>
+      <p:grpSpPr>
+        <a:xfrm>
+          <a:off x="0" y="0"/>
+          <a:ext cx="0" cy="0"/>
+          <a:chOff x="0" y="0"/>
+          <a:chExt cx="0" cy="0"/>
+        </a:xfrm>
+      </p:grpSpPr>
+      <p:sp>
+        <p:nvSpPr>
+          <p:cNvPr id="2" name="Title 1"/>
+          <p:cNvSpPr>
+            <a:spLocks noGrp="1"/>
+          </p:cNvSpPr>
+          <p:nvPr>
+            <p:ph type="title"/>
+          </p:nvPr>
+        </p:nvSpPr>
+        <p:spPr>
+          <a:xfrm>
+            <a:off x="609600" y="2506850"/>
+            <a:ext cx="10972800" cy="1143000"/>
+          </a:xfrm>
+        </p:spPr>
+        <p:txBody>
+          <a:bodyPr/>
+          <a:lstStyle/>
+          <a:p>
+            <a:r>
+              <a:rPr dirty="0">
+                <a:latin typeface="Times New Roman" panose="02020603050405020304" pitchFamily="18" charset="0"/>
+                <a:cs typeface="Times New Roman" panose="02020603050405020304" pitchFamily="18" charset="0"/>
+              </a:rPr>
+              <a:t>Q&amp;A</a:t>
+            </a:r>
+          </a:p>
+        </p:txBody>
+      </p:sp>
+      <p:sp>
+        <p:nvSpPr>
+          <p:cNvPr id="7" name="Subtitle 2">
+            <a:extLst>
+              <a:ext uri="{FF2B5EF4-FFF2-40B4-BE49-F238E27FC236}">
+                <a16:creationId xmlns:a16="http://schemas.microsoft.com/office/drawing/2014/main" id="{B0FB03E4-F8A7-420B-ADA6-C345B1A823EA}"/>
+              </a:ext>
+            </a:extLst>
+          </p:cNvPr>
+          <p:cNvSpPr txBox="1">
+            <a:spLocks/>
+          </p:cNvSpPr>
+          <p:nvPr/>
+        </p:nvSpPr>
+        <p:spPr>
+          <a:xfrm>
+            <a:off x="2973262" y="6508122"/>
+            <a:ext cx="6245476" cy="338098"/>
+          </a:xfrm>
+          <a:prstGeom prst="rect">
+            <a:avLst/>
+          </a:prstGeom>
+        </p:spPr>
+        <p:txBody>
+          <a:bodyPr vert="horz" lIns="91440" tIns="45720" rIns="91440" bIns="45720" rtlCol="0">
+            <a:normAutofit fontScale="92500" lnSpcReduction="10000"/>
+          </a:bodyPr>
+          <a:lstStyle>
+            <a:lvl1pPr marL="342900" indent="-342900" algn="l" defTabSz="457200" rtl="0" eaLnBrk="1" latinLnBrk="0" hangingPunct="1">
+              <a:spcBef>
+                <a:spcPct val="20000"/>
+              </a:spcBef>
+              <a:buFont typeface="Arial"/>
+              <a:buChar char="•"/>
+              <a:defRPr sz="3200" kern="1200">
+                <a:solidFill>
+                  <a:schemeClr val="tx1"/>
+                </a:solidFill>
+                <a:latin typeface="+mn-lt"/>
+                <a:ea typeface="+mn-ea"/>
+                <a:cs typeface="+mn-cs"/>
+              </a:defRPr>
+            </a:lvl1pPr>
+            <a:lvl2pPr marL="742950" indent="-285750" algn="l" defTabSz="457200" rtl="0" eaLnBrk="1" latinLnBrk="0" hangingPunct="1">
+              <a:spcBef>
+                <a:spcPct val="20000"/>
+              </a:spcBef>
+              <a:buFont typeface="Arial"/>
+              <a:buChar char="–"/>
+              <a:defRPr sz="2800" kern="1200">
+                <a:solidFill>
+                  <a:schemeClr val="tx1"/>
+                </a:solidFill>
+                <a:latin typeface="+mn-lt"/>
+                <a:ea typeface="+mn-ea"/>
+                <a:cs typeface="+mn-cs"/>
+              </a:defRPr>
+            </a:lvl2pPr>
+            <a:lvl3pPr marL="1143000" indent="-228600" algn="l" defTabSz="457200" rtl="0" eaLnBrk="1" latinLnBrk="0" hangingPunct="1">
+              <a:spcBef>
+                <a:spcPct val="20000"/>
+              </a:spcBef>
+              <a:buFont typeface="Arial"/>
+              <a:buChar char="•"/>
+              <a:defRPr sz="2400" kern="1200">
+                <a:solidFill>
+                  <a:schemeClr val="tx1"/>
+                </a:solidFill>
+                <a:latin typeface="+mn-lt"/>
+                <a:ea typeface="+mn-ea"/>
+                <a:cs typeface="+mn-cs"/>
+              </a:defRPr>
+            </a:lvl3pPr>
+            <a:lvl4pPr marL="1600200" indent="-228600" algn="l" defTabSz="457200" rtl="0" eaLnBrk="1" latinLnBrk="0" hangingPunct="1">
+              <a:spcBef>
+                <a:spcPct val="20000"/>
+              </a:spcBef>
+              <a:buFont typeface="Arial"/>
+              <a:buChar char="–"/>
+              <a:defRPr sz="2000" kern="1200">
+                <a:solidFill>
+                  <a:schemeClr val="tx1"/>
+                </a:solidFill>
+                <a:latin typeface="+mn-lt"/>
+                <a:ea typeface="+mn-ea"/>
+                <a:cs typeface="+mn-cs"/>
+              </a:defRPr>
+            </a:lvl4pPr>
+            <a:lvl5pPr marL="2057400" indent="-228600" algn="l" defTabSz="457200" rtl="0" eaLnBrk="1" latinLnBrk="0" hangingPunct="1">
+              <a:spcBef>
+                <a:spcPct val="20000"/>
+              </a:spcBef>
+              <a:buFont typeface="Arial"/>
+              <a:buChar char="»"/>
+              <a:defRPr sz="2000" kern="1200">
+                <a:solidFill>
+                  <a:schemeClr val="tx1"/>
+                </a:solidFill>
+                <a:latin typeface="+mn-lt"/>
+                <a:ea typeface="+mn-ea"/>
+                <a:cs typeface="+mn-cs"/>
+              </a:defRPr>
+            </a:lvl5pPr>
+            <a:lvl6pPr marL="2514600" indent="-228600" algn="l" defTabSz="457200" rtl="0" eaLnBrk="1" latinLnBrk="0" hangingPunct="1">
+              <a:spcBef>
+                <a:spcPct val="20000"/>
+              </a:spcBef>
+              <a:buFont typeface="Arial"/>
+              <a:buChar char="•"/>
+              <a:defRPr sz="2000" kern="1200">
+                <a:solidFill>
+                  <a:schemeClr val="tx1"/>
+                </a:solidFill>
+                <a:latin typeface="+mn-lt"/>
+                <a:ea typeface="+mn-ea"/>
+                <a:cs typeface="+mn-cs"/>
+              </a:defRPr>
+            </a:lvl6pPr>
+            <a:lvl7pPr marL="2971800" indent="-228600" algn="l" defTabSz="457200" rtl="0" eaLnBrk="1" latinLnBrk="0" hangingPunct="1">
+              <a:spcBef>
+                <a:spcPct val="20000"/>
+              </a:spcBef>
+              <a:buFont typeface="Arial"/>
+              <a:buChar char="•"/>
+              <a:defRPr sz="2000" kern="1200">
+                <a:solidFill>
+                  <a:schemeClr val="tx1"/>
+                </a:solidFill>
+                <a:latin typeface="+mn-lt"/>
+                <a:ea typeface="+mn-ea"/>
+                <a:cs typeface="+mn-cs"/>
+              </a:defRPr>
+            </a:lvl7pPr>
+            <a:lvl8pPr marL="3429000" indent="-228600" algn="l" defTabSz="457200" rtl="0" eaLnBrk="1" latinLnBrk="0" hangingPunct="1">
+              <a:spcBef>
+                <a:spcPct val="20000"/>
+              </a:spcBef>
+              <a:buFont typeface="Arial"/>
+              <a:buChar char="•"/>
+              <a:defRPr sz="2000" kern="1200">
+                <a:solidFill>
+                  <a:schemeClr val="tx1"/>
+                </a:solidFill>
+                <a:latin typeface="+mn-lt"/>
+                <a:ea typeface="+mn-ea"/>
+                <a:cs typeface="+mn-cs"/>
+              </a:defRPr>
+            </a:lvl8pPr>
+            <a:lvl9pPr marL="3886200" indent="-228600" algn="l" defTabSz="457200" rtl="0" eaLnBrk="1" latinLnBrk="0" hangingPunct="1">
+              <a:spcBef>
+                <a:spcPct val="20000"/>
+              </a:spcBef>
+              <a:buFont typeface="Arial"/>
+              <a:buChar char="•"/>
+              <a:defRPr sz="2000" kern="1200">
+                <a:solidFill>
+                  <a:schemeClr val="tx1"/>
+                </a:solidFill>
+                <a:latin typeface="+mn-lt"/>
+                <a:ea typeface="+mn-ea"/>
+                <a:cs typeface="+mn-cs"/>
+              </a:defRPr>
+            </a:lvl9pPr>
+          </a:lstStyle>
+          <a:p>
+            <a:pPr marL="0" indent="0" algn="ctr">
+              <a:buNone/>
+            </a:pPr>
+            <a:r>
+              <a:rPr lang="en-US" sz="1800" dirty="0">
+                <a:solidFill>
+                  <a:schemeClr val="bg1">
+                    <a:lumMod val="50000"/>
+                  </a:schemeClr>
+                </a:solidFill>
+                <a:latin typeface="Times New Roman" panose="02020603050405020304" pitchFamily="18" charset="0"/>
+                <a:cs typeface="Times New Roman" panose="02020603050405020304" pitchFamily="18" charset="0"/>
+              </a:rPr>
+              <a:t>Zahoor Ahmad </a:t>
+            </a:r>
+            <a:r>
+              <a:rPr lang="en-US" sz="1000" dirty="0">
+                <a:solidFill>
+                  <a:schemeClr val="bg1">
+                    <a:lumMod val="50000"/>
+                  </a:schemeClr>
+                </a:solidFill>
+                <a:latin typeface="Times New Roman" panose="02020603050405020304" pitchFamily="18" charset="0"/>
+                <a:cs typeface="Times New Roman" panose="02020603050405020304" pitchFamily="18" charset="0"/>
+              </a:rPr>
+              <a:t>(2021-AG-7754)</a:t>
+            </a:r>
+            <a:r>
+              <a:rPr lang="en-US" sz="1800" dirty="0">
+                <a:solidFill>
+                  <a:schemeClr val="bg1">
+                    <a:lumMod val="50000"/>
+                  </a:schemeClr>
+                </a:solidFill>
+                <a:latin typeface="Times New Roman" panose="02020603050405020304" pitchFamily="18" charset="0"/>
+                <a:cs typeface="Times New Roman" panose="02020603050405020304" pitchFamily="18" charset="0"/>
+              </a:rPr>
+              <a:t>  ⎯⎯ Muhammad Abdullah </a:t>
+            </a:r>
+            <a:r>
+              <a:rPr lang="en-US" sz="1000" dirty="0">
+                <a:solidFill>
+                  <a:schemeClr val="bg1">
+                    <a:lumMod val="50000"/>
+                  </a:schemeClr>
+                </a:solidFill>
+                <a:latin typeface="Times New Roman" panose="02020603050405020304" pitchFamily="18" charset="0"/>
+                <a:cs typeface="Times New Roman" panose="02020603050405020304" pitchFamily="18" charset="0"/>
+              </a:rPr>
+              <a:t>(2021-AG-7779)</a:t>
+            </a:r>
+          </a:p>
+        </p:txBody>
+      </p:sp>
+    </p:spTree>
+  </p:cSld>
+  <p:clrMapOvr>
+    <a:masterClrMapping/>
+  </p:clrMapOvr>
+  <mc:AlternateContent xmlns:mc="http://schemas.openxmlformats.org/markup-compatibility/2006" xmlns:p159="http://schemas.microsoft.com/office/powerpoint/2015/09/main">
+    <mc:Choice Requires="p159">
+      <p:transition xmlns:p14="http://schemas.microsoft.com/office/powerpoint/2010/main" spd="slow" p14:dur="2000">
+        <p159:morph option="byObject"/>
+      </p:transition>
+    </mc:Choice>
+    <mc:Fallback xmlns="">
+      <p:transition spd="slow">
+        <p:fade/>
+      </p:transition>
+    </mc:Fallback>
+  </mc:AlternateContent>
 </p:sld>
 </file>
 
@@ -4323,18 +9203,18 @@
       </p:grpSpPr>
       <p:sp>
         <p:nvSpPr>
-          <p:cNvPr id="2" name="Title 1"/>
+          <p:cNvPr id="3" name="Subtitle 2"/>
           <p:cNvSpPr>
             <a:spLocks noGrp="1"/>
           </p:cNvSpPr>
           <p:nvPr>
-            <p:ph type="title"/>
+            <p:ph type="subTitle" idx="1"/>
           </p:nvPr>
         </p:nvSpPr>
         <p:spPr>
           <a:xfrm>
-            <a:off x="609600" y="1009744"/>
-            <a:ext cx="10972800" cy="1143000"/>
+            <a:off x="1828800" y="3510174"/>
+            <a:ext cx="8534400" cy="1088227"/>
           </a:xfrm>
         </p:spPr>
         <p:txBody>
@@ -4342,79 +9222,21 @@
           <a:lstStyle/>
           <a:p>
             <a:r>
-              <a:rPr>
-                <a:latin typeface="Times New Roman" panose="02020603050405020304" pitchFamily="18" charset="0"/>
-                <a:cs typeface="Times New Roman" panose="02020603050405020304" pitchFamily="18" charset="0"/>
-              </a:rPr>
-              <a:t>Introduction</a:t>
-            </a:r>
-          </a:p>
-        </p:txBody>
-      </p:sp>
-      <p:sp>
-        <p:nvSpPr>
-          <p:cNvPr id="3" name="Content Placeholder 2"/>
-          <p:cNvSpPr>
-            <a:spLocks noGrp="1"/>
-          </p:cNvSpPr>
-          <p:nvPr>
-            <p:ph idx="1"/>
-          </p:nvPr>
-        </p:nvSpPr>
-        <p:spPr>
-          <a:xfrm>
-            <a:off x="609600" y="2317535"/>
-            <a:ext cx="10972800" cy="3091294"/>
-          </a:xfrm>
-        </p:spPr>
-        <p:txBody>
-          <a:bodyPr/>
-          <a:lstStyle/>
-          <a:p>
-            <a:pPr marL="0" indent="0">
-              <a:buNone/>
-            </a:pPr>
-            <a:r>
-              <a:rPr b="1" dirty="0">
-                <a:latin typeface="Times New Roman" panose="02020603050405020304" pitchFamily="18" charset="0"/>
-                <a:cs typeface="Times New Roman" panose="02020603050405020304" pitchFamily="18" charset="0"/>
-              </a:rPr>
-              <a:t>Problem Statement:</a:t>
-            </a:r>
-          </a:p>
-          <a:p>
-            <a:r>
               <a:rPr dirty="0">
                 <a:latin typeface="Times New Roman" panose="02020603050405020304" pitchFamily="18" charset="0"/>
                 <a:cs typeface="Times New Roman" panose="02020603050405020304" pitchFamily="18" charset="0"/>
               </a:rPr>
-              <a:t>Farmers often face unique challenges in managing crops, weather conditions, and pests.</a:t>
-            </a:r>
-          </a:p>
-          <a:p>
-            <a:r>
-              <a:rPr b="1" dirty="0">
-                <a:latin typeface="Times New Roman" panose="02020603050405020304" pitchFamily="18" charset="0"/>
-                <a:cs typeface="Times New Roman" panose="02020603050405020304" pitchFamily="18" charset="0"/>
-              </a:rPr>
-              <a:t>Proposed Solution: </a:t>
-            </a:r>
-            <a:r>
-              <a:rPr dirty="0">
-                <a:latin typeface="Times New Roman" panose="02020603050405020304" pitchFamily="18" charset="0"/>
-                <a:cs typeface="Times New Roman" panose="02020603050405020304" pitchFamily="18" charset="0"/>
-              </a:rPr>
-              <a:t>Develop a social media app where farmers can post questions and AI can provide real-time advice.</a:t>
-            </a:r>
-          </a:p>
-        </p:txBody>
-      </p:sp>
-      <p:sp>
-        <p:nvSpPr>
-          <p:cNvPr id="6" name="Subtitle 2">
+              <a:t>Connecting Farmers and Researchers for a Smarter Farming Future</a:t>
+            </a:r>
+          </a:p>
+        </p:txBody>
+      </p:sp>
+      <p:sp>
+        <p:nvSpPr>
+          <p:cNvPr id="4" name="Subtitle 2">
             <a:extLst>
               <a:ext uri="{FF2B5EF4-FFF2-40B4-BE49-F238E27FC236}">
-                <a16:creationId xmlns:a16="http://schemas.microsoft.com/office/drawing/2014/main" id="{D50017C3-8542-4E02-8EB6-61E2EEE5F9DD}"/>
+                <a16:creationId xmlns:a16="http://schemas.microsoft.com/office/drawing/2014/main" id="{7BE43F01-9AF1-48F8-865A-4C4A6FAB48E0}"/>
               </a:ext>
             </a:extLst>
           </p:cNvPr>
@@ -4628,11 +9450,78 @@
           </a:p>
         </p:txBody>
       </p:sp>
+      <p:sp>
+        <p:nvSpPr>
+          <p:cNvPr id="8" name="Title 1">
+            <a:extLst>
+              <a:ext uri="{FF2B5EF4-FFF2-40B4-BE49-F238E27FC236}">
+                <a16:creationId xmlns:a16="http://schemas.microsoft.com/office/drawing/2014/main" id="{9391A6F5-281A-486D-8101-4323DC9F7069}"/>
+              </a:ext>
+            </a:extLst>
+          </p:cNvPr>
+          <p:cNvSpPr txBox="1">
+            <a:spLocks/>
+          </p:cNvSpPr>
+          <p:nvPr/>
+        </p:nvSpPr>
+        <p:spPr>
+          <a:xfrm>
+            <a:off x="1340631" y="1873627"/>
+            <a:ext cx="9510738" cy="1442280"/>
+          </a:xfrm>
+          <a:prstGeom prst="rect">
+            <a:avLst/>
+          </a:prstGeom>
+        </p:spPr>
+        <p:txBody>
+          <a:bodyPr vert="horz" lIns="91440" tIns="45720" rIns="91440" bIns="45720" rtlCol="0" anchor="ctr">
+            <a:noAutofit/>
+          </a:bodyPr>
+          <a:lstStyle>
+            <a:lvl1pPr algn="ctr" defTabSz="457200" rtl="0" eaLnBrk="1" latinLnBrk="0" hangingPunct="1">
+              <a:spcBef>
+                <a:spcPct val="0"/>
+              </a:spcBef>
+              <a:buNone/>
+              <a:defRPr sz="4400" kern="1200">
+                <a:solidFill>
+                  <a:schemeClr val="tx1"/>
+                </a:solidFill>
+                <a:latin typeface="+mj-lt"/>
+                <a:ea typeface="+mj-ea"/>
+                <a:cs typeface="+mj-cs"/>
+              </a:defRPr>
+            </a:lvl1pPr>
+          </a:lstStyle>
+          <a:p>
+            <a:pPr algn="l"/>
+            <a:r>
+              <a:rPr lang="it-IT" dirty="0">
+                <a:latin typeface="Times New Roman" panose="02020603050405020304" pitchFamily="18" charset="0"/>
+                <a:cs typeface="Times New Roman" panose="02020603050405020304" pitchFamily="18" charset="0"/>
+              </a:rPr>
+              <a:t>AI-Based Agricultural Social Media App</a:t>
+            </a:r>
+          </a:p>
+        </p:txBody>
+      </p:sp>
     </p:spTree>
   </p:cSld>
   <p:clrMapOvr>
     <a:masterClrMapping/>
   </p:clrMapOvr>
+  <mc:AlternateContent xmlns:mc="http://schemas.openxmlformats.org/markup-compatibility/2006">
+    <mc:Choice xmlns:p159="http://schemas.microsoft.com/office/powerpoint/2015/09/main" Requires="p159">
+      <p:transition xmlns:p14="http://schemas.microsoft.com/office/powerpoint/2010/main" spd="slow" p14:dur="2000">
+        <p159:morph option="byObject"/>
+      </p:transition>
+    </mc:Choice>
+    <mc:Fallback>
+      <p:transition spd="slow">
+        <p:fade/>
+      </p:transition>
+    </mc:Fallback>
+  </mc:AlternateContent>
 </p:sld>
 </file>
 
@@ -4665,7 +9554,7 @@
         </p:nvSpPr>
         <p:spPr>
           <a:xfrm>
-            <a:off x="609600" y="229815"/>
+            <a:off x="609600" y="1009744"/>
             <a:ext cx="10972800" cy="1143000"/>
           </a:xfrm>
         </p:spPr>
@@ -4674,11 +9563,11 @@
           <a:lstStyle/>
           <a:p>
             <a:r>
-              <a:rPr b="1">
-                <a:latin typeface="Times New Roman" panose="02020603050405020304" pitchFamily="18" charset="0"/>
-                <a:cs typeface="Times New Roman" panose="02020603050405020304" pitchFamily="18" charset="0"/>
-              </a:rPr>
-              <a:t>Key Features</a:t>
+              <a:rPr>
+                <a:latin typeface="Times New Roman" panose="02020603050405020304" pitchFamily="18" charset="0"/>
+                <a:cs typeface="Times New Roman" panose="02020603050405020304" pitchFamily="18" charset="0"/>
+              </a:rPr>
+              <a:t>Introduction</a:t>
             </a:r>
           </a:p>
         </p:txBody>
@@ -4695,81 +9584,58 @@
         </p:nvSpPr>
         <p:spPr>
           <a:xfrm>
-            <a:off x="609600" y="2162971"/>
-            <a:ext cx="10972800" cy="3400423"/>
+            <a:off x="609600" y="2317535"/>
+            <a:ext cx="10972800" cy="3091294"/>
           </a:xfrm>
         </p:spPr>
         <p:txBody>
           <a:bodyPr/>
           <a:lstStyle/>
           <a:p>
-            <a:pPr marL="514350" indent="-514350">
-              <a:buFont typeface="+mj-lt"/>
-              <a:buAutoNum type="arabicPeriod"/>
+            <a:pPr marL="0" indent="0">
+              <a:buNone/>
             </a:pPr>
             <a:r>
               <a:rPr b="1" dirty="0">
                 <a:latin typeface="Times New Roman" panose="02020603050405020304" pitchFamily="18" charset="0"/>
                 <a:cs typeface="Times New Roman" panose="02020603050405020304" pitchFamily="18" charset="0"/>
               </a:rPr>
-              <a:t>AI-Powered Commenting: </a:t>
-            </a:r>
+              <a:t>Problem Statement:</a:t>
+            </a:r>
+          </a:p>
+          <a:p>
             <a:r>
               <a:rPr dirty="0">
                 <a:latin typeface="Times New Roman" panose="02020603050405020304" pitchFamily="18" charset="0"/>
                 <a:cs typeface="Times New Roman" panose="02020603050405020304" pitchFamily="18" charset="0"/>
               </a:rPr>
-              <a:t>AI bot provides suggestions for farmer's issues.</a:t>
-            </a:r>
-          </a:p>
-          <a:p>
-            <a:pPr marL="514350" indent="-514350">
-              <a:buFont typeface="+mj-lt"/>
-              <a:buAutoNum type="arabicPeriod"/>
-            </a:pPr>
+              <a:t>Farmers often face unique challenges in managing crops, weather conditions, and pests.</a:t>
+            </a:r>
+          </a:p>
+          <a:p>
             <a:r>
               <a:rPr b="1" dirty="0">
                 <a:latin typeface="Times New Roman" panose="02020603050405020304" pitchFamily="18" charset="0"/>
                 <a:cs typeface="Times New Roman" panose="02020603050405020304" pitchFamily="18" charset="0"/>
               </a:rPr>
-              <a:t>Community Engagement: </a:t>
+              <a:t>Proposed Solution: </a:t>
             </a:r>
             <a:r>
               <a:rPr dirty="0">
                 <a:latin typeface="Times New Roman" panose="02020603050405020304" pitchFamily="18" charset="0"/>
                 <a:cs typeface="Times New Roman" panose="02020603050405020304" pitchFamily="18" charset="0"/>
               </a:rPr>
-              <a:t>Farmers and researchers can comment, and users earn points based on feedback.</a:t>
-            </a:r>
-          </a:p>
-          <a:p>
-            <a:pPr marL="514350" indent="-514350">
-              <a:buFont typeface="+mj-lt"/>
-              <a:buAutoNum type="arabicPeriod"/>
-            </a:pPr>
-            <a:r>
-              <a:rPr b="1" dirty="0">
-                <a:latin typeface="Times New Roman" panose="02020603050405020304" pitchFamily="18" charset="0"/>
-                <a:cs typeface="Times New Roman" panose="02020603050405020304" pitchFamily="18" charset="0"/>
-              </a:rPr>
-              <a:t>Top Expert Tagging:</a:t>
-            </a:r>
-            <a:r>
-              <a:rPr dirty="0">
-                <a:latin typeface="Times New Roman" panose="02020603050405020304" pitchFamily="18" charset="0"/>
-                <a:cs typeface="Times New Roman" panose="02020603050405020304" pitchFamily="18" charset="0"/>
-              </a:rPr>
-              <a:t> AI tags top 5 experts when it cannot solve the problem.</a:t>
-            </a:r>
-          </a:p>
-        </p:txBody>
-      </p:sp>
-      <p:sp>
-        <p:nvSpPr>
-          <p:cNvPr id="5" name="Subtitle 2">
+              <a:t>Develop a social media app where farmers can post questions and AI can provide real-time advice.</a:t>
+            </a:r>
+          </a:p>
+        </p:txBody>
+      </p:sp>
+      <p:sp>
+        <p:nvSpPr>
+          <p:cNvPr id="6" name="Subtitle 2">
             <a:extLst>
               <a:ext uri="{FF2B5EF4-FFF2-40B4-BE49-F238E27FC236}">
-                <a16:creationId xmlns:a16="http://schemas.microsoft.com/office/drawing/2014/main" id="{7F5CD1EC-0640-43E8-A0C9-2B0B9B845766}"/>
+                <a16:creationId xmlns:a16="http://schemas.microsoft.com/office/drawing/2014/main" id="{D50017C3-8542-4E02-8EB6-61E2EEE5F9DD}"/>
               </a:ext>
             </a:extLst>
           </p:cNvPr>
@@ -4988,6 +9854,18 @@
   <p:clrMapOvr>
     <a:masterClrMapping/>
   </p:clrMapOvr>
+  <mc:AlternateContent xmlns:mc="http://schemas.openxmlformats.org/markup-compatibility/2006">
+    <mc:Choice xmlns:p159="http://schemas.microsoft.com/office/powerpoint/2015/09/main" Requires="p159">
+      <p:transition xmlns:p14="http://schemas.microsoft.com/office/powerpoint/2010/main" spd="slow" p14:dur="2000">
+        <p159:morph option="byObject"/>
+      </p:transition>
+    </mc:Choice>
+    <mc:Fallback>
+      <p:transition spd="slow">
+        <p:fade/>
+      </p:transition>
+    </mc:Fallback>
+  </mc:AlternateContent>
 </p:sld>
 </file>
 
@@ -5018,17 +9896,22 @@
             <p:ph type="title"/>
           </p:nvPr>
         </p:nvSpPr>
-        <p:spPr/>
+        <p:spPr>
+          <a:xfrm>
+            <a:off x="609600" y="229815"/>
+            <a:ext cx="10972800" cy="1143000"/>
+          </a:xfrm>
+        </p:spPr>
         <p:txBody>
           <a:bodyPr/>
           <a:lstStyle/>
           <a:p>
             <a:r>
-              <a:rPr b="1">
-                <a:latin typeface="Times New Roman" panose="02020603050405020304" pitchFamily="18" charset="0"/>
-                <a:cs typeface="Times New Roman" panose="02020603050405020304" pitchFamily="18" charset="0"/>
-              </a:rPr>
-              <a:t>AI Integration</a:t>
+              <a:rPr b="1" dirty="0">
+                <a:latin typeface="Times New Roman" panose="02020603050405020304" pitchFamily="18" charset="0"/>
+                <a:cs typeface="Times New Roman" panose="02020603050405020304" pitchFamily="18" charset="0"/>
+              </a:rPr>
+              <a:t>Key Features</a:t>
             </a:r>
           </a:p>
         </p:txBody>
@@ -5043,57 +9926,306 @@
             <p:ph idx="1"/>
           </p:nvPr>
         </p:nvSpPr>
-        <p:spPr/>
+        <p:spPr>
+          <a:xfrm>
+            <a:off x="609600" y="2162971"/>
+            <a:ext cx="10972800" cy="3400423"/>
+          </a:xfrm>
+        </p:spPr>
         <p:txBody>
           <a:bodyPr/>
           <a:lstStyle/>
           <a:p>
-            <a:pPr marL="0" indent="0">
-              <a:buNone/>
+            <a:pPr marL="514350" indent="-514350">
+              <a:buFont typeface="+mj-lt"/>
+              <a:buAutoNum type="arabicPeriod"/>
             </a:pPr>
             <a:r>
               <a:rPr b="1" dirty="0">
                 <a:latin typeface="Times New Roman" panose="02020603050405020304" pitchFamily="18" charset="0"/>
                 <a:cs typeface="Times New Roman" panose="02020603050405020304" pitchFamily="18" charset="0"/>
               </a:rPr>
-              <a:t>GenAI for Responses:</a:t>
-            </a:r>
-          </a:p>
-          <a:p>
+              <a:t>AI-Powered Commenting: </a:t>
+            </a:r>
             <a:r>
               <a:rPr dirty="0">
                 <a:latin typeface="Times New Roman" panose="02020603050405020304" pitchFamily="18" charset="0"/>
                 <a:cs typeface="Times New Roman" panose="02020603050405020304" pitchFamily="18" charset="0"/>
               </a:rPr>
-              <a:t>Pre-trained Generative AI models suggest context-based advice.</a:t>
-            </a:r>
-          </a:p>
-          <a:p>
-            <a:endParaRPr dirty="0">
-              <a:latin typeface="Times New Roman" panose="02020603050405020304" pitchFamily="18" charset="0"/>
-              <a:cs typeface="Times New Roman" panose="02020603050405020304" pitchFamily="18" charset="0"/>
-            </a:endParaRPr>
-          </a:p>
-          <a:p>
+              <a:t>AI bot provides suggestions for </a:t>
+            </a:r>
+            <a:r>
+              <a:rPr lang="en-US" dirty="0">
+                <a:latin typeface="Times New Roman" panose="02020603050405020304" pitchFamily="18" charset="0"/>
+                <a:cs typeface="Times New Roman" panose="02020603050405020304" pitchFamily="18" charset="0"/>
+              </a:rPr>
+              <a:t>crops health</a:t>
+            </a:r>
+            <a:r>
+              <a:rPr dirty="0">
+                <a:latin typeface="Times New Roman" panose="02020603050405020304" pitchFamily="18" charset="0"/>
+                <a:cs typeface="Times New Roman" panose="02020603050405020304" pitchFamily="18" charset="0"/>
+              </a:rPr>
+              <a:t> issues.</a:t>
+            </a:r>
+          </a:p>
+          <a:p>
+            <a:pPr marL="514350" indent="-514350">
+              <a:buFont typeface="+mj-lt"/>
+              <a:buAutoNum type="arabicPeriod"/>
+            </a:pPr>
             <a:r>
               <a:rPr b="1" dirty="0">
                 <a:latin typeface="Times New Roman" panose="02020603050405020304" pitchFamily="18" charset="0"/>
                 <a:cs typeface="Times New Roman" panose="02020603050405020304" pitchFamily="18" charset="0"/>
               </a:rPr>
-              <a:t>LangChain Integration:</a:t>
-            </a:r>
-            <a:br>
+              <a:t>Community Engagement: </a:t>
+            </a:r>
+            <a:r>
               <a:rPr dirty="0">
                 <a:latin typeface="Times New Roman" panose="02020603050405020304" pitchFamily="18" charset="0"/>
                 <a:cs typeface="Times New Roman" panose="02020603050405020304" pitchFamily="18" charset="0"/>
               </a:rPr>
-            </a:br>
+              <a:t>Farmers and researchers can comment, and users earn points based on feedback.</a:t>
+            </a:r>
+          </a:p>
+          <a:p>
+            <a:pPr marL="514350" indent="-514350">
+              <a:buFont typeface="+mj-lt"/>
+              <a:buAutoNum type="arabicPeriod"/>
+            </a:pPr>
+            <a:r>
+              <a:rPr b="1" dirty="0">
+                <a:latin typeface="Times New Roman" panose="02020603050405020304" pitchFamily="18" charset="0"/>
+                <a:cs typeface="Times New Roman" panose="02020603050405020304" pitchFamily="18" charset="0"/>
+              </a:rPr>
+              <a:t>Top Expert Tagging:</a:t>
+            </a:r>
             <a:r>
               <a:rPr dirty="0">
                 <a:latin typeface="Times New Roman" panose="02020603050405020304" pitchFamily="18" charset="0"/>
                 <a:cs typeface="Times New Roman" panose="02020603050405020304" pitchFamily="18" charset="0"/>
               </a:rPr>
-              <a:t>NLP to understand posts and generate tailored responses.</a:t>
+              <a:t> AI tags top 5 experts when it cannot solve the problem.</a:t>
+            </a:r>
+          </a:p>
+        </p:txBody>
+      </p:sp>
+      <p:sp>
+        <p:nvSpPr>
+          <p:cNvPr id="5" name="Subtitle 2">
+            <a:extLst>
+              <a:ext uri="{FF2B5EF4-FFF2-40B4-BE49-F238E27FC236}">
+                <a16:creationId xmlns:a16="http://schemas.microsoft.com/office/drawing/2014/main" id="{7F5CD1EC-0640-43E8-A0C9-2B0B9B845766}"/>
+              </a:ext>
+            </a:extLst>
+          </p:cNvPr>
+          <p:cNvSpPr txBox="1">
+            <a:spLocks/>
+          </p:cNvSpPr>
+          <p:nvPr/>
+        </p:nvSpPr>
+        <p:spPr>
+          <a:xfrm>
+            <a:off x="2660988" y="6473293"/>
+            <a:ext cx="6870024" cy="371908"/>
+          </a:xfrm>
+          <a:prstGeom prst="rect">
+            <a:avLst/>
+          </a:prstGeom>
+        </p:spPr>
+        <p:txBody>
+          <a:bodyPr vert="horz" lIns="91440" tIns="45720" rIns="91440" bIns="45720" rtlCol="0">
+            <a:normAutofit/>
+          </a:bodyPr>
+          <a:lstStyle>
+            <a:lvl1pPr marL="342900" indent="-342900" algn="l" defTabSz="457200" rtl="0" eaLnBrk="1" latinLnBrk="0" hangingPunct="1">
+              <a:spcBef>
+                <a:spcPct val="20000"/>
+              </a:spcBef>
+              <a:buFont typeface="Arial"/>
+              <a:buChar char="•"/>
+              <a:defRPr sz="3200" kern="1200">
+                <a:solidFill>
+                  <a:schemeClr val="tx1"/>
+                </a:solidFill>
+                <a:latin typeface="+mn-lt"/>
+                <a:ea typeface="+mn-ea"/>
+                <a:cs typeface="+mn-cs"/>
+              </a:defRPr>
+            </a:lvl1pPr>
+            <a:lvl2pPr marL="742950" indent="-285750" algn="l" defTabSz="457200" rtl="0" eaLnBrk="1" latinLnBrk="0" hangingPunct="1">
+              <a:spcBef>
+                <a:spcPct val="20000"/>
+              </a:spcBef>
+              <a:buFont typeface="Arial"/>
+              <a:buChar char="–"/>
+              <a:defRPr sz="2800" kern="1200">
+                <a:solidFill>
+                  <a:schemeClr val="tx1"/>
+                </a:solidFill>
+                <a:latin typeface="+mn-lt"/>
+                <a:ea typeface="+mn-ea"/>
+                <a:cs typeface="+mn-cs"/>
+              </a:defRPr>
+            </a:lvl2pPr>
+            <a:lvl3pPr marL="1143000" indent="-228600" algn="l" defTabSz="457200" rtl="0" eaLnBrk="1" latinLnBrk="0" hangingPunct="1">
+              <a:spcBef>
+                <a:spcPct val="20000"/>
+              </a:spcBef>
+              <a:buFont typeface="Arial"/>
+              <a:buChar char="•"/>
+              <a:defRPr sz="2400" kern="1200">
+                <a:solidFill>
+                  <a:schemeClr val="tx1"/>
+                </a:solidFill>
+                <a:latin typeface="+mn-lt"/>
+                <a:ea typeface="+mn-ea"/>
+                <a:cs typeface="+mn-cs"/>
+              </a:defRPr>
+            </a:lvl3pPr>
+            <a:lvl4pPr marL="1600200" indent="-228600" algn="l" defTabSz="457200" rtl="0" eaLnBrk="1" latinLnBrk="0" hangingPunct="1">
+              <a:spcBef>
+                <a:spcPct val="20000"/>
+              </a:spcBef>
+              <a:buFont typeface="Arial"/>
+              <a:buChar char="–"/>
+              <a:defRPr sz="2000" kern="1200">
+                <a:solidFill>
+                  <a:schemeClr val="tx1"/>
+                </a:solidFill>
+                <a:latin typeface="+mn-lt"/>
+                <a:ea typeface="+mn-ea"/>
+                <a:cs typeface="+mn-cs"/>
+              </a:defRPr>
+            </a:lvl4pPr>
+            <a:lvl5pPr marL="2057400" indent="-228600" algn="l" defTabSz="457200" rtl="0" eaLnBrk="1" latinLnBrk="0" hangingPunct="1">
+              <a:spcBef>
+                <a:spcPct val="20000"/>
+              </a:spcBef>
+              <a:buFont typeface="Arial"/>
+              <a:buChar char="»"/>
+              <a:defRPr sz="2000" kern="1200">
+                <a:solidFill>
+                  <a:schemeClr val="tx1"/>
+                </a:solidFill>
+                <a:latin typeface="+mn-lt"/>
+                <a:ea typeface="+mn-ea"/>
+                <a:cs typeface="+mn-cs"/>
+              </a:defRPr>
+            </a:lvl5pPr>
+            <a:lvl6pPr marL="2514600" indent="-228600" algn="l" defTabSz="457200" rtl="0" eaLnBrk="1" latinLnBrk="0" hangingPunct="1">
+              <a:spcBef>
+                <a:spcPct val="20000"/>
+              </a:spcBef>
+              <a:buFont typeface="Arial"/>
+              <a:buChar char="•"/>
+              <a:defRPr sz="2000" kern="1200">
+                <a:solidFill>
+                  <a:schemeClr val="tx1"/>
+                </a:solidFill>
+                <a:latin typeface="+mn-lt"/>
+                <a:ea typeface="+mn-ea"/>
+                <a:cs typeface="+mn-cs"/>
+              </a:defRPr>
+            </a:lvl6pPr>
+            <a:lvl7pPr marL="2971800" indent="-228600" algn="l" defTabSz="457200" rtl="0" eaLnBrk="1" latinLnBrk="0" hangingPunct="1">
+              <a:spcBef>
+                <a:spcPct val="20000"/>
+              </a:spcBef>
+              <a:buFont typeface="Arial"/>
+              <a:buChar char="•"/>
+              <a:defRPr sz="2000" kern="1200">
+                <a:solidFill>
+                  <a:schemeClr val="tx1"/>
+                </a:solidFill>
+                <a:latin typeface="+mn-lt"/>
+                <a:ea typeface="+mn-ea"/>
+                <a:cs typeface="+mn-cs"/>
+              </a:defRPr>
+            </a:lvl7pPr>
+            <a:lvl8pPr marL="3429000" indent="-228600" algn="l" defTabSz="457200" rtl="0" eaLnBrk="1" latinLnBrk="0" hangingPunct="1">
+              <a:spcBef>
+                <a:spcPct val="20000"/>
+              </a:spcBef>
+              <a:buFont typeface="Arial"/>
+              <a:buChar char="•"/>
+              <a:defRPr sz="2000" kern="1200">
+                <a:solidFill>
+                  <a:schemeClr val="tx1"/>
+                </a:solidFill>
+                <a:latin typeface="+mn-lt"/>
+                <a:ea typeface="+mn-ea"/>
+                <a:cs typeface="+mn-cs"/>
+              </a:defRPr>
+            </a:lvl8pPr>
+            <a:lvl9pPr marL="3886200" indent="-228600" algn="l" defTabSz="457200" rtl="0" eaLnBrk="1" latinLnBrk="0" hangingPunct="1">
+              <a:spcBef>
+                <a:spcPct val="20000"/>
+              </a:spcBef>
+              <a:buFont typeface="Arial"/>
+              <a:buChar char="•"/>
+              <a:defRPr sz="2000" kern="1200">
+                <a:solidFill>
+                  <a:schemeClr val="tx1"/>
+                </a:solidFill>
+                <a:latin typeface="+mn-lt"/>
+                <a:ea typeface="+mn-ea"/>
+                <a:cs typeface="+mn-cs"/>
+              </a:defRPr>
+            </a:lvl9pPr>
+          </a:lstStyle>
+          <a:p>
+            <a:pPr marL="0" indent="0" algn="ctr">
+              <a:buNone/>
+            </a:pPr>
+            <a:r>
+              <a:rPr lang="en-US" sz="1800" dirty="0">
+                <a:solidFill>
+                  <a:schemeClr val="bg1">
+                    <a:lumMod val="50000"/>
+                  </a:schemeClr>
+                </a:solidFill>
+                <a:latin typeface="Times New Roman" panose="02020603050405020304" pitchFamily="18" charset="0"/>
+                <a:cs typeface="Times New Roman" panose="02020603050405020304" pitchFamily="18" charset="0"/>
+              </a:rPr>
+              <a:t>Zahoor Ahmad </a:t>
+            </a:r>
+            <a:r>
+              <a:rPr lang="en-US" sz="1000" dirty="0">
+                <a:solidFill>
+                  <a:schemeClr val="bg1">
+                    <a:lumMod val="50000"/>
+                  </a:schemeClr>
+                </a:solidFill>
+                <a:latin typeface="Times New Roman" panose="02020603050405020304" pitchFamily="18" charset="0"/>
+                <a:cs typeface="Times New Roman" panose="02020603050405020304" pitchFamily="18" charset="0"/>
+              </a:rPr>
+              <a:t>(2021-AG-7754)</a:t>
+            </a:r>
+            <a:r>
+              <a:rPr lang="en-US" sz="1800" dirty="0">
+                <a:solidFill>
+                  <a:schemeClr val="bg1">
+                    <a:lumMod val="50000"/>
+                  </a:schemeClr>
+                </a:solidFill>
+                <a:latin typeface="Times New Roman" panose="02020603050405020304" pitchFamily="18" charset="0"/>
+                <a:cs typeface="Times New Roman" panose="02020603050405020304" pitchFamily="18" charset="0"/>
+              </a:rPr>
+              <a:t>  ⎯⎯ Muhammad Abdullah </a:t>
+            </a:r>
+            <a:r>
+              <a:rPr lang="en-US" sz="1000" dirty="0">
+                <a:solidFill>
+                  <a:schemeClr val="bg1">
+                    <a:lumMod val="50000"/>
+                  </a:schemeClr>
+                </a:solidFill>
+                <a:latin typeface="Times New Roman" panose="02020603050405020304" pitchFamily="18" charset="0"/>
+                <a:cs typeface="Times New Roman" panose="02020603050405020304" pitchFamily="18" charset="0"/>
+              </a:rPr>
+              <a:t>(2021-AG-7779)</a:t>
             </a:r>
           </a:p>
         </p:txBody>
@@ -5103,6 +10235,18 @@
   <p:clrMapOvr>
     <a:masterClrMapping/>
   </p:clrMapOvr>
+  <mc:AlternateContent xmlns:mc="http://schemas.openxmlformats.org/markup-compatibility/2006">
+    <mc:Choice xmlns:p159="http://schemas.microsoft.com/office/powerpoint/2015/09/main" Requires="p159">
+      <p:transition xmlns:p14="http://schemas.microsoft.com/office/powerpoint/2010/main" spd="slow" p14:dur="2000">
+        <p159:morph option="byObject"/>
+      </p:transition>
+    </mc:Choice>
+    <mc:Fallback>
+      <p:transition spd="slow">
+        <p:fade/>
+      </p:transition>
+    </mc:Fallback>
+  </mc:AlternateContent>
 </p:sld>
 </file>
 
@@ -5133,12 +10277,7 @@
             <p:ph type="title"/>
           </p:nvPr>
         </p:nvSpPr>
-        <p:spPr>
-          <a:xfrm>
-            <a:off x="609600" y="1895414"/>
-            <a:ext cx="10972800" cy="1039091"/>
-          </a:xfrm>
-        </p:spPr>
+        <p:spPr/>
         <p:txBody>
           <a:bodyPr/>
           <a:lstStyle/>
@@ -5148,7 +10287,7 @@
                 <a:latin typeface="Times New Roman" panose="02020603050405020304" pitchFamily="18" charset="0"/>
                 <a:cs typeface="Times New Roman" panose="02020603050405020304" pitchFamily="18" charset="0"/>
               </a:rPr>
-              <a:t>Community Points System</a:t>
+              <a:t>AI Integration</a:t>
             </a:r>
           </a:p>
         </p:txBody>
@@ -5163,250 +10302,57 @@
             <p:ph idx="1"/>
           </p:nvPr>
         </p:nvSpPr>
-        <p:spPr>
-          <a:xfrm>
-            <a:off x="609600" y="3142126"/>
-            <a:ext cx="10972800" cy="1442112"/>
-          </a:xfrm>
-        </p:spPr>
+        <p:spPr/>
         <p:txBody>
           <a:bodyPr/>
           <a:lstStyle/>
           <a:p>
+            <a:pPr marL="0" indent="0">
+              <a:buNone/>
+            </a:pPr>
+            <a:r>
+              <a:rPr b="1" dirty="0">
+                <a:latin typeface="Times New Roman" panose="02020603050405020304" pitchFamily="18" charset="0"/>
+                <a:cs typeface="Times New Roman" panose="02020603050405020304" pitchFamily="18" charset="0"/>
+              </a:rPr>
+              <a:t>GenAI for Responses:</a:t>
+            </a:r>
+          </a:p>
+          <a:p>
             <a:r>
               <a:rPr dirty="0">
                 <a:latin typeface="Times New Roman" panose="02020603050405020304" pitchFamily="18" charset="0"/>
                 <a:cs typeface="Times New Roman" panose="02020603050405020304" pitchFamily="18" charset="0"/>
               </a:rPr>
-              <a:t>Users earn points based on the quality of comments.</a:t>
-            </a:r>
-          </a:p>
-          <a:p>
-            <a:r>
+              <a:t>Pre-trained Generative AI models suggest context-based advice.</a:t>
+            </a:r>
+          </a:p>
+          <a:p>
+            <a:endParaRPr dirty="0">
+              <a:latin typeface="Times New Roman" panose="02020603050405020304" pitchFamily="18" charset="0"/>
+              <a:cs typeface="Times New Roman" panose="02020603050405020304" pitchFamily="18" charset="0"/>
+            </a:endParaRPr>
+          </a:p>
+          <a:p>
+            <a:r>
+              <a:rPr b="1" dirty="0">
+                <a:latin typeface="Times New Roman" panose="02020603050405020304" pitchFamily="18" charset="0"/>
+                <a:cs typeface="Times New Roman" panose="02020603050405020304" pitchFamily="18" charset="0"/>
+              </a:rPr>
+              <a:t>LangChain Integration:</a:t>
+            </a:r>
+            <a:br>
               <a:rPr dirty="0">
                 <a:latin typeface="Times New Roman" panose="02020603050405020304" pitchFamily="18" charset="0"/>
                 <a:cs typeface="Times New Roman" panose="02020603050405020304" pitchFamily="18" charset="0"/>
               </a:rPr>
-              <a:t>Points improve user rankings, making them community experts.</a:t>
-            </a:r>
-          </a:p>
-        </p:txBody>
-      </p:sp>
-      <p:sp>
-        <p:nvSpPr>
-          <p:cNvPr id="4" name="Subtitle 2">
-            <a:extLst>
-              <a:ext uri="{FF2B5EF4-FFF2-40B4-BE49-F238E27FC236}">
-                <a16:creationId xmlns:a16="http://schemas.microsoft.com/office/drawing/2014/main" id="{470E13B5-FE66-4574-99FB-6D73548AD52A}"/>
-              </a:ext>
-            </a:extLst>
-          </p:cNvPr>
-          <p:cNvSpPr txBox="1">
-            <a:spLocks/>
-          </p:cNvSpPr>
-          <p:nvPr/>
-        </p:nvSpPr>
-        <p:spPr>
-          <a:xfrm>
-            <a:off x="2660988" y="6473293"/>
-            <a:ext cx="6870024" cy="371908"/>
-          </a:xfrm>
-          <a:prstGeom prst="rect">
-            <a:avLst/>
-          </a:prstGeom>
-        </p:spPr>
-        <p:txBody>
-          <a:bodyPr vert="horz" lIns="91440" tIns="45720" rIns="91440" bIns="45720" rtlCol="0">
-            <a:normAutofit/>
-          </a:bodyPr>
-          <a:lstStyle>
-            <a:lvl1pPr marL="342900" indent="-342900" algn="l" defTabSz="457200" rtl="0" eaLnBrk="1" latinLnBrk="0" hangingPunct="1">
-              <a:spcBef>
-                <a:spcPct val="20000"/>
-              </a:spcBef>
-              <a:buFont typeface="Arial"/>
-              <a:buChar char="•"/>
-              <a:defRPr sz="3200" kern="1200">
-                <a:solidFill>
-                  <a:schemeClr val="tx1"/>
-                </a:solidFill>
-                <a:latin typeface="+mn-lt"/>
-                <a:ea typeface="+mn-ea"/>
-                <a:cs typeface="+mn-cs"/>
-              </a:defRPr>
-            </a:lvl1pPr>
-            <a:lvl2pPr marL="742950" indent="-285750" algn="l" defTabSz="457200" rtl="0" eaLnBrk="1" latinLnBrk="0" hangingPunct="1">
-              <a:spcBef>
-                <a:spcPct val="20000"/>
-              </a:spcBef>
-              <a:buFont typeface="Arial"/>
-              <a:buChar char="–"/>
-              <a:defRPr sz="2800" kern="1200">
-                <a:solidFill>
-                  <a:schemeClr val="tx1"/>
-                </a:solidFill>
-                <a:latin typeface="+mn-lt"/>
-                <a:ea typeface="+mn-ea"/>
-                <a:cs typeface="+mn-cs"/>
-              </a:defRPr>
-            </a:lvl2pPr>
-            <a:lvl3pPr marL="1143000" indent="-228600" algn="l" defTabSz="457200" rtl="0" eaLnBrk="1" latinLnBrk="0" hangingPunct="1">
-              <a:spcBef>
-                <a:spcPct val="20000"/>
-              </a:spcBef>
-              <a:buFont typeface="Arial"/>
-              <a:buChar char="•"/>
-              <a:defRPr sz="2400" kern="1200">
-                <a:solidFill>
-                  <a:schemeClr val="tx1"/>
-                </a:solidFill>
-                <a:latin typeface="+mn-lt"/>
-                <a:ea typeface="+mn-ea"/>
-                <a:cs typeface="+mn-cs"/>
-              </a:defRPr>
-            </a:lvl3pPr>
-            <a:lvl4pPr marL="1600200" indent="-228600" algn="l" defTabSz="457200" rtl="0" eaLnBrk="1" latinLnBrk="0" hangingPunct="1">
-              <a:spcBef>
-                <a:spcPct val="20000"/>
-              </a:spcBef>
-              <a:buFont typeface="Arial"/>
-              <a:buChar char="–"/>
-              <a:defRPr sz="2000" kern="1200">
-                <a:solidFill>
-                  <a:schemeClr val="tx1"/>
-                </a:solidFill>
-                <a:latin typeface="+mn-lt"/>
-                <a:ea typeface="+mn-ea"/>
-                <a:cs typeface="+mn-cs"/>
-              </a:defRPr>
-            </a:lvl4pPr>
-            <a:lvl5pPr marL="2057400" indent="-228600" algn="l" defTabSz="457200" rtl="0" eaLnBrk="1" latinLnBrk="0" hangingPunct="1">
-              <a:spcBef>
-                <a:spcPct val="20000"/>
-              </a:spcBef>
-              <a:buFont typeface="Arial"/>
-              <a:buChar char="»"/>
-              <a:defRPr sz="2000" kern="1200">
-                <a:solidFill>
-                  <a:schemeClr val="tx1"/>
-                </a:solidFill>
-                <a:latin typeface="+mn-lt"/>
-                <a:ea typeface="+mn-ea"/>
-                <a:cs typeface="+mn-cs"/>
-              </a:defRPr>
-            </a:lvl5pPr>
-            <a:lvl6pPr marL="2514600" indent="-228600" algn="l" defTabSz="457200" rtl="0" eaLnBrk="1" latinLnBrk="0" hangingPunct="1">
-              <a:spcBef>
-                <a:spcPct val="20000"/>
-              </a:spcBef>
-              <a:buFont typeface="Arial"/>
-              <a:buChar char="•"/>
-              <a:defRPr sz="2000" kern="1200">
-                <a:solidFill>
-                  <a:schemeClr val="tx1"/>
-                </a:solidFill>
-                <a:latin typeface="+mn-lt"/>
-                <a:ea typeface="+mn-ea"/>
-                <a:cs typeface="+mn-cs"/>
-              </a:defRPr>
-            </a:lvl6pPr>
-            <a:lvl7pPr marL="2971800" indent="-228600" algn="l" defTabSz="457200" rtl="0" eaLnBrk="1" latinLnBrk="0" hangingPunct="1">
-              <a:spcBef>
-                <a:spcPct val="20000"/>
-              </a:spcBef>
-              <a:buFont typeface="Arial"/>
-              <a:buChar char="•"/>
-              <a:defRPr sz="2000" kern="1200">
-                <a:solidFill>
-                  <a:schemeClr val="tx1"/>
-                </a:solidFill>
-                <a:latin typeface="+mn-lt"/>
-                <a:ea typeface="+mn-ea"/>
-                <a:cs typeface="+mn-cs"/>
-              </a:defRPr>
-            </a:lvl7pPr>
-            <a:lvl8pPr marL="3429000" indent="-228600" algn="l" defTabSz="457200" rtl="0" eaLnBrk="1" latinLnBrk="0" hangingPunct="1">
-              <a:spcBef>
-                <a:spcPct val="20000"/>
-              </a:spcBef>
-              <a:buFont typeface="Arial"/>
-              <a:buChar char="•"/>
-              <a:defRPr sz="2000" kern="1200">
-                <a:solidFill>
-                  <a:schemeClr val="tx1"/>
-                </a:solidFill>
-                <a:latin typeface="+mn-lt"/>
-                <a:ea typeface="+mn-ea"/>
-                <a:cs typeface="+mn-cs"/>
-              </a:defRPr>
-            </a:lvl8pPr>
-            <a:lvl9pPr marL="3886200" indent="-228600" algn="l" defTabSz="457200" rtl="0" eaLnBrk="1" latinLnBrk="0" hangingPunct="1">
-              <a:spcBef>
-                <a:spcPct val="20000"/>
-              </a:spcBef>
-              <a:buFont typeface="Arial"/>
-              <a:buChar char="•"/>
-              <a:defRPr sz="2000" kern="1200">
-                <a:solidFill>
-                  <a:schemeClr val="tx1"/>
-                </a:solidFill>
-                <a:latin typeface="+mn-lt"/>
-                <a:ea typeface="+mn-ea"/>
-                <a:cs typeface="+mn-cs"/>
-              </a:defRPr>
-            </a:lvl9pPr>
-          </a:lstStyle>
-          <a:p>
-            <a:pPr marL="0" indent="0" algn="ctr">
-              <a:buNone/>
-            </a:pPr>
-            <a:r>
-              <a:rPr lang="en-US" sz="1800" dirty="0">
-                <a:solidFill>
-                  <a:schemeClr val="bg1">
-                    <a:lumMod val="50000"/>
-                  </a:schemeClr>
-                </a:solidFill>
-                <a:latin typeface="Times New Roman" panose="02020603050405020304" pitchFamily="18" charset="0"/>
-                <a:cs typeface="Times New Roman" panose="02020603050405020304" pitchFamily="18" charset="0"/>
-              </a:rPr>
-              <a:t>Zahoor Ahmad </a:t>
-            </a:r>
-            <a:r>
-              <a:rPr lang="en-US" sz="1000" dirty="0">
-                <a:solidFill>
-                  <a:schemeClr val="bg1">
-                    <a:lumMod val="50000"/>
-                  </a:schemeClr>
-                </a:solidFill>
-                <a:latin typeface="Times New Roman" panose="02020603050405020304" pitchFamily="18" charset="0"/>
-                <a:cs typeface="Times New Roman" panose="02020603050405020304" pitchFamily="18" charset="0"/>
-              </a:rPr>
-              <a:t>(2021-AG-7754)</a:t>
-            </a:r>
-            <a:r>
-              <a:rPr lang="en-US" sz="1800" dirty="0">
-                <a:solidFill>
-                  <a:schemeClr val="bg1">
-                    <a:lumMod val="50000"/>
-                  </a:schemeClr>
-                </a:solidFill>
-                <a:latin typeface="Times New Roman" panose="02020603050405020304" pitchFamily="18" charset="0"/>
-                <a:cs typeface="Times New Roman" panose="02020603050405020304" pitchFamily="18" charset="0"/>
-              </a:rPr>
-              <a:t>  ⎯⎯ Muhammad Abdullah </a:t>
-            </a:r>
-            <a:r>
-              <a:rPr lang="en-US" sz="1000" dirty="0">
-                <a:solidFill>
-                  <a:schemeClr val="bg1">
-                    <a:lumMod val="50000"/>
-                  </a:schemeClr>
-                </a:solidFill>
-                <a:latin typeface="Times New Roman" panose="02020603050405020304" pitchFamily="18" charset="0"/>
-                <a:cs typeface="Times New Roman" panose="02020603050405020304" pitchFamily="18" charset="0"/>
-              </a:rPr>
-              <a:t>(2021-AG-7779)</a:t>
+            </a:br>
+            <a:r>
+              <a:rPr dirty="0">
+                <a:latin typeface="Times New Roman" panose="02020603050405020304" pitchFamily="18" charset="0"/>
+                <a:cs typeface="Times New Roman" panose="02020603050405020304" pitchFamily="18" charset="0"/>
+              </a:rPr>
+              <a:t>NLP to understand posts and generate tailored responses.</a:t>
             </a:r>
           </a:p>
         </p:txBody>
@@ -5416,6 +10362,18 @@
   <p:clrMapOvr>
     <a:masterClrMapping/>
   </p:clrMapOvr>
+  <mc:AlternateContent xmlns:mc="http://schemas.openxmlformats.org/markup-compatibility/2006">
+    <mc:Choice xmlns:p159="http://schemas.microsoft.com/office/powerpoint/2015/09/main" Requires="p159">
+      <p:transition xmlns:p14="http://schemas.microsoft.com/office/powerpoint/2010/main" spd="slow" p14:dur="2000">
+        <p159:morph option="byObject"/>
+      </p:transition>
+    </mc:Choice>
+    <mc:Fallback>
+      <p:transition spd="slow">
+        <p:fade/>
+      </p:transition>
+    </mc:Fallback>
+  </mc:AlternateContent>
 </p:sld>
 </file>
 
@@ -5448,8 +10406,8 @@
         </p:nvSpPr>
         <p:spPr>
           <a:xfrm>
-            <a:off x="609600" y="184990"/>
-            <a:ext cx="10972800" cy="1143000"/>
+            <a:off x="609600" y="1895414"/>
+            <a:ext cx="10972800" cy="1039091"/>
           </a:xfrm>
         </p:spPr>
         <p:txBody>
@@ -5461,7 +10419,7 @@
                 <a:latin typeface="Times New Roman" panose="02020603050405020304" pitchFamily="18" charset="0"/>
                 <a:cs typeface="Times New Roman" panose="02020603050405020304" pitchFamily="18" charset="0"/>
               </a:rPr>
-              <a:t>Researcher Interaction</a:t>
+              <a:t>Community Points System</a:t>
             </a:r>
           </a:p>
         </p:txBody>
@@ -5476,51 +10434,31 @@
             <p:ph idx="1"/>
           </p:nvPr>
         </p:nvSpPr>
-        <p:spPr/>
+        <p:spPr>
+          <a:xfrm>
+            <a:off x="609600" y="3142126"/>
+            <a:ext cx="10972800" cy="1442112"/>
+          </a:xfrm>
+        </p:spPr>
         <p:txBody>
           <a:bodyPr/>
           <a:lstStyle/>
           <a:p>
-            <a:pPr marL="0" indent="0">
-              <a:buNone/>
-            </a:pPr>
-            <a:r>
-              <a:rPr b="1" dirty="0">
-                <a:latin typeface="Times New Roman" panose="02020603050405020304" pitchFamily="18" charset="0"/>
-                <a:cs typeface="Times New Roman" panose="02020603050405020304" pitchFamily="18" charset="0"/>
-              </a:rPr>
-              <a:t>Direct Collaboration:</a:t>
-            </a:r>
-          </a:p>
-          <a:p>
             <a:r>
               <a:rPr dirty="0">
                 <a:latin typeface="Times New Roman" panose="02020603050405020304" pitchFamily="18" charset="0"/>
                 <a:cs typeface="Times New Roman" panose="02020603050405020304" pitchFamily="18" charset="0"/>
               </a:rPr>
-              <a:t>Researchers offer insights based on data shared by farmers.</a:t>
-            </a:r>
-          </a:p>
-          <a:p>
-            <a:r>
-              <a:rPr b="1" dirty="0">
-                <a:latin typeface="Times New Roman" panose="02020603050405020304" pitchFamily="18" charset="0"/>
-                <a:cs typeface="Times New Roman" panose="02020603050405020304" pitchFamily="18" charset="0"/>
-              </a:rPr>
-              <a:t>Knowledge Sharing:</a:t>
-            </a:r>
-            <a:br>
+              <a:t>Users earn points based on the quality of comments.</a:t>
+            </a:r>
+          </a:p>
+          <a:p>
+            <a:r>
               <a:rPr dirty="0">
                 <a:latin typeface="Times New Roman" panose="02020603050405020304" pitchFamily="18" charset="0"/>
                 <a:cs typeface="Times New Roman" panose="02020603050405020304" pitchFamily="18" charset="0"/>
               </a:rPr>
-            </a:br>
-            <a:r>
-              <a:rPr dirty="0">
-                <a:latin typeface="Times New Roman" panose="02020603050405020304" pitchFamily="18" charset="0"/>
-                <a:cs typeface="Times New Roman" panose="02020603050405020304" pitchFamily="18" charset="0"/>
-              </a:rPr>
-              <a:t>Innovation encouraged by sharing experimental techniques and solutions.</a:t>
+              <a:t>Points improve user rankings, making them community experts.</a:t>
             </a:r>
           </a:p>
         </p:txBody>
@@ -5530,7 +10468,7 @@
           <p:cNvPr id="4" name="Subtitle 2">
             <a:extLst>
               <a:ext uri="{FF2B5EF4-FFF2-40B4-BE49-F238E27FC236}">
-                <a16:creationId xmlns:a16="http://schemas.microsoft.com/office/drawing/2014/main" id="{D672A0A9-1BD1-46F5-B9C8-FDA3CB81609E}"/>
+                <a16:creationId xmlns:a16="http://schemas.microsoft.com/office/drawing/2014/main" id="{470E13B5-FE66-4574-99FB-6D73548AD52A}"/>
               </a:ext>
             </a:extLst>
           </p:cNvPr>
@@ -5749,6 +10687,18 @@
   <p:clrMapOvr>
     <a:masterClrMapping/>
   </p:clrMapOvr>
+  <mc:AlternateContent xmlns:mc="http://schemas.openxmlformats.org/markup-compatibility/2006">
+    <mc:Choice xmlns:p159="http://schemas.microsoft.com/office/powerpoint/2015/09/main" Requires="p159">
+      <p:transition xmlns:p14="http://schemas.microsoft.com/office/powerpoint/2010/main" spd="slow" p14:dur="2000">
+        <p159:morph option="byObject"/>
+      </p:transition>
+    </mc:Choice>
+    <mc:Fallback>
+      <p:transition spd="slow">
+        <p:fade/>
+      </p:transition>
+    </mc:Fallback>
+  </mc:AlternateContent>
 </p:sld>
 </file>
 
@@ -5781,7 +10731,7 @@
         </p:nvSpPr>
         <p:spPr>
           <a:xfrm>
-            <a:off x="609600" y="1287652"/>
+            <a:off x="609600" y="184990"/>
             <a:ext cx="10972800" cy="1143000"/>
           </a:xfrm>
         </p:spPr>
@@ -5794,7 +10744,7 @@
                 <a:latin typeface="Times New Roman" panose="02020603050405020304" pitchFamily="18" charset="0"/>
                 <a:cs typeface="Times New Roman" panose="02020603050405020304" pitchFamily="18" charset="0"/>
               </a:rPr>
-              <a:t>Mobile and Web Interface</a:t>
+              <a:t>Researcher Interaction</a:t>
             </a:r>
           </a:p>
         </p:txBody>
@@ -5809,41 +10759,61 @@
             <p:ph idx="1"/>
           </p:nvPr>
         </p:nvSpPr>
-        <p:spPr>
-          <a:xfrm>
-            <a:off x="609600" y="2903457"/>
-            <a:ext cx="10972800" cy="1919450"/>
-          </a:xfrm>
-        </p:spPr>
+        <p:spPr/>
         <p:txBody>
           <a:bodyPr/>
           <a:lstStyle/>
           <a:p>
+            <a:pPr marL="0" indent="0">
+              <a:buNone/>
+            </a:pPr>
+            <a:r>
+              <a:rPr b="1" dirty="0">
+                <a:latin typeface="Times New Roman" panose="02020603050405020304" pitchFamily="18" charset="0"/>
+                <a:cs typeface="Times New Roman" panose="02020603050405020304" pitchFamily="18" charset="0"/>
+              </a:rPr>
+              <a:t>Direct Collaboration:</a:t>
+            </a:r>
+          </a:p>
+          <a:p>
             <a:r>
               <a:rPr dirty="0">
                 <a:latin typeface="Times New Roman" panose="02020603050405020304" pitchFamily="18" charset="0"/>
                 <a:cs typeface="Times New Roman" panose="02020603050405020304" pitchFamily="18" charset="0"/>
               </a:rPr>
-              <a:t>Fully functional app available on web and mobile platforms.</a:t>
-            </a:r>
-          </a:p>
-          <a:p>
-            <a:r>
+              <a:t>Researchers offer insights based on data shared by farmers.</a:t>
+            </a:r>
+          </a:p>
+          <a:p>
+            <a:r>
+              <a:rPr b="1" dirty="0">
+                <a:latin typeface="Times New Roman" panose="02020603050405020304" pitchFamily="18" charset="0"/>
+                <a:cs typeface="Times New Roman" panose="02020603050405020304" pitchFamily="18" charset="0"/>
+              </a:rPr>
+              <a:t>Knowledge Sharing:</a:t>
+            </a:r>
+            <a:br>
               <a:rPr dirty="0">
                 <a:latin typeface="Times New Roman" panose="02020603050405020304" pitchFamily="18" charset="0"/>
                 <a:cs typeface="Times New Roman" panose="02020603050405020304" pitchFamily="18" charset="0"/>
               </a:rPr>
-              <a:t>Features include post creation, AI-based responses, and community engagement.</a:t>
-            </a:r>
-          </a:p>
-        </p:txBody>
-      </p:sp>
-      <p:sp>
-        <p:nvSpPr>
-          <p:cNvPr id="5" name="Subtitle 2">
+            </a:br>
+            <a:r>
+              <a:rPr dirty="0">
+                <a:latin typeface="Times New Roman" panose="02020603050405020304" pitchFamily="18" charset="0"/>
+                <a:cs typeface="Times New Roman" panose="02020603050405020304" pitchFamily="18" charset="0"/>
+              </a:rPr>
+              <a:t>Innovation encouraged by sharing experimental techniques and solutions.</a:t>
+            </a:r>
+          </a:p>
+        </p:txBody>
+      </p:sp>
+      <p:sp>
+        <p:nvSpPr>
+          <p:cNvPr id="4" name="Subtitle 2">
             <a:extLst>
               <a:ext uri="{FF2B5EF4-FFF2-40B4-BE49-F238E27FC236}">
-                <a16:creationId xmlns:a16="http://schemas.microsoft.com/office/drawing/2014/main" id="{079806E0-7142-4D33-9616-08BBB26F4BD9}"/>
+                <a16:creationId xmlns:a16="http://schemas.microsoft.com/office/drawing/2014/main" id="{D672A0A9-1BD1-46F5-B9C8-FDA3CB81609E}"/>
               </a:ext>
             </a:extLst>
           </p:cNvPr>
@@ -6062,6 +11032,18 @@
   <p:clrMapOvr>
     <a:masterClrMapping/>
   </p:clrMapOvr>
+  <mc:AlternateContent xmlns:mc="http://schemas.openxmlformats.org/markup-compatibility/2006">
+    <mc:Choice xmlns:p159="http://schemas.microsoft.com/office/powerpoint/2015/09/main" Requires="p159">
+      <p:transition xmlns:p14="http://schemas.microsoft.com/office/powerpoint/2010/main" spd="slow" p14:dur="2000">
+        <p159:morph option="byObject"/>
+      </p:transition>
+    </mc:Choice>
+    <mc:Fallback>
+      <p:transition spd="slow">
+        <p:fade/>
+      </p:transition>
+    </mc:Fallback>
+  </mc:AlternateContent>
 </p:sld>
 </file>
 
@@ -6092,7 +11074,12 @@
             <p:ph type="title"/>
           </p:nvPr>
         </p:nvSpPr>
-        <p:spPr/>
+        <p:spPr>
+          <a:xfrm>
+            <a:off x="609600" y="1287652"/>
+            <a:ext cx="10972800" cy="1143000"/>
+          </a:xfrm>
+        </p:spPr>
         <p:txBody>
           <a:bodyPr/>
           <a:lstStyle/>
@@ -6102,7 +11089,7 @@
                 <a:latin typeface="Times New Roman" panose="02020603050405020304" pitchFamily="18" charset="0"/>
                 <a:cs typeface="Times New Roman" panose="02020603050405020304" pitchFamily="18" charset="0"/>
               </a:rPr>
-              <a:t>Future Expansion</a:t>
+              <a:t>Mobile and Web Interface</a:t>
             </a:r>
           </a:p>
         </p:txBody>
@@ -6117,72 +11104,31 @@
             <p:ph idx="1"/>
           </p:nvPr>
         </p:nvSpPr>
-        <p:spPr/>
+        <p:spPr>
+          <a:xfrm>
+            <a:off x="609600" y="2903457"/>
+            <a:ext cx="10972800" cy="1919450"/>
+          </a:xfrm>
+        </p:spPr>
         <p:txBody>
           <a:bodyPr/>
           <a:lstStyle/>
           <a:p>
-            <a:pPr marL="514350" indent="-514350">
-              <a:buFont typeface="+mj-lt"/>
-              <a:buAutoNum type="arabicPeriod"/>
-            </a:pPr>
-            <a:r>
-              <a:rPr b="1" dirty="0">
-                <a:latin typeface="Times New Roman" panose="02020603050405020304" pitchFamily="18" charset="0"/>
-                <a:cs typeface="Times New Roman" panose="02020603050405020304" pitchFamily="18" charset="0"/>
-              </a:rPr>
-              <a:t>Real-Time Weather Alerts</a:t>
-            </a:r>
             <a:r>
               <a:rPr dirty="0">
                 <a:latin typeface="Times New Roman" panose="02020603050405020304" pitchFamily="18" charset="0"/>
                 <a:cs typeface="Times New Roman" panose="02020603050405020304" pitchFamily="18" charset="0"/>
               </a:rPr>
-              <a:t>: AI provides real-time weather updates based on location.</a:t>
-            </a:r>
-          </a:p>
-          <a:p>
-            <a:pPr marL="514350" indent="-514350">
-              <a:buFont typeface="+mj-lt"/>
-              <a:buAutoNum type="arabicPeriod"/>
-            </a:pPr>
-            <a:r>
-              <a:rPr b="1" dirty="0">
-                <a:latin typeface="Times New Roman" panose="02020603050405020304" pitchFamily="18" charset="0"/>
-                <a:cs typeface="Times New Roman" panose="02020603050405020304" pitchFamily="18" charset="0"/>
-              </a:rPr>
-              <a:t>Marketplace Integration: </a:t>
-            </a:r>
+              <a:t>Fully functional app available on web and mobile platforms.</a:t>
+            </a:r>
+          </a:p>
+          <a:p>
             <a:r>
               <a:rPr dirty="0">
                 <a:latin typeface="Times New Roman" panose="02020603050405020304" pitchFamily="18" charset="0"/>
                 <a:cs typeface="Times New Roman" panose="02020603050405020304" pitchFamily="18" charset="0"/>
               </a:rPr>
-              <a:t>Farmers can buy/sell products directly through the app.</a:t>
-            </a:r>
-            <a:endParaRPr lang="en-US" dirty="0">
-              <a:latin typeface="Times New Roman" panose="02020603050405020304" pitchFamily="18" charset="0"/>
-              <a:cs typeface="Times New Roman" panose="02020603050405020304" pitchFamily="18" charset="0"/>
-            </a:endParaRPr>
-          </a:p>
-          <a:p>
-            <a:pPr marL="514350" indent="-514350">
-              <a:buFont typeface="+mj-lt"/>
-              <a:buAutoNum type="arabicPeriod"/>
-            </a:pPr>
-            <a:r>
-              <a:rPr lang="en-US" b="1" dirty="0">
-                <a:latin typeface="Times New Roman" panose="02020603050405020304" pitchFamily="18" charset="0"/>
-                <a:cs typeface="Times New Roman" panose="02020603050405020304" pitchFamily="18" charset="0"/>
-              </a:rPr>
-              <a:t>3D Models (Optional): </a:t>
-            </a:r>
-            <a:r>
-              <a:rPr lang="en-US" dirty="0">
-                <a:latin typeface="Times New Roman" panose="02020603050405020304" pitchFamily="18" charset="0"/>
-                <a:cs typeface="Times New Roman" panose="02020603050405020304" pitchFamily="18" charset="0"/>
-              </a:rPr>
-              <a:t>Potential for 3D farm models with enough data.</a:t>
+              <a:t>Features include post creation, AI-based responses, and community engagement.</a:t>
             </a:r>
           </a:p>
         </p:txBody>
@@ -6192,7 +11138,7 @@
           <p:cNvPr id="5" name="Subtitle 2">
             <a:extLst>
               <a:ext uri="{FF2B5EF4-FFF2-40B4-BE49-F238E27FC236}">
-                <a16:creationId xmlns:a16="http://schemas.microsoft.com/office/drawing/2014/main" id="{4DBE9258-2351-4490-AC90-C554FFFAE873}"/>
+                <a16:creationId xmlns:a16="http://schemas.microsoft.com/office/drawing/2014/main" id="{079806E0-7142-4D33-9616-08BBB26F4BD9}"/>
               </a:ext>
             </a:extLst>
           </p:cNvPr>
@@ -6411,6 +11357,18 @@
   <p:clrMapOvr>
     <a:masterClrMapping/>
   </p:clrMapOvr>
+  <mc:AlternateContent xmlns:mc="http://schemas.openxmlformats.org/markup-compatibility/2006">
+    <mc:Choice xmlns:p159="http://schemas.microsoft.com/office/powerpoint/2015/09/main" Requires="p159">
+      <p:transition xmlns:p14="http://schemas.microsoft.com/office/powerpoint/2010/main" spd="slow" p14:dur="2000">
+        <p159:morph option="byObject"/>
+      </p:transition>
+    </mc:Choice>
+    <mc:Fallback>
+      <p:transition spd="slow">
+        <p:fade/>
+      </p:transition>
+    </mc:Fallback>
+  </mc:AlternateContent>
 </p:sld>
 </file>
 
@@ -6732,4 +11690,299 @@
   </a:objectDefaults>
   <a:extraClrSchemeLst/>
 </a:theme>
+</file>
+
+<file path=ppt/theme/theme2.xml><?xml version="1.0" encoding="utf-8"?>
+<a:theme xmlns:a="http://schemas.openxmlformats.org/drawingml/2006/main" name="Office Theme">
+  <a:themeElements>
+    <a:clrScheme name="Office">
+      <a:dk1>
+        <a:sysClr val="windowText" lastClr="000000"/>
+      </a:dk1>
+      <a:lt1>
+        <a:sysClr val="window" lastClr="FFFFFF"/>
+      </a:lt1>
+      <a:dk2>
+        <a:srgbClr val="44546A"/>
+      </a:dk2>
+      <a:lt2>
+        <a:srgbClr val="E7E6E6"/>
+      </a:lt2>
+      <a:accent1>
+        <a:srgbClr val="4472C4"/>
+      </a:accent1>
+      <a:accent2>
+        <a:srgbClr val="ED7D31"/>
+      </a:accent2>
+      <a:accent3>
+        <a:srgbClr val="A5A5A5"/>
+      </a:accent3>
+      <a:accent4>
+        <a:srgbClr val="FFC000"/>
+      </a:accent4>
+      <a:accent5>
+        <a:srgbClr val="5B9BD5"/>
+      </a:accent5>
+      <a:accent6>
+        <a:srgbClr val="70AD47"/>
+      </a:accent6>
+      <a:hlink>
+        <a:srgbClr val="0563C1"/>
+      </a:hlink>
+      <a:folHlink>
+        <a:srgbClr val="954F72"/>
+      </a:folHlink>
+    </a:clrScheme>
+    <a:fontScheme name="Office">
+      <a:majorFont>
+        <a:latin typeface="Calibri Light" panose="020F0302020204030204"/>
+        <a:ea typeface=""/>
+        <a:cs typeface=""/>
+        <a:font script="Jpan" typeface="游ゴシック Light"/>
+        <a:font script="Hang" typeface="맑은 고딕"/>
+        <a:font script="Hans" typeface="等线 Light"/>
+        <a:font script="Hant" typeface="新細明體"/>
+        <a:font script="Arab" typeface="Times New Roman"/>
+        <a:font script="Hebr" typeface="Times New Roman"/>
+        <a:font script="Thai" typeface="Angsana New"/>
+        <a:font script="Ethi" typeface="Nyala"/>
+        <a:font script="Beng" typeface="Vrinda"/>
+        <a:font script="Gujr" typeface="Shruti"/>
+        <a:font script="Khmr" typeface="MoolBoran"/>
+        <a:font script="Knda" typeface="Tunga"/>
+        <a:font script="Guru" typeface="Raavi"/>
+        <a:font script="Cans" typeface="Euphemia"/>
+        <a:font script="Cher" typeface="Plantagenet Cherokee"/>
+        <a:font script="Yiii" typeface="Microsoft Yi Baiti"/>
+        <a:font script="Tibt" typeface="Microsoft Himalaya"/>
+        <a:font script="Thaa" typeface="MV Boli"/>
+        <a:font script="Deva" typeface="Mangal"/>
+        <a:font script="Telu" typeface="Gautami"/>
+        <a:font script="Taml" typeface="Latha"/>
+        <a:font script="Syrc" typeface="Estrangelo Edessa"/>
+        <a:font script="Orya" typeface="Kalinga"/>
+        <a:font script="Mlym" typeface="Kartika"/>
+        <a:font script="Laoo" typeface="DokChampa"/>
+        <a:font script="Sinh" typeface="Iskoola Pota"/>
+        <a:font script="Mong" typeface="Mongolian Baiti"/>
+        <a:font script="Viet" typeface="Times New Roman"/>
+        <a:font script="Uigh" typeface="Microsoft Uighur"/>
+        <a:font script="Geor" typeface="Sylfaen"/>
+        <a:font script="Armn" typeface="Arial"/>
+        <a:font script="Bugi" typeface="Leelawadee UI"/>
+        <a:font script="Bopo" typeface="Microsoft JhengHei"/>
+        <a:font script="Java" typeface="Javanese Text"/>
+        <a:font script="Lisu" typeface="Segoe UI"/>
+        <a:font script="Mymr" typeface="Myanmar Text"/>
+        <a:font script="Nkoo" typeface="Ebrima"/>
+        <a:font script="Olck" typeface="Nirmala UI"/>
+        <a:font script="Osma" typeface="Ebrima"/>
+        <a:font script="Phag" typeface="Phagspa"/>
+        <a:font script="Syrn" typeface="Estrangelo Edessa"/>
+        <a:font script="Syrj" typeface="Estrangelo Edessa"/>
+        <a:font script="Syre" typeface="Estrangelo Edessa"/>
+        <a:font script="Sora" typeface="Nirmala UI"/>
+        <a:font script="Tale" typeface="Microsoft Tai Le"/>
+        <a:font script="Talu" typeface="Microsoft New Tai Lue"/>
+        <a:font script="Tfng" typeface="Ebrima"/>
+      </a:majorFont>
+      <a:minorFont>
+        <a:latin typeface="Calibri" panose="020F0502020204030204"/>
+        <a:ea typeface=""/>
+        <a:cs typeface=""/>
+        <a:font script="Jpan" typeface="游ゴシック"/>
+        <a:font script="Hang" typeface="맑은 고딕"/>
+        <a:font script="Hans" typeface="等线"/>
+        <a:font script="Hant" typeface="新細明體"/>
+        <a:font script="Arab" typeface="Arial"/>
+        <a:font script="Hebr" typeface="Arial"/>
+        <a:font script="Thai" typeface="Cordia New"/>
+        <a:font script="Ethi" typeface="Nyala"/>
+        <a:font script="Beng" typeface="Vrinda"/>
+        <a:font script="Gujr" typeface="Shruti"/>
+        <a:font script="Khmr" typeface="DaunPenh"/>
+        <a:font script="Knda" typeface="Tunga"/>
+        <a:font script="Guru" typeface="Raavi"/>
+        <a:font script="Cans" typeface="Euphemia"/>
+        <a:font script="Cher" typeface="Plantagenet Cherokee"/>
+        <a:font script="Yiii" typeface="Microsoft Yi Baiti"/>
+        <a:font script="Tibt" typeface="Microsoft Himalaya"/>
+        <a:font script="Thaa" typeface="MV Boli"/>
+        <a:font script="Deva" typeface="Mangal"/>
+        <a:font script="Telu" typeface="Gautami"/>
+        <a:font script="Taml" typeface="Latha"/>
+        <a:font script="Syrc" typeface="Estrangelo Edessa"/>
+        <a:font script="Orya" typeface="Kalinga"/>
+        <a:font script="Mlym" typeface="Kartika"/>
+        <a:font script="Laoo" typeface="DokChampa"/>
+        <a:font script="Sinh" typeface="Iskoola Pota"/>
+        <a:font script="Mong" typeface="Mongolian Baiti"/>
+        <a:font script="Viet" typeface="Arial"/>
+        <a:font script="Uigh" typeface="Microsoft Uighur"/>
+        <a:font script="Geor" typeface="Sylfaen"/>
+        <a:font script="Armn" typeface="Arial"/>
+        <a:font script="Bugi" typeface="Leelawadee UI"/>
+        <a:font script="Bopo" typeface="Microsoft JhengHei"/>
+        <a:font script="Java" typeface="Javanese Text"/>
+        <a:font script="Lisu" typeface="Segoe UI"/>
+        <a:font script="Mymr" typeface="Myanmar Text"/>
+        <a:font script="Nkoo" typeface="Ebrima"/>
+        <a:font script="Olck" typeface="Nirmala UI"/>
+        <a:font script="Osma" typeface="Ebrima"/>
+        <a:font script="Phag" typeface="Phagspa"/>
+        <a:font script="Syrn" typeface="Estrangelo Edessa"/>
+        <a:font script="Syrj" typeface="Estrangelo Edessa"/>
+        <a:font script="Syre" typeface="Estrangelo Edessa"/>
+        <a:font script="Sora" typeface="Nirmala UI"/>
+        <a:font script="Tale" typeface="Microsoft Tai Le"/>
+        <a:font script="Talu" typeface="Microsoft New Tai Lue"/>
+        <a:font script="Tfng" typeface="Ebrima"/>
+      </a:minorFont>
+    </a:fontScheme>
+    <a:fmtScheme name="Office">
+      <a:fillStyleLst>
+        <a:solidFill>
+          <a:schemeClr val="phClr"/>
+        </a:solidFill>
+        <a:gradFill rotWithShape="1">
+          <a:gsLst>
+            <a:gs pos="0">
+              <a:schemeClr val="phClr">
+                <a:lumMod val="110000"/>
+                <a:satMod val="105000"/>
+                <a:tint val="67000"/>
+              </a:schemeClr>
+            </a:gs>
+            <a:gs pos="50000">
+              <a:schemeClr val="phClr">
+                <a:lumMod val="105000"/>
+                <a:satMod val="103000"/>
+                <a:tint val="73000"/>
+              </a:schemeClr>
+            </a:gs>
+            <a:gs pos="100000">
+              <a:schemeClr val="phClr">
+                <a:lumMod val="105000"/>
+                <a:satMod val="109000"/>
+                <a:tint val="81000"/>
+              </a:schemeClr>
+            </a:gs>
+          </a:gsLst>
+          <a:lin ang="5400000" scaled="0"/>
+        </a:gradFill>
+        <a:gradFill rotWithShape="1">
+          <a:gsLst>
+            <a:gs pos="0">
+              <a:schemeClr val="phClr">
+                <a:satMod val="103000"/>
+                <a:lumMod val="102000"/>
+                <a:tint val="94000"/>
+              </a:schemeClr>
+            </a:gs>
+            <a:gs pos="50000">
+              <a:schemeClr val="phClr">
+                <a:satMod val="110000"/>
+                <a:lumMod val="100000"/>
+                <a:shade val="100000"/>
+              </a:schemeClr>
+            </a:gs>
+            <a:gs pos="100000">
+              <a:schemeClr val="phClr">
+                <a:lumMod val="99000"/>
+                <a:satMod val="120000"/>
+                <a:shade val="78000"/>
+              </a:schemeClr>
+            </a:gs>
+          </a:gsLst>
+          <a:lin ang="5400000" scaled="0"/>
+        </a:gradFill>
+      </a:fillStyleLst>
+      <a:lnStyleLst>
+        <a:ln w="6350" cap="flat" cmpd="sng" algn="ctr">
+          <a:solidFill>
+            <a:schemeClr val="phClr"/>
+          </a:solidFill>
+          <a:prstDash val="solid"/>
+          <a:miter lim="800000"/>
+        </a:ln>
+        <a:ln w="12700" cap="flat" cmpd="sng" algn="ctr">
+          <a:solidFill>
+            <a:schemeClr val="phClr"/>
+          </a:solidFill>
+          <a:prstDash val="solid"/>
+          <a:miter lim="800000"/>
+        </a:ln>
+        <a:ln w="19050" cap="flat" cmpd="sng" algn="ctr">
+          <a:solidFill>
+            <a:schemeClr val="phClr"/>
+          </a:solidFill>
+          <a:prstDash val="solid"/>
+          <a:miter lim="800000"/>
+        </a:ln>
+      </a:lnStyleLst>
+      <a:effectStyleLst>
+        <a:effectStyle>
+          <a:effectLst/>
+        </a:effectStyle>
+        <a:effectStyle>
+          <a:effectLst/>
+        </a:effectStyle>
+        <a:effectStyle>
+          <a:effectLst>
+            <a:outerShdw blurRad="57150" dist="19050" dir="5400000" algn="ctr" rotWithShape="0">
+              <a:srgbClr val="000000">
+                <a:alpha val="63000"/>
+              </a:srgbClr>
+            </a:outerShdw>
+          </a:effectLst>
+        </a:effectStyle>
+      </a:effectStyleLst>
+      <a:bgFillStyleLst>
+        <a:solidFill>
+          <a:schemeClr val="phClr"/>
+        </a:solidFill>
+        <a:solidFill>
+          <a:schemeClr val="phClr">
+            <a:tint val="95000"/>
+            <a:satMod val="170000"/>
+          </a:schemeClr>
+        </a:solidFill>
+        <a:gradFill rotWithShape="1">
+          <a:gsLst>
+            <a:gs pos="0">
+              <a:schemeClr val="phClr">
+                <a:tint val="93000"/>
+                <a:satMod val="150000"/>
+                <a:shade val="98000"/>
+                <a:lumMod val="102000"/>
+              </a:schemeClr>
+            </a:gs>
+            <a:gs pos="50000">
+              <a:schemeClr val="phClr">
+                <a:tint val="98000"/>
+                <a:satMod val="130000"/>
+                <a:shade val="90000"/>
+                <a:lumMod val="103000"/>
+              </a:schemeClr>
+            </a:gs>
+            <a:gs pos="100000">
+              <a:schemeClr val="phClr">
+                <a:shade val="63000"/>
+                <a:satMod val="120000"/>
+              </a:schemeClr>
+            </a:gs>
+          </a:gsLst>
+          <a:lin ang="5400000" scaled="0"/>
+        </a:gradFill>
+      </a:bgFillStyleLst>
+    </a:fmtScheme>
+  </a:themeElements>
+  <a:objectDefaults/>
+  <a:extraClrSchemeLst/>
+  <a:extLst>
+    <a:ext uri="{05A4C25C-085E-4340-85A3-A5531E510DB2}">
+      <thm15:themeFamily xmlns:thm15="http://schemas.microsoft.com/office/thememl/2012/main" name="Office Theme" id="{62F939B6-93AF-4DB8-9C6B-D6C7DFDC589F}" vid="{4A3C46E8-61CC-4603-A589-7422A47A8E4A}"/>
+    </a:ext>
+  </a:extLst>
+</a:theme>
 </file>